--- a/OV7670/OV7670_Arduino_connect.pptx
+++ b/OV7670/OV7670_Arduino_connect.pptx
@@ -8,6 +8,8 @@
     <p:sldId id="256" r:id="rId2"/>
     <p:sldId id="257" r:id="rId3"/>
     <p:sldId id="258" r:id="rId4"/>
+    <p:sldId id="259" r:id="rId5"/>
+    <p:sldId id="260" r:id="rId6"/>
   </p:sldIdLst>
   <p:sldSz cx="12192000" cy="6858000"/>
   <p:notesSz cx="6858000" cy="9144000"/>
@@ -106,6 +108,11 @@
       </a:defRPr>
     </a:lvl9pPr>
   </p:defaultTextStyle>
+  <p:extLst>
+    <p:ext uri="{EFAFB233-063F-42B5-8137-9DF3F51BA10A}">
+      <p15:sldGuideLst xmlns:p15="http://schemas.microsoft.com/office/powerpoint/2012/main"/>
+    </p:ext>
+  </p:extLst>
 </p:presentation>
 </file>
 
@@ -1105,6 +1112,172 @@
 </inkml:ink>
 </file>
 
+<file path=ppt/ink/ink24.xml><?xml version="1.0" encoding="utf-8"?>
+<inkml:ink xmlns:inkml="http://www.w3.org/2003/InkML">
+  <inkml:definitions>
+    <inkml:context xml:id="ctx0">
+      <inkml:inkSource xml:id="inkSrc0">
+        <inkml:traceFormat>
+          <inkml:channel name="X" type="integer" min="-2.14748E9" max="2.14748E9" units="cm"/>
+          <inkml:channel name="Y" type="integer" min="-2.14748E9" max="2.14748E9" units="cm"/>
+          <inkml:channel name="F" type="integer" max="32767" units="dev"/>
+        </inkml:traceFormat>
+        <inkml:channelProperties>
+          <inkml:channelProperty channel="X" name="resolution" value="1000" units="1/cm"/>
+          <inkml:channelProperty channel="Y" name="resolution" value="1000" units="1/cm"/>
+          <inkml:channelProperty channel="F" name="resolution" value="0" units="1/dev"/>
+        </inkml:channelProperties>
+      </inkml:inkSource>
+      <inkml:timestamp xml:id="ts0" timeString="2024-07-19T01:13:40.645"/>
+    </inkml:context>
+    <inkml:brush xml:id="br0">
+      <inkml:brushProperty name="width" value="0.2" units="cm"/>
+      <inkml:brushProperty name="height" value="0.2" units="cm"/>
+      <inkml:brushProperty name="color" value="#E71224"/>
+    </inkml:brush>
+  </inkml:definitions>
+  <inkml:trace contextRef="#ctx0" brushRef="#br0">756 8168 24575,'-594'0'0,"587"-1"0,0 1 0,1 0 0,-1 1 0,0 0 0,0 0 0,0 0 0,1 1 0,-1 0 0,1 0 0,-1 1 0,1 0 0,-7 4 0,10-4 0,-1 0 0,0 1 0,1-1 0,0 1 0,0 0 0,0 0 0,0 0 0,1 1 0,0-1 0,0 0 0,0 1 0,0 0 0,1-1 0,-1 1 0,1 0 0,0 0 0,0 7 0,0 14 0,0 0 0,2-1 0,1 1 0,1-1 0,9 36 0,-5-24 0,5 58 0,-9-64 0,1 0 0,2-1 0,1 1 0,18 45 0,-14-44 0,-1 1 0,-1 0 0,5 51 0,-10 291 0,-7-190 0,3-159 0,1 57 0,-20 160 0,-25 101 0,30-231 0,6-62 0,-1 67 0,11 883 0,-5-955 0,-2 0 0,-18 80 0,14-87 0,1 1 0,2 0 0,2 0 0,1 49 0,3-83 0,1-1 0,0 0 0,0 0 0,0 1 0,1-1 0,-1 0 0,1 0 0,0 0 0,1-1 0,-1 1 0,1-1 0,0 1 0,0-1 0,6 6 0,-3-4 0,1 0 0,0-1 0,0 1 0,1-1 0,-1-1 0,1 0 0,0 0 0,9 3 0,14 3 0,1-2 0,0-1 0,56 4 0,-76-9 0,694 16 0,-460-21 0,6040 2 0,-3130 2 0,-3151-1 0,0 1 0,1-2 0,-1 1 0,0-1 0,0 1 0,0-1 0,0-1 0,0 1 0,0-1 0,0 0 0,0 0 0,0 0 0,-1-1 0,9-6 0,-8 4 0,0 0 0,-1-1 0,0 1 0,0-1 0,0 0 0,-1-1 0,0 1 0,0 0 0,-1-1 0,4-12 0,5-25 0,-1-1 0,-3-1 0,4-71 0,-12-145 0,-1 153 0,-4-2939 0,8 1695 0,-3 915 0,3-487 0,13 474 0,1-198 0,-18-1212 0,18 1574 0,0-6 0,-19 45 0,5-274 0,1 493 0,2 1 0,0 0 0,13-36 0,-10 35 0,0 1 0,6-60 0,-14-168 0,1-3 0,28 19 0,-4 89 0,-24 147 0,1 0 0,-1 0 0,1 1 0,-1-1 0,1 0 0,1 1 0,-1-1 0,0 1 0,1 0 0,0 0 0,-1 0 0,1 0 0,0 0 0,1 1 0,-1-1 0,0 1 0,1 0 0,-1 0 0,1 0 0,0 1 0,0-1 0,6-1 0,10-3 0,1 2 0,-1 0 0,28-1 0,-20 2 0,93-5 0,155 8 0,-109 2 0,-6 0 0,173-4 0,-308-2 0,0 0 0,-1-1 0,37-13 0,-38 10 0,1 2 0,0 0 0,48-5 0,415 11 0,-224 2 0,2883-2 0,-3100 3-341,-1 2 0,0 2-1,50 13 1</inkml:trace>
+</inkml:ink>
+</file>
+
+<file path=ppt/ink/ink25.xml><?xml version="1.0" encoding="utf-8"?>
+<inkml:ink xmlns:inkml="http://www.w3.org/2003/InkML">
+  <inkml:definitions>
+    <inkml:context xml:id="ctx0">
+      <inkml:inkSource xml:id="inkSrc0">
+        <inkml:traceFormat>
+          <inkml:channel name="X" type="integer" min="-2.14748E9" max="2.14748E9" units="cm"/>
+          <inkml:channel name="Y" type="integer" min="-2.14748E9" max="2.14748E9" units="cm"/>
+          <inkml:channel name="F" type="integer" max="32767" units="dev"/>
+        </inkml:traceFormat>
+        <inkml:channelProperties>
+          <inkml:channelProperty channel="X" name="resolution" value="1000" units="1/cm"/>
+          <inkml:channelProperty channel="Y" name="resolution" value="1000" units="1/cm"/>
+          <inkml:channelProperty channel="F" name="resolution" value="0" units="1/dev"/>
+        </inkml:channelProperties>
+      </inkml:inkSource>
+      <inkml:timestamp xml:id="ts0" timeString="2024-07-19T01:14:04.496"/>
+    </inkml:context>
+    <inkml:brush xml:id="br0">
+      <inkml:brushProperty name="width" value="0.2" units="cm"/>
+      <inkml:brushProperty name="height" value="0.2" units="cm"/>
+      <inkml:brushProperty name="color" value="#E71224"/>
+    </inkml:brush>
+  </inkml:definitions>
+  <inkml:trace contextRef="#ctx0" brushRef="#br0">6295 282 24575,'-1071'-30'0,"-239"-1"0,999 32 0,206 4 0,-157 28 0,116-12 0,55-9 0,-99 14 0,-211 0 0,-1584-28 0,1979 2 0,0 0 0,-1-1 0,1 0 0,0 0 0,0-1 0,0 1 0,0-1 0,0 0 0,-8-5 0,12 6 0,1 0 0,0 0 0,-1 0 0,1 0 0,0 0 0,-1 0 0,1 0 0,0 0 0,0-1 0,0 1 0,0 0 0,0-1 0,0 1 0,1-1 0,-1 1 0,0-1 0,1 1 0,-1-1 0,1 0 0,0 1 0,-1-1 0,1 0 0,0 1 0,0-1 0,0 0 0,0 1 0,0-1 0,0 0 0,1 1 0,-1-1 0,1 0 0,-1 1 0,1-1 0,-1 1 0,1-1 0,0 1 0,0-1 0,0 1 0,0-1 0,1-1 0,1-1 0,0 1 0,0-1 0,1 0 0,-1 1 0,1 0 0,0 0 0,0 0 0,0 0 0,0 1 0,0 0 0,0-1 0,1 1 0,-1 1 0,1-1 0,0 1 0,-1 0 0,1 0 0,0 0 0,0 1 0,-1-1 0,1 1 0,0 0 0,9 2 0,-8-2 0,0 1 0,-1 1 0,1-1 0,-1 1 0,1-1 0,-1 1 0,1 1 0,-1-1 0,0 1 0,0 0 0,-1 0 0,1 1 0,0-1 0,-1 1 0,0 0 0,0 0 0,0 1 0,-1-1 0,6 9 0,-3-1 0,-1-1 0,-1 1 0,0 1 0,-1-1 0,0 0 0,0 1 0,-2 0 0,1 13 0,-1-20 0,-1 0 0,0-1 0,-1 1 0,1-1 0,-1 1 0,0 0 0,0-1 0,-1 0 0,0 1 0,0-1 0,0 0 0,0 0 0,-1 0 0,0 0 0,0 0 0,0-1 0,-1 1 0,1-1 0,-1 0 0,-7 5 0,-5 1 0,0-1 0,0-1 0,-1 0 0,-1-2 0,1 0 0,-1 0 0,0-2 0,-23 3 0,13-3 0,1-2 0,-1 0 0,0-2 0,-53-7 0,76 6 0,-1-1 0,1 1 0,0-1 0,-1 0 0,1 0 0,0-1 0,0 1 0,0-1 0,0 0 0,1-1 0,-1 1 0,1-1 0,-5-5 0,2 1 0,0 0 0,1-1 0,0 0 0,0-1 0,1 1 0,-6-15 0,1-6 0,1 0 0,2 0 0,-8-58 0,12 67 0,1-1 0,1 1 0,1-1 0,1 1 0,0-1 0,7-26 0,-7 43 0,0-1 0,1 1 0,0 0 0,0-1 0,0 1 0,0 0 0,1 0 0,0 0 0,0 1 0,0-1 0,1 1 0,0 0 0,0-1 0,0 2 0,0-1 0,0 0 0,1 1 0,-1 0 0,1 0 0,0 0 0,0 1 0,0-1 0,1 1 0,-1 1 0,0-1 0,1 1 0,-1-1 0,8 1 0,15-2 0,-1 1 0,1 1 0,-1 2 0,0 1 0,37 7 0,-54-7 0,0 0 0,-1 1 0,1 0 0,-1 1 0,0 0 0,0 0 0,0 1 0,-1 0 0,0 1 0,0 0 0,0 0 0,0 0 0,-1 1 0,0 1 0,-1-1 0,0 1 0,10 15 0,-9-9 0,0 1 0,-2 0 0,1 0 0,-2 1 0,0 0 0,-1-1 0,2 32 0,-4-12 0,-1 1 0,-7 52 0,6-84 0,1-1 0,-1 0 0,0 0 0,0 1 0,0-1 0,-1 0 0,1 0 0,-1 0 0,1 0 0,-1-1 0,0 1 0,0 0 0,0-1 0,0 1 0,-1-1 0,1 0 0,-1 0 0,1 0 0,-1 0 0,0 0 0,0 0 0,0-1 0,0 0 0,0 1 0,0-1 0,0 0 0,0 0 0,-1-1 0,-4 1 0,-10 1 0,-1 0 0,0-2 0,0 0 0,-22-4 0,2 1 0,29 3 0,0-1 0,1 0 0,-1 0 0,1-1 0,-1 0 0,1-1 0,0 0 0,0-1 0,0 0 0,0 0 0,1-1 0,-10-6 0,12 6 0,0 0 0,1 0 0,-1-1 0,1 0 0,0 0 0,1-1 0,0 1 0,-1-1 0,2 0 0,-1 0 0,1-1 0,0 1 0,1 0 0,0-1 0,-2-11 0,3 14 0,0-1 0,0 1 0,1-1 0,-1 1 0,1-1 0,0 1 0,1-1 0,0 1 0,0-1 0,0 1 0,0 0 0,1-1 0,3-7 0,-3 10 0,0 0 0,1 0 0,-1 0 0,1 0 0,-1 1 0,1-1 0,0 1 0,0-1 0,0 1 0,0 0 0,1 1 0,-1-1 0,0 0 0,1 1 0,-1 0 0,1 0 0,0 0 0,-1 0 0,1 0 0,0 1 0,4 0 0,28-3 0,1 2 0,-1 1 0,1 2 0,54 11 0,-87-13 0,0 2 0,0-1 0,0 0 0,0 1 0,-1 0 0,1 0 0,0 0 0,-1 0 0,1 0 0,-1 1 0,0 0 0,0 0 0,0 0 0,0 0 0,0 0 0,-1 0 0,0 1 0,1-1 0,-1 1 0,0 0 0,-1-1 0,1 1 0,1 4 0,-1 0 0,-1-1 0,0 0 0,0 1 0,0-1 0,-1 1 0,0-1 0,0 1 0,-1-1 0,0 1 0,0-1 0,-1 0 0,-3 10 0,3-12 5,-1-1-1,1 0 1,-1 0 0,0 0-1,0 0 1,0 0-1,-1-1 1,1 1 0,-1-1-1,0 0 1,0 0 0,0 0-1,0 0 1,0-1-1,-1 0 1,1 0 0,-1 0-1,0 0 1,1-1-1,-1 0 1,0 0 0,0 0-1,0 0 1,0-1-1,-5 0 1,7 0-39,0 0 0,1 1 1,-1-2-1,0 1 0,0 0 0,0 0 1,1-1-1,-1 0 0,0 1 0,0-1 1,1 0-1,-1-1 0,1 1 0,-1 0 1,1-1-1,-1 1 0,1-1 0,0 0 1,0 0-1,0 1 0,0-2 0,0 1 1,0 0-1,0 0 0,1 0 0,-1-1 1,1 1-1,0-1 0,0 0 0,0 1 1,0-1-1,0 0 0,0 1 0,1-1 1,-1 0-1,1 0 0,0 1 0,0-1 1,0 0-1,0 0 0,0 0 0,1 0 1,0-3-1</inkml:trace>
+</inkml:ink>
+</file>
+
+<file path=ppt/ink/ink26.xml><?xml version="1.0" encoding="utf-8"?>
+<inkml:ink xmlns:inkml="http://www.w3.org/2003/InkML">
+  <inkml:definitions>
+    <inkml:context xml:id="ctx0">
+      <inkml:inkSource xml:id="inkSrc0">
+        <inkml:traceFormat>
+          <inkml:channel name="X" type="integer" min="-2.14748E9" max="2.14748E9" units="cm"/>
+          <inkml:channel name="Y" type="integer" min="-2.14748E9" max="2.14748E9" units="cm"/>
+          <inkml:channel name="F" type="integer" max="32767" units="dev"/>
+        </inkml:traceFormat>
+        <inkml:channelProperties>
+          <inkml:channelProperty channel="X" name="resolution" value="1000" units="1/cm"/>
+          <inkml:channelProperty channel="Y" name="resolution" value="1000" units="1/cm"/>
+          <inkml:channelProperty channel="F" name="resolution" value="0" units="1/dev"/>
+        </inkml:channelProperties>
+      </inkml:inkSource>
+      <inkml:timestamp xml:id="ts0" timeString="2024-07-19T01:14:30.775"/>
+    </inkml:context>
+    <inkml:brush xml:id="br0">
+      <inkml:brushProperty name="width" value="0.2" units="cm"/>
+      <inkml:brushProperty name="height" value="0.2" units="cm"/>
+    </inkml:brush>
+  </inkml:definitions>
+  <inkml:trace contextRef="#ctx0" brushRef="#br0">15960 95 24575,'22'-1'0,"0"-2"0,35-7 0,6-1 0,-42 8 0,-1-2 0,1-1 0,32-12 0,-34 10 0,0 1 0,0 1 0,1 1 0,26-3 0,272 4 0,-159 7 0,-155-3 0,1 0 0,-1 0 0,0 0 0,0 1 0,1-1 0,-1 1 0,0 0 0,0 0 0,0 1 0,0-1 0,0 1 0,0 0 0,6 4 0,-7-3 0,-1 0 0,1 0 0,-1 0 0,0 0 0,0 0 0,0 1 0,0-1 0,-1 1 0,1-1 0,-1 1 0,0 0 0,0-1 0,0 1 0,-1 0 0,1 7 0,5 92 0,-9 123 0,-1-71 0,0 3410 0,7-1837 0,-19-1240 0,1 6 0,18-27 0,-6 514 0,-27-695 0,-1 7 0,30 644 0,4-421 0,-3 1163 0,15-1480 0,1-19 0,-14-102 0,0 11 0,-9 101 0,7-186 0,0 1 0,-1-1 0,0 0 0,0 1 0,0-1 0,-1 0 0,1 0 0,-1 0 0,0 0 0,0 0 0,-1-1 0,1 1 0,-1 0 0,1-1 0,-1 0 0,0 0 0,-1 0 0,1 0 0,0 0 0,-1 0 0,0-1 0,1 0 0,-1 0 0,0 0 0,0 0 0,0 0 0,-1-1 0,-3 1 0,-12 2 0,1-2 0,-1 0 0,0-1 0,1-1 0,-22-3 0,4 1 0,-1659-9 0,1027 14 0,-1320-3 0,1739 15 0,2 1 0,-4816-15 0,2380-3 0,2514 2 0,-637-29 0,-204-61 0,436 85 0,317 7 0,251-1 0,0-1 0,0 0 0,0-1 0,0 0 0,1 0 0,-1 0 0,0-1 0,0 0 0,-12-6 0,16 6 0,0 0 0,1 0 0,-1 0 0,1-1 0,0 1 0,0-1 0,0 0 0,0 0 0,0 0 0,0 0 0,1 0 0,-1 0 0,1 0 0,0 0 0,0 0 0,0-1 0,0 1 0,1 0 0,-1-1 0,1 1 0,0-1 0,0-3 0,4-234 0,1 54 0,-5-1534 0,-3 1664 0,-3-1 0,-16-72 0,10 72 0,-7-118 0,20 58 0,1 61 0,-2-1 0,-13-92 0,-4 36 0,9 55 0,-17-70 0,14 83 0,3-1 0,2 0 0,0-50 0,4 52 0,-11-84 0,-1-35 0,16-23 0,-5-98 0,2 270 0,-2-1 0,0 1 0,-1-1 0,0 1 0,-2 0 0,1 1 0,-14-24 0,16 31 0,-1 1 0,-1-1 0,1 1 0,-1-1 0,0 1 0,-1 0 0,1 1 0,-1 0 0,0 0 0,0 0 0,-1 0 0,0 1 0,1 0 0,-2 1 0,1-1 0,-14-4 0,-20 2 0,0 2 0,0 2 0,-1 1 0,-46 6 0,-19-1 0,-16-5 0,-107 3 0,200 3-1365</inkml:trace>
+</inkml:ink>
+</file>
+
+<file path=ppt/ink/ink27.xml><?xml version="1.0" encoding="utf-8"?>
+<inkml:ink xmlns:inkml="http://www.w3.org/2003/InkML">
+  <inkml:definitions>
+    <inkml:context xml:id="ctx0">
+      <inkml:inkSource xml:id="inkSrc0">
+        <inkml:traceFormat>
+          <inkml:channel name="X" type="integer" min="-2.14748E9" max="2.14748E9" units="cm"/>
+          <inkml:channel name="Y" type="integer" min="-2.14748E9" max="2.14748E9" units="cm"/>
+          <inkml:channel name="F" type="integer" max="32767" units="dev"/>
+        </inkml:traceFormat>
+        <inkml:channelProperties>
+          <inkml:channelProperty channel="X" name="resolution" value="1000" units="1/cm"/>
+          <inkml:channelProperty channel="Y" name="resolution" value="1000" units="1/cm"/>
+          <inkml:channelProperty channel="F" name="resolution" value="0" units="1/dev"/>
+        </inkml:channelProperties>
+      </inkml:inkSource>
+      <inkml:timestamp xml:id="ts0" timeString="2024-07-19T01:14:34.737"/>
+    </inkml:context>
+    <inkml:brush xml:id="br0">
+      <inkml:brushProperty name="width" value="0.2" units="cm"/>
+      <inkml:brushProperty name="height" value="0.2" units="cm"/>
+    </inkml:brush>
+  </inkml:definitions>
+  <inkml:trace contextRef="#ctx0" brushRef="#br0">1 221 24575,'939'0'0,"-935"0"0,1 0 0,-1 0 0,1 0 0,-1 1 0,1-1 0,-1 1 0,1 0 0,-1 1 0,0-1 0,1 1 0,-1-1 0,8 6 0,-10-5 0,0 0 0,0 0 0,0 1 0,-1-1 0,1 1 0,0-1 0,-1 1 0,0 0 0,1-1 0,-1 1 0,0 0 0,-1 0 0,1 0 0,0 0 0,-1 0 0,0-1 0,1 1 0,-1 0 0,0 0 0,-1 5 0,0 4 0,-1-1 0,0 1 0,-1-1 0,-1 1 0,1-1 0,-2 0 0,0 0 0,0-1 0,0 1 0,-2-1 0,-12 16 0,16-22 0,0 1 0,0-1 0,-1 0 0,1-1 0,-1 1 0,0-1 0,0 1 0,-1-1 0,1 0 0,-1-1 0,1 1 0,-1-1 0,0 0 0,0 0 0,0 0 0,0-1 0,0 0 0,0 0 0,-1 0 0,1-1 0,0 1 0,-1-1 0,1 0 0,0-1 0,0 1 0,-1-1 0,1 0 0,-7-3 0,8 2 0,1 0 0,0-1 0,0 1 0,0-1 0,0 0 0,1 0 0,-1 0 0,1 0 0,-1 0 0,1 0 0,0-1 0,0 1 0,1-1 0,-1 1 0,1-1 0,0 0 0,0 0 0,0 0 0,0 1 0,0-1 0,1 0 0,0-5 0,-1-8 0,0 1 0,1-1 0,5-30 0,-3 40 0,0 0 0,1 0 0,0 1 0,0-1 0,0 1 0,1 0 0,0 0 0,0 0 0,1 0 0,0 1 0,0 0 0,0 0 0,0 0 0,1 0 0,0 1 0,0 0 0,8-4 0,12-7 0,1 2 0,50-18 0,-71 28 0,0 1 0,0-1 0,0 2 0,1-1 0,-1 1 0,1 0 0,-1 0 0,1 1 0,-1-1 0,1 2 0,0-1 0,-1 1 0,1 0 0,-1 0 0,1 0 0,-1 1 0,0 0 0,0 1 0,0-1 0,0 1 0,0 1 0,0-1 0,-1 1 0,1-1 0,-1 2 0,0-1 0,-1 0 0,1 1 0,-1 0 0,0 0 0,0 1 0,0-1 0,-1 1 0,1 0 0,-1-1 0,-1 1 0,1 1 0,-1-1 0,0 0 0,-1 1 0,2 7 0,-2-10 0,0 1 0,0 0 0,0-1 0,-1 1 0,0 0 0,0 0 0,0-1 0,0 1 0,-1 0 0,0 0 0,0-1 0,0 1 0,0-1 0,-1 1 0,1-1 0,-1 1 0,-1-1 0,1 0 0,-4 6 0,2-6 0,-1-1 0,1 1 0,0-1 0,-1 0 0,0 0 0,0 0 0,0 0 0,0-1 0,0 0 0,-1 0 0,1 0 0,0-1 0,-1 0 0,0 0 0,1 0 0,-6-1 0,1 1 0,-1 0 0,1-1 0,0 0 0,0-1 0,0 0 0,0-1 0,0 0 0,1 0 0,-15-6 0,17 5 0,1 0 0,1-1 0,-1 0 0,0 0 0,1 0 0,0-1 0,0 0 0,0 0 0,1 0 0,-1-1 0,1 1 0,0-1 0,1 0 0,-6-11 0,2 0 0,1-1 0,0 1 0,1-1 0,1 0 0,0 0 0,2-1 0,0 1 0,1-1 0,2-30 0,-1 46 0,0 1 0,0 0 0,0-1 0,0 1 0,1 0 0,-1 0 0,1-1 0,-1 1 0,1 0 0,0 0 0,0 0 0,0 0 0,0 0 0,0 0 0,1 0 0,-1 0 0,0 0 0,1 0 0,-1 1 0,1-1 0,0 0 0,0 1 0,0 0 0,-1-1 0,1 1 0,0 0 0,1 0 0,-1 0 0,0 0 0,0 0 0,0 1 0,0-1 0,1 1 0,-1-1 0,0 1 0,1 0 0,-1 0 0,0 0 0,0 0 0,1 0 0,-1 1 0,0-1 0,1 1 0,2 1 0,4 0 0,0 2 0,0-1 0,0 1 0,0 0 0,-1 1 0,0 0 0,0 1 0,0 0 0,10 9 0,-5 0 0,0 0 0,0 1 0,-2 0 0,0 1 0,-1 0 0,0 1 0,10 27 0,-18-38 0,0 0 0,0 0 0,-1 0 0,1 0 0,-1 0 0,-1 0 0,0 1 0,0-1 0,0 0 0,-3 13 0,2-16 0,0 0 0,-1 0 0,1 1 0,-1-1 0,-1 0 0,1-1 0,0 1 0,-1 0 0,0-1 0,0 1 0,0-1 0,0 0 0,0 0 0,-1 0 0,1 0 0,-1-1 0,0 1 0,-7 2 0,1 0 0,-2-1 0,1 0 0,0-1 0,-1 0 0,1-1 0,-1 0 0,-17 0 0,-89-6 0,57 1 0,34 2 0,9 2 0,1-1 0,-1-2 0,1 1 0,-1-2 0,-25-7 0,38 8 0,1 0 0,-1 0 0,1 0 0,0-1 0,-1 0 0,1 0 0,0 0 0,1 0 0,-1 0 0,0-1 0,1 0 0,0 0 0,0 0 0,0 0 0,0 0 0,1 0 0,0-1 0,-1 1 0,2-1 0,-1 0 0,0 0 0,1 1 0,0-1 0,0-6 0,-2-9 0,0 0 0,2 0 0,1 0 0,0-1 0,1 1 0,2 0 0,6-28 0,-8 41 0,0 1 0,1 0 0,0-1 0,1 1 0,0 0 0,0 0 0,0 0 0,0 1 0,1-1 0,0 1 0,0-1 0,0 1 0,1 1 0,0-1 0,0 1 0,0-1 0,0 2 0,1-1 0,0 0 0,-1 1 0,1 0 0,1 1 0,-1-1 0,0 1 0,13-3 0,37 0 0,0 3 0,0 2 0,61 8 0,-102-7 0,0 1 0,0 1 0,0 1 0,-1 0 0,1 1 0,-1 1 0,-1 0 0,1 0 0,-1 2 0,0-1 0,0 2 0,17 14 0,-22-15 0,0-1 0,0 2 0,-1-1 0,0 1 0,0 0 0,-1 1 0,0-1 0,-1 1 0,0 0 0,0 1 0,-1-1 0,-1 1 0,0 0 0,0 0 0,-1 0 0,0 0 0,0 13 0,-2 1 0,1-7 0,0 0 0,-2-1 0,0 1 0,-4 19 0,4-33 0,0 0 0,0 0 0,0 0 0,-1-1 0,1 1 0,-1 0 0,0-1 0,0 1 0,0-1 0,0 0 0,-1 0 0,1 0 0,-1 0 0,0 0 0,0 0 0,0-1 0,0 1 0,0-1 0,-1 0 0,1 0 0,-1 0 0,1-1 0,-8 3 0,-13 1 0,-1-1 0,0-2 0,-1 0 0,1-2 0,0 0 0,0-2 0,0-1 0,0-1 0,-45-13 0,64 14 0,0 0 0,0 0 0,1 0 0,-1-1 0,1 0 0,0 0 0,0-1 0,0 1 0,1-1 0,-1 0 0,1 0 0,0-1 0,1 1 0,-1-1 0,1 0 0,0 0 0,1 0 0,-1 0 0,1 0 0,0 0 0,1-1 0,-2-12 0,1 12 0,1 0 0,0 0 0,0 0 0,1 0 0,0 0 0,0-1 0,1 1 0,0 0 0,0 0 0,0 0 0,1 0 0,0 0 0,1 0 0,-1 1 0,1-1 0,1 1 0,-1-1 0,1 1 0,0 0 0,0 1 0,6-6 0,3 1 0,0 2 0,1 0 0,0 0 0,0 2 0,1 0 0,0 0 0,0 1 0,0 1 0,1 1 0,0 0 0,-1 1 0,1 0 0,0 2 0,0-1 0,25 5 0,-38-4 0,1 1 0,-1 0 0,1-1 0,-1 2 0,0-1 0,0 0 0,1 1 0,-1-1 0,0 1 0,5 4 0,-7-5 0,0 0 0,0 0 0,0 0 0,0 0 0,0 1 0,0-1 0,-1 0 0,1 1 0,0-1 0,-1 0 0,1 1 0,-1-1 0,1 1 0,-1-1 0,0 1 0,1-1 0,-1 1 0,0 2 0,-1-1 0,0 1 0,0-1 0,0 0 0,-1 1 0,1-1 0,-1 0 0,0 0 0,1 0 0,-1 0 0,-1 0 0,1 0 0,0 0 0,-1-1 0,0 1 0,1-1 0,-1 0 0,0 0 0,0 0 0,0 0 0,-4 1 0,-14 7 0,-1-1 0,0-1 0,0-1 0,-1-1 0,0-1 0,0-1 0,0-1 0,0-1 0,-1-1 0,-30-2 0,50 1 8,0-1-1,0 0 1,0 0-1,0 0 1,0 0-1,0 0 1,0-1-1,0 0 1,0 1-1,1-1 1,-1-1-1,1 1 1,-1-1-1,1 1 1,-5-7-1,7 8-16,0 0 1,0 1-1,1-1 0,-1 0 0,1 0 1,-1 0-1,1-1 0,0 1 0,-1 0 1,1 0-1,0 0 0,0 0 0,-1 0 1,1 0-1,0 0 0,0-1 0,0 1 1,0 0-1,1 0 0,-1 0 0,0 0 1,1-2-1,0 1-71,1 0-1,-1 0 1,1 0 0,-1 0 0,1 0-1,0 1 1,-1-1 0,1 0 0,0 1-1,0 0 1,0-1 0,1 1 0,-1 0-1,0 0 1,3-1 0</inkml:trace>
+</inkml:ink>
+</file>
+
+<file path=ppt/ink/ink28.xml><?xml version="1.0" encoding="utf-8"?>
+<inkml:ink xmlns:inkml="http://www.w3.org/2003/InkML">
+  <inkml:definitions>
+    <inkml:context xml:id="ctx0">
+      <inkml:inkSource xml:id="inkSrc0">
+        <inkml:traceFormat>
+          <inkml:channel name="X" type="integer" min="-2.14748E9" max="2.14748E9" units="cm"/>
+          <inkml:channel name="Y" type="integer" min="-2.14748E9" max="2.14748E9" units="cm"/>
+          <inkml:channel name="F" type="integer" max="32767" units="dev"/>
+        </inkml:traceFormat>
+        <inkml:channelProperties>
+          <inkml:channelProperty channel="X" name="resolution" value="1000" units="1/cm"/>
+          <inkml:channelProperty channel="Y" name="resolution" value="1000" units="1/cm"/>
+          <inkml:channelProperty channel="F" name="resolution" value="0" units="1/dev"/>
+        </inkml:channelProperties>
+      </inkml:inkSource>
+      <inkml:timestamp xml:id="ts0" timeString="2024-07-19T01:16:33.370"/>
+    </inkml:context>
+    <inkml:brush xml:id="br0">
+      <inkml:brushProperty name="width" value="0.2" units="cm"/>
+      <inkml:brushProperty name="height" value="0.2" units="cm"/>
+      <inkml:brushProperty name="color" value="#33CCFF"/>
+    </inkml:brush>
+  </inkml:definitions>
+  <inkml:trace contextRef="#ctx0" brushRef="#br0">187 72 24575,'-16'-1'0,"1"0"0,-1-1 0,1-1 0,0-1 0,0 0 0,0-1 0,0 0 0,1-2 0,-21-11 0,31 12 0,15 3 0,17 6 0,-27-2 0,1-1 0,-1 1 0,1 0 0,-1-1 0,0 1 0,1 0 0,-1 0 0,0 0 0,0 0 0,1 0 0,-1 1 0,0-1 0,0 0 0,0 0 0,-1 1 0,2 1 0,-2-3 0,1 1 0,-1 0 0,0 0 0,0-1 0,0 1 0,0 0 0,0 0 0,0-1 0,0 1 0,0 0 0,0-1 0,0 1 0,-1 0 0,1 0 0,0-1 0,0 1 0,-1 0 0,1-1 0,0 1 0,-1 0 0,1-1 0,-1 1 0,1-1 0,-1 2 0,-1-1 0,1 0 0,0 0 0,-1 0 0,1-1 0,-1 1 0,0 0 0,1-1 0,-1 1 0,1 0 0,-1-1 0,0 0 0,0 1 0,1-1 0,-1 0 0,0 0 0,0 0 0,1 0 0,-1 0 0,0-1 0,1 1 0,-1 0 0,0-1 0,1 1 0,-1-1 0,0 0 0,1 0 0,-1 1 0,-1-3 0,2 3 0,0 0 0,0-1 0,0 1 0,0-1 0,0 1 0,0-1 0,0 1 0,0-1 0,0 0 0,0 1 0,0-1 0,1 0 0,-1 0 0,0 0 0,1 1 0,-1-1 0,0 0 0,1 0 0,-1 0 0,1 0 0,0 0 0,-1 0 0,1 0 0,0 0 0,-1 0 0,1 0 0,0-1 0,0 1 0,0 0 0,0 0 0,0 0 0,0 0 0,0 0 0,1 0 0,-1 0 0,0 0 0,1 0 0,-1 0 0,0 0 0,1 0 0,-1 0 0,1 0 0,0 0 0,-1 0 0,1 0 0,0 0 0,-1 1 0,1-1 0,0 0 0,0 0 0,0 1 0,0-1 0,1 0 0,0 0 0,-1 0 0,0 0 0,1 0 0,-1 1 0,1-1 0,-1 1 0,1-1 0,-1 1 0,1-1 0,-1 1 0,1 0 0,0 0 0,-1 0 0,1 0 0,-1 0 0,1 0 0,-1 0 0,1 0 0,0 1 0,-1-1 0,1 1 0,-1-1 0,1 1 0,-1-1 0,0 1 0,1 0 0,-1 0 0,1 0 0,-1 0 0,0 0 0,0 0 0,0 0 0,0 0 0,0 0 0,0 0 0,1 2 0,0 2 0,-1 0 0,0 0 0,0 0 0,0 0 0,-1 0 0,1 0 0,-1 0 0,-1 0 0,0 7 0,1-10 0,0-1 0,0 0 0,0 1 0,0-1 0,0 0 0,0 1 0,0-1 0,-1 0 0,1 1 0,0-1 0,-1 0 0,1 1 0,-1-1 0,0 0 0,1 0 0,-1 0 0,0 0 0,0 0 0,1 0 0,-1 0 0,0 0 0,0 0 0,0 0 0,0 0 0,-1 0 0,1-1 0,0 1 0,0 0 0,0-1 0,0 1 0,-1-1 0,1 1 0,0-1 0,-1 0 0,1 0 0,0 1 0,-1-1 0,-1 0 0,2-1 3,0 1 1,0 0-1,0-1 0,0 1 0,0-1 1,0 1-1,0-1 0,0 1 0,1-1 0,-1 0 1,0 1-1,0-1 0,1 0 0,-1 0 0,0 1 1,1-1-1,-1 0 0,1 0 0,-1 0 1,1 0-1,-1 0 0,1 0 0,0 0 0,-1 0 1,1 0-1,0 0 0,0 0 0,0 0 0,0 0 1,0 0-1,0 0 0,0 0 0,0 0 1,0 0-1,0 0 0,1-2 0,0 0-151,-1-1-1,1 1 1,1 0 0,-1-1-1,0 1 1,1 0-1,0 0 1,-1 0-1,6-5 1</inkml:trace>
+</inkml:ink>
+</file>
+
+<file path=ppt/ink/ink29.xml><?xml version="1.0" encoding="utf-8"?>
+<inkml:ink xmlns:inkml="http://www.w3.org/2003/InkML">
+  <inkml:definitions>
+    <inkml:context xml:id="ctx0">
+      <inkml:inkSource xml:id="inkSrc0">
+        <inkml:traceFormat>
+          <inkml:channel name="X" type="integer" min="-2.14748E9" max="2.14748E9" units="cm"/>
+          <inkml:channel name="Y" type="integer" min="-2.14748E9" max="2.14748E9" units="cm"/>
+          <inkml:channel name="F" type="integer" max="32767" units="dev"/>
+        </inkml:traceFormat>
+        <inkml:channelProperties>
+          <inkml:channelProperty channel="X" name="resolution" value="1000" units="1/cm"/>
+          <inkml:channelProperty channel="Y" name="resolution" value="1000" units="1/cm"/>
+          <inkml:channelProperty channel="F" name="resolution" value="0" units="1/dev"/>
+        </inkml:channelProperties>
+      </inkml:inkSource>
+      <inkml:timestamp xml:id="ts0" timeString="2024-07-19T01:16:42.283"/>
+    </inkml:context>
+    <inkml:brush xml:id="br0">
+      <inkml:brushProperty name="width" value="0.2" units="cm"/>
+      <inkml:brushProperty name="height" value="0.2" units="cm"/>
+      <inkml:brushProperty name="color" value="#F6630D"/>
+    </inkml:brush>
+  </inkml:definitions>
+  <inkml:trace contextRef="#ctx0" brushRef="#br0">33 237 24575,'0'-4'0,"0"0"0,0-1 0,1 1 0,0-1 0,0 1 0,0 0 0,0 0 0,0-1 0,1 1 0,0 0 0,0 0 0,3-4 0,-4 7 0,0 0 0,0 0 0,0 0 0,0 0 0,0 0 0,0 0 0,0 0 0,0 1 0,1-1 0,-1 1 0,0-1 0,0 1 0,1-1 0,-1 1 0,0 0 0,1-1 0,-1 1 0,0 0 0,1 0 0,-1 0 0,0 0 0,1 0 0,-1 0 0,0 1 0,1-1 0,-1 0 0,0 1 0,1-1 0,-1 1 0,0-1 0,0 1 0,1-1 0,-1 1 0,0 0 0,0 0 0,0 0 0,0 0 0,0 0 0,0 0 0,0 0 0,1 1 0,1-4 0,-3-12 0,-2-27 0,0 18 0,2 18 0,0 1 0,0-1 0,0 1 0,1 0 0,0-1 0,0 1 0,0-1 0,0 1 0,0 0 0,1 0 0,0 0 0,0-1 0,0 2 0,0-1 0,1 0 0,0 0 0,0 1 0,0 0 0,0-1 0,7-4 0,-7 6 0,0 1 0,0-1 0,0 1 0,0 0 0,0 0 0,1 1 0,-1-1 0,0 1 0,0-1 0,1 1 0,-1 0 0,0 0 0,1 0 0,-1 1 0,0-1 0,1 1 0,-1 0 0,0 0 0,0 0 0,0 0 0,0 1 0,0-1 0,0 1 0,0 0 0,0 0 0,-1 0 0,1 0 0,4 4 0,-1 1 0,1 0 0,-1 0 0,0 0 0,0 1 0,-1 0 0,0 0 0,-1 0 0,0 0 0,0 1 0,0 0 0,-1 0 0,-1 0 0,3 13 0,-4-17 0,0-1 0,-1 0 0,1 1 0,-1-1 0,0 1 0,0-1 0,-1 1 0,1-1 0,-1 0 0,0 1 0,0-1 0,0 0 0,-1 1 0,0-1 0,0 0 0,0 0 0,0-1 0,0 1 0,-1 0 0,0-1 0,1 1 0,-1-1 0,-1 0 0,1 0 0,0 0 0,-1 0 0,1-1 0,-1 1 0,-7 3 0,-13 5 0,10-5 0,1 1 0,-1-2 0,0 0 0,0-1 0,-23 5 0,33-9 0,0 0 0,0 0 0,0 0 0,0 0 0,0-1 0,0 1 0,0-1 0,0 0 0,1 0 0,-1-1 0,0 1 0,1-1 0,-1 1 0,1-1 0,-1 0 0,1-1 0,0 1 0,0-1 0,0 1 0,0-1 0,0 0 0,1 0 0,-1 0 0,1 0 0,0 0 0,-2-5 0,0 2 9,1 1 1,1-1-1,-1 0 0,1 0 0,0 0 1,0 0-1,1 0 0,0-1 0,0 1 0,0 0 1,1-1-1,0-8 0,1 12-62,-1 0 0,1 0 0,-1 0 0,1 0 0,0 0 0,0 1 0,1-1 0,-1 0 0,0 0 0,1 1 0,0-1 0,0 1 0,-1-1-1,2 1 1,-1 0 0,0 0 0,0 0 0,1 0 0,-1 0 0,1 1 0,-1-1 0,1 0 0,0 1 0,-1 0 0,1 0 0,0 0 0,3-1 0</inkml:trace>
+</inkml:ink>
+</file>
+
 <file path=ppt/ink/ink3.xml><?xml version="1.0" encoding="utf-8"?>
 <inkml:ink xmlns:inkml="http://www.w3.org/2003/InkML">
   <inkml:definitions>
@@ -1133,6 +1306,294 @@
 </inkml:ink>
 </file>
 
+<file path=ppt/ink/ink30.xml><?xml version="1.0" encoding="utf-8"?>
+<inkml:ink xmlns:inkml="http://www.w3.org/2003/InkML">
+  <inkml:definitions>
+    <inkml:context xml:id="ctx0">
+      <inkml:inkSource xml:id="inkSrc0">
+        <inkml:traceFormat>
+          <inkml:channel name="X" type="integer" min="-2.14748E9" max="2.14748E9" units="cm"/>
+          <inkml:channel name="Y" type="integer" min="-2.14748E9" max="2.14748E9" units="cm"/>
+          <inkml:channel name="F" type="integer" max="32767" units="dev"/>
+        </inkml:traceFormat>
+        <inkml:channelProperties>
+          <inkml:channelProperty channel="X" name="resolution" value="1000" units="1/cm"/>
+          <inkml:channelProperty channel="Y" name="resolution" value="1000" units="1/cm"/>
+          <inkml:channelProperty channel="F" name="resolution" value="0" units="1/dev"/>
+        </inkml:channelProperties>
+      </inkml:inkSource>
+      <inkml:timestamp xml:id="ts0" timeString="2024-07-19T01:16:58.510"/>
+    </inkml:context>
+    <inkml:brush xml:id="br0">
+      <inkml:brushProperty name="width" value="0.2" units="cm"/>
+      <inkml:brushProperty name="height" value="0.2" units="cm"/>
+      <inkml:brushProperty name="color" value="#CC912C"/>
+      <inkml:brushProperty name="inkEffects" value="gold"/>
+      <inkml:brushProperty name="anchorX" value="51804.45703"/>
+      <inkml:brushProperty name="anchorY" value="-1572.65674"/>
+      <inkml:brushProperty name="scaleFactor" value="0.5"/>
+    </inkml:brush>
+  </inkml:definitions>
+  <inkml:trace contextRef="#ctx0" brushRef="#br0">269 155 24575,'0'0'0,"-5"0"0,-8 0 0,-6 0 0,-5 0 0,-3 0 0,-2 0 0,-2 0 0,-1-6 0,1-1 0,5-5 0,8-5 0,5-6 0,12-2 0,10 2 0,9 5 0,7 6 0,3 4 0,3 4 0,1 9 0,-6 7 0,-6 7 0,-7 6 0,-6 3 0,-3-3 0</inkml:trace>
+</inkml:ink>
+</file>
+
+<file path=ppt/ink/ink31.xml><?xml version="1.0" encoding="utf-8"?>
+<inkml:ink xmlns:inkml="http://www.w3.org/2003/InkML">
+  <inkml:definitions>
+    <inkml:context xml:id="ctx0">
+      <inkml:inkSource xml:id="inkSrc0">
+        <inkml:traceFormat>
+          <inkml:channel name="X" type="integer" min="-2.14748E9" max="2.14748E9" units="cm"/>
+          <inkml:channel name="Y" type="integer" min="-2.14748E9" max="2.14748E9" units="cm"/>
+          <inkml:channel name="F" type="integer" max="32767" units="dev"/>
+        </inkml:traceFormat>
+        <inkml:channelProperties>
+          <inkml:channelProperty channel="X" name="resolution" value="1000" units="1/cm"/>
+          <inkml:channelProperty channel="Y" name="resolution" value="1000" units="1/cm"/>
+          <inkml:channelProperty channel="F" name="resolution" value="0" units="1/dev"/>
+        </inkml:channelProperties>
+      </inkml:inkSource>
+      <inkml:timestamp xml:id="ts0" timeString="2024-07-19T01:17:05.151"/>
+    </inkml:context>
+    <inkml:brush xml:id="br0">
+      <inkml:brushProperty name="width" value="0.2" units="cm"/>
+      <inkml:brushProperty name="height" value="0.2" units="cm"/>
+      <inkml:brushProperty name="color" value="#008C3A"/>
+    </inkml:brush>
+  </inkml:definitions>
+  <inkml:trace contextRef="#ctx0" brushRef="#br0">309 51 24575,'-17'0'0,"-1"-1"0,1-1 0,0 0 0,0-2 0,0 0 0,0 0 0,1-2 0,-17-7 0,24 10 0,0 0 0,0 1 0,0 0 0,-1 0 0,-16 0 0,23 2 0,-1-1 0,1 1 0,0 0 0,-1 1 0,1-1 0,0 0 0,0 1 0,-1 0 0,1 0 0,0 0 0,0 0 0,0 0 0,0 1 0,0-1 0,0 1 0,0 0 0,1 0 0,-1 0 0,-4 4 0,7-5 0,-1 1 0,1-1 0,0 0 0,0 0 0,-1 1 0,1-1 0,0 0 0,0 0 0,0 1 0,0-1 0,0 0 0,1 0 0,-1 1 0,0-1 0,1 0 0,-1 0 0,1 0 0,-1 0 0,1 1 0,-1-1 0,1 0 0,0 0 0,-1 0 0,1 0 0,0 0 0,0 0 0,0 0 0,0-1 0,0 1 0,0 0 0,0 0 0,2 0 0,36 24 0,-9-13-1365</inkml:trace>
+</inkml:ink>
+</file>
+
+<file path=ppt/ink/ink32.xml><?xml version="1.0" encoding="utf-8"?>
+<inkml:ink xmlns:inkml="http://www.w3.org/2003/InkML">
+  <inkml:definitions>
+    <inkml:context xml:id="ctx0">
+      <inkml:inkSource xml:id="inkSrc0">
+        <inkml:traceFormat>
+          <inkml:channel name="X" type="integer" min="-2.14748E9" max="2.14748E9" units="cm"/>
+          <inkml:channel name="Y" type="integer" min="-2.14748E9" max="2.14748E9" units="cm"/>
+          <inkml:channel name="F" type="integer" max="32767" units="dev"/>
+        </inkml:traceFormat>
+        <inkml:channelProperties>
+          <inkml:channelProperty channel="X" name="resolution" value="1000" units="1/cm"/>
+          <inkml:channelProperty channel="Y" name="resolution" value="1000" units="1/cm"/>
+          <inkml:channelProperty channel="F" name="resolution" value="0" units="1/dev"/>
+        </inkml:channelProperties>
+      </inkml:inkSource>
+      <inkml:timestamp xml:id="ts0" timeString="2024-07-19T01:17:13.665"/>
+    </inkml:context>
+    <inkml:brush xml:id="br0">
+      <inkml:brushProperty name="width" value="0.2" units="cm"/>
+      <inkml:brushProperty name="height" value="0.2" units="cm"/>
+      <inkml:brushProperty name="color" value="#E71224"/>
+    </inkml:brush>
+  </inkml:definitions>
+  <inkml:trace contextRef="#ctx0" brushRef="#br0">64 52 24575,'-44'-6'0,"43"6"0,1 0 0,-1-1 0,0 1 0,0 0 0,0 0 0,0 0 0,0-1 0,0 1 0,1-1 0,-1 1 0,0 0 0,0-1 0,1 1 0,-1-1 0,0 0 0,0 1 0,1-1 0,-1 0 0,1 1 0,-1-1 0,1 0 0,-1 1 0,1-1 0,-1 0 0,1 0 0,0 0 0,-1 0 0,1 1 0,0-1 0,0 0 0,-1 0 0,1 0 0,0 0 0,0 0 0,0 0 0,0 0 0,0 0 0,0 1 0,1-1 0,-1 0 0,0 0 0,0 0 0,1 0 0,-1-1 0,2 1 0,-1 0 0,0-1 0,0 1 0,1 0 0,-1 0 0,1 0 0,-1 0 0,1 0 0,0 0 0,-1 0 0,1 1 0,0-1 0,-1 1 0,1-1 0,0 1 0,0 0 0,-1-1 0,1 1 0,0 0 0,0 0 0,0 0 0,-1 0 0,1 1 0,0-1 0,0 0 0,-1 1 0,1-1 0,2 2 0,4 0 0,1 1 0,-1 0 0,0 0 0,14 8 0,-15-5 0,1 0 0,-1 0 0,0 1 0,-1 0 0,1 0 0,-2 0 0,1 1 0,-1 0 0,0 0 0,6 13 0,-5-8 0,-1 0 0,0 0 0,-1 1 0,0-1 0,-1 1 0,2 20 0,-5-31 0,1-1 0,-1 0 0,0 0 0,0 0 0,0 0 0,0 1 0,-1-1 0,1 0 0,-1 0 0,1 0 0,-1 0 0,0 0 0,1 0 0,-1 0 0,0 0 0,0 0 0,-1 0 0,1 0 0,0-1 0,-1 1 0,1-1 0,-1 1 0,1-1 0,-1 1 0,0-1 0,1 0 0,-5 2 0,3-2 0,0 0 0,0 0 0,-1 0 0,1-1 0,0 1 0,-1-1 0,1 0 0,-1 0 0,1 0 0,0 0 0,-1-1 0,1 0 0,0 1 0,-1-1 0,-5-3 0,6 3 0,-1-1 0,1 1 0,0-1 0,0 0 0,0 0 0,0 0 0,0 0 0,1-1 0,-1 1 0,1-1 0,-1 1 0,1-1 0,0 0 0,0 0 0,-3-5 0,5 5 0,-1 1 0,0-1 0,1 1 0,-1-1 0,1 1 0,0-1 0,0 1 0,0-1 0,0 0 0,0 1 0,1-1 0,-1 1 0,1-1 0,0 1 0,-1-1 0,1 1 0,0 0 0,0-1 0,1 1 0,-1 0 0,0 0 0,1 0 0,-1 0 0,1 0 0,2-2 0,0 0-136,0 1-1,0 0 1,0 0-1,0 0 1,0 0-1,1 1 1,-1-1-1,1 1 0,6-2 1</inkml:trace>
+</inkml:ink>
+</file>
+
+<file path=ppt/ink/ink33.xml><?xml version="1.0" encoding="utf-8"?>
+<inkml:ink xmlns:inkml="http://www.w3.org/2003/InkML">
+  <inkml:definitions>
+    <inkml:context xml:id="ctx0">
+      <inkml:inkSource xml:id="inkSrc0">
+        <inkml:traceFormat>
+          <inkml:channel name="X" type="integer" min="-2.14748E9" max="2.14748E9" units="cm"/>
+          <inkml:channel name="Y" type="integer" min="-2.14748E9" max="2.14748E9" units="cm"/>
+          <inkml:channel name="F" type="integer" max="32767" units="dev"/>
+        </inkml:traceFormat>
+        <inkml:channelProperties>
+          <inkml:channelProperty channel="X" name="resolution" value="1000" units="1/cm"/>
+          <inkml:channelProperty channel="Y" name="resolution" value="1000" units="1/cm"/>
+          <inkml:channelProperty channel="F" name="resolution" value="0" units="1/dev"/>
+        </inkml:channelProperties>
+      </inkml:inkSource>
+      <inkml:timestamp xml:id="ts0" timeString="2024-07-19T01:17:23.591"/>
+    </inkml:context>
+    <inkml:brush xml:id="br0">
+      <inkml:brushProperty name="width" value="0.2" units="cm"/>
+      <inkml:brushProperty name="height" value="0.2" units="cm"/>
+      <inkml:brushProperty name="color" value="#849398"/>
+    </inkml:brush>
+  </inkml:definitions>
+  <inkml:trace contextRef="#ctx0" brushRef="#br0">222 127 24575,'-46'2'0,"-40"-1"0,80-1 0,0-1 0,0 1 0,1-1 0,-1-1 0,0 1 0,0-1 0,1 0 0,-1 0 0,1-1 0,-10-4 0,14 6 0,0 0 0,0 0 0,-1 0 0,1 0 0,0 0 0,0 0 0,0 0 0,0 0 0,0 0 0,0-1 0,1 1 0,-1 0 0,0-1 0,1 1 0,-1 0 0,1-1 0,-1 1 0,1-1 0,-1 1 0,1-1 0,0 1 0,0-1 0,0 1 0,0-1 0,0 1 0,0-1 0,0 1 0,1-1 0,-1 1 0,0-1 0,1 1 0,-1 0 0,1-1 0,0 1 0,-1-1 0,1 1 0,0 0 0,0 0 0,0-1 0,0 1 0,0 0 0,0 0 0,0 0 0,0 0 0,0 0 0,1 0 0,-1 1 0,2-2 0,4-3 0,0 0 0,0 1 0,1-1 0,-1 2 0,1-1 0,0 1 0,10-3 0,0 2 0,0 1 0,-1 1 0,1 0 0,0 1 0,0 1 0,0 1 0,33 6 0,-46-7 0,0 1 0,1 1 0,-1-1 0,0 1 0,0 0 0,0 0 0,0 0 0,0 1 0,-1 0 0,1 0 0,-1 0 0,0 0 0,1 1 0,-2-1 0,1 1 0,0 0 0,-1 1 0,0-1 0,0 0 0,0 1 0,0 0 0,-1 0 0,1 0 0,-1 0 0,-1 0 0,1 0 0,-1 0 0,0 0 0,1 9 0,-2-11 6,0-1-1,0 0 0,0 0 1,0 1-1,0-1 0,0 0 1,-1 0-1,1 1 0,-1-1 1,0 0-1,0 0 0,1 0 1,-1 0-1,-1 0 0,1 0 1,0 0-1,0 0 0,-1-1 1,1 1-1,-1 0 1,-3 2-1,1-1-170,0-1 0,-1 1 1,1-1-1,-1 0 0,1-1 0,-1 1 0,0-1 1,-8 2-1</inkml:trace>
+</inkml:ink>
+</file>
+
+<file path=ppt/ink/ink34.xml><?xml version="1.0" encoding="utf-8"?>
+<inkml:ink xmlns:inkml="http://www.w3.org/2003/InkML">
+  <inkml:definitions>
+    <inkml:context xml:id="ctx0">
+      <inkml:inkSource xml:id="inkSrc0">
+        <inkml:traceFormat>
+          <inkml:channel name="X" type="integer" min="-2.14748E9" max="2.14748E9" units="cm"/>
+          <inkml:channel name="Y" type="integer" min="-2.14748E9" max="2.14748E9" units="cm"/>
+          <inkml:channel name="F" type="integer" max="32767" units="dev"/>
+        </inkml:traceFormat>
+        <inkml:channelProperties>
+          <inkml:channelProperty channel="X" name="resolution" value="1000" units="1/cm"/>
+          <inkml:channelProperty channel="Y" name="resolution" value="1000" units="1/cm"/>
+          <inkml:channelProperty channel="F" name="resolution" value="0" units="1/dev"/>
+        </inkml:channelProperties>
+      </inkml:inkSource>
+      <inkml:timestamp xml:id="ts0" timeString="2024-07-19T01:16:35.835"/>
+    </inkml:context>
+    <inkml:brush xml:id="br0">
+      <inkml:brushProperty name="width" value="0.2" units="cm"/>
+      <inkml:brushProperty name="height" value="0.2" units="cm"/>
+      <inkml:brushProperty name="color" value="#33CCFF"/>
+    </inkml:brush>
+  </inkml:definitions>
+  <inkml:trace contextRef="#ctx0" brushRef="#br0">208 171 24575,'-38'2'0,"16"-1"0,0 0 0,-27-4 0,45 3 0,0-1 0,0 1 0,0-1 0,0 0 0,0 0 0,0 0 0,0-1 0,0 1 0,1-1 0,-1 0 0,1 0 0,-1-1 0,1 1 0,0 0 0,0-1 0,0 0 0,0 0 0,-2-3 0,4 5 0,0 0 0,1 0 0,-1 0 0,1 0 0,-1 0 0,1 0 0,-1 0 0,1 0 0,0 0 0,-1 0 0,1 0 0,0 0 0,0 0 0,0 0 0,0 0 0,0 0 0,0 0 0,0-1 0,0 1 0,0 0 0,0 0 0,1 0 0,-1 0 0,0 0 0,1 0 0,-1 0 0,1 0 0,0-1 0,1 0 0,0 0 0,0 1 0,0-1 0,0 1 0,0-1 0,0 1 0,0 0 0,1 0 0,-1 0 0,0 0 0,5-1 0,3-1 0,1 1 0,0 0 0,-1 1 0,20 0 0,-25 1 0,-1 1 0,0 0 0,0 0 0,0 0 0,-1 0 0,1 0 0,0 1 0,0 0 0,4 3 0,10 4 0,-18-9 0,1 0 0,-1 0 0,1 0 0,-1 0 0,1 0 0,-1 0 0,1 0 0,-1 0 0,1 0 0,-1 0 0,0 0 0,1-1 0,-1 1 0,1 0 0,-1 0 0,1 0 0,-1 0 0,0-1 0,1 1 0,-1 0 0,1 0 0,-1-1 0,0 1 0,1 0 0,-1-1 0,0 1 0,0-1 0,1 1 0,-1 0 0,0-1 0,0 1 0,1-1 0,-1 1 0,0 0 0,0-1 0,0 1 0,0-1 0,0 1 0,0-1 0,0 1 0,0-1 0,0 1 0,0-1 0,0 1 0,0-1 0,0 0 0,0-29 0,0 25 0,0-3 0,-5-29 0,4 36 0,1 1 0,-1-1 0,1 1 0,-1-1 0,1 0 0,-1 1 0,1-1 0,-1 1 0,0-1 0,1 1 0,-1 0 0,0-1 0,1 1 0,-1 0 0,0-1 0,0 1 0,1 0 0,-1 0 0,0-1 0,0 1 0,1 0 0,-1 0 0,0 0 0,0 0 0,0 0 0,1 0 0,-1 0 0,0 1 0,0-1 0,1 0 0,-1 0 0,0 1 0,0-1 0,1 0 0,-1 1 0,0-1 0,1 1 0,-1-1 0,0 0 0,1 1 0,-1 0 0,1-1 0,-1 1 0,0 0 0,-4 3 0,0-1 0,-1 0 0,1-1 0,-1 1 0,0-1 0,1 0 0,-1 0 0,0-1 0,0 0 0,-7 1 0,16-1-84,1-1 0,-1 1 0,1 1 0,-1-1 0,1 0-1,-1 1 1,0 0 0,0 0 0,0 0 0,0 0 0,0 0 0,5 5-1,-7-6-186</inkml:trace>
+</inkml:ink>
+</file>
+
+<file path=ppt/ink/ink35.xml><?xml version="1.0" encoding="utf-8"?>
+<inkml:ink xmlns:inkml="http://www.w3.org/2003/InkML">
+  <inkml:definitions>
+    <inkml:context xml:id="ctx0">
+      <inkml:inkSource xml:id="inkSrc0">
+        <inkml:traceFormat>
+          <inkml:channel name="X" type="integer" min="-2.14748E9" max="2.14748E9" units="cm"/>
+          <inkml:channel name="Y" type="integer" min="-2.14748E9" max="2.14748E9" units="cm"/>
+          <inkml:channel name="F" type="integer" max="32767" units="dev"/>
+        </inkml:traceFormat>
+        <inkml:channelProperties>
+          <inkml:channelProperty channel="X" name="resolution" value="1000" units="1/cm"/>
+          <inkml:channelProperty channel="Y" name="resolution" value="1000" units="1/cm"/>
+          <inkml:channelProperty channel="F" name="resolution" value="0" units="1/dev"/>
+        </inkml:channelProperties>
+      </inkml:inkSource>
+      <inkml:timestamp xml:id="ts0" timeString="2024-07-19T01:16:44.770"/>
+    </inkml:context>
+    <inkml:brush xml:id="br0">
+      <inkml:brushProperty name="width" value="0.2" units="cm"/>
+      <inkml:brushProperty name="height" value="0.2" units="cm"/>
+      <inkml:brushProperty name="color" value="#F6630D"/>
+    </inkml:brush>
+  </inkml:definitions>
+  <inkml:trace contextRef="#ctx0" brushRef="#br0">120 216 24575,'-69'-46'0,"63"41"0,1-1 0,1 0 0,-1 0 0,1-1 0,0 1 0,0-1 0,1 0 0,0 0 0,0 0 0,0 0 0,1 0 0,-1-9 0,2 14 0,1-1 0,0 0 0,-1 1 0,1-1 0,1 0 0,-1 0 0,0 1 0,1-1 0,-1 1 0,1-1 0,0 0 0,0 1 0,0-1 0,0 1 0,0 0 0,0-1 0,1 1 0,-1 0 0,1 0 0,0-1 0,-1 2 0,1-1 0,0 0 0,0 0 0,1 0 0,-1 1 0,0-1 0,0 1 0,1 0 0,-1 0 0,1 0 0,-1 0 0,1 0 0,-1 0 0,1 1 0,4-1 0,-1 0 0,0 0 0,0 1 0,0 0 0,0 0 0,0 0 0,0 1 0,0 0 0,0 0 0,-1 1 0,1 0 0,0 0 0,-1 0 0,0 0 0,1 1 0,-1 0 0,0 0 0,0 0 0,0 1 0,-1 0 0,1 0 0,-1 0 0,0 0 0,0 1 0,-1 0 0,1-1 0,-1 1 0,0 0 0,0 1 0,0-1 0,-1 1 0,0-1 0,0 1 0,-1-1 0,1 1 0,-1 0 0,0 0 0,-1 0 0,0 0 0,0 11 0,-1-13 0,0 0 0,-1-1 0,1 1 0,-1 0 0,0-1 0,0 0 0,0 1 0,0-1 0,0 0 0,-1 0 0,0 0 0,1 0 0,-1 0 0,0-1 0,0 1 0,-1-1 0,1 0 0,0 0 0,-1 0 0,0-1 0,1 1 0,-1-1 0,0 0 0,1 0 0,-1 0 0,-6 1 0,6-1 0,1 0 0,-1-1 0,0 1 0,1-1 0,-1 0 0,0 0 0,0 0 0,0 0 0,1 0 0,-1-1 0,0 0 0,1 0 0,-1 0 0,0 0 0,1 0 0,0-1 0,-1 0 0,1 0 0,0 0 0,0 0 0,0 0 0,0 0 0,0-1 0,0 1 0,0-1 0,1 0 0,-4-5 0,4 4-48,0-1-1,1 1 0,-1-1 0,1 1 0,0-1 1,0 1-1,0-1 0,1 0 0,0 1 1,0-1-1,0 0 0,0 1 0,1-1 1,-1 0-1,1 1 0,1-1 0,-1 1 1,0-1-1,1 1 0,0 0 0,0-1 1,1 1-1,-1 0 0,1 0 0,0 1 0,0-1 1,6-6-1</inkml:trace>
+</inkml:ink>
+</file>
+
+<file path=ppt/ink/ink36.xml><?xml version="1.0" encoding="utf-8"?>
+<inkml:ink xmlns:inkml="http://www.w3.org/2003/InkML">
+  <inkml:definitions>
+    <inkml:context xml:id="ctx0">
+      <inkml:inkSource xml:id="inkSrc0">
+        <inkml:traceFormat>
+          <inkml:channel name="X" type="integer" min="-2.14748E9" max="2.14748E9" units="cm"/>
+          <inkml:channel name="Y" type="integer" min="-2.14748E9" max="2.14748E9" units="cm"/>
+          <inkml:channel name="F" type="integer" max="32767" units="dev"/>
+        </inkml:traceFormat>
+        <inkml:channelProperties>
+          <inkml:channelProperty channel="X" name="resolution" value="1000" units="1/cm"/>
+          <inkml:channelProperty channel="Y" name="resolution" value="1000" units="1/cm"/>
+          <inkml:channelProperty channel="F" name="resolution" value="0" units="1/dev"/>
+        </inkml:channelProperties>
+      </inkml:inkSource>
+      <inkml:timestamp xml:id="ts0" timeString="2024-07-19T01:17:00.341"/>
+    </inkml:context>
+    <inkml:brush xml:id="br0">
+      <inkml:brushProperty name="width" value="0.2" units="cm"/>
+      <inkml:brushProperty name="height" value="0.2" units="cm"/>
+      <inkml:brushProperty name="color" value="#CC912C"/>
+      <inkml:brushProperty name="inkEffects" value="gold"/>
+      <inkml:brushProperty name="anchorX" value="53130.82422"/>
+      <inkml:brushProperty name="anchorY" value="-261.06973"/>
+      <inkml:brushProperty name="scaleFactor" value="0.5"/>
+    </inkml:brush>
+  </inkml:definitions>
+  <inkml:trace contextRef="#ctx0" brushRef="#br0">205 154 24575,'0'0'0,"-6"0"0,-13 0 0,-6-12 0,-5 0 0,-2-1 0,5-3 0,0 3 0,6-4 0,6-3 0,12 2 0,11 4 0,8 5 0,7 2 0,11 4 0,3 8 0,-4 7 0,-8 8 0,-7 4 0,-8-2 0</inkml:trace>
+</inkml:ink>
+</file>
+
+<file path=ppt/ink/ink37.xml><?xml version="1.0" encoding="utf-8"?>
+<inkml:ink xmlns:inkml="http://www.w3.org/2003/InkML">
+  <inkml:definitions>
+    <inkml:context xml:id="ctx0">
+      <inkml:inkSource xml:id="inkSrc0">
+        <inkml:traceFormat>
+          <inkml:channel name="X" type="integer" min="-2.14748E9" max="2.14748E9" units="cm"/>
+          <inkml:channel name="Y" type="integer" min="-2.14748E9" max="2.14748E9" units="cm"/>
+          <inkml:channel name="F" type="integer" max="32767" units="dev"/>
+        </inkml:traceFormat>
+        <inkml:channelProperties>
+          <inkml:channelProperty channel="X" name="resolution" value="1000" units="1/cm"/>
+          <inkml:channelProperty channel="Y" name="resolution" value="1000" units="1/cm"/>
+          <inkml:channelProperty channel="F" name="resolution" value="0" units="1/dev"/>
+        </inkml:channelProperties>
+      </inkml:inkSource>
+      <inkml:timestamp xml:id="ts0" timeString="2024-07-19T01:17:08.296"/>
+    </inkml:context>
+    <inkml:brush xml:id="br0">
+      <inkml:brushProperty name="width" value="0.2" units="cm"/>
+      <inkml:brushProperty name="height" value="0.2" units="cm"/>
+      <inkml:brushProperty name="color" value="#008C3A"/>
+    </inkml:brush>
+  </inkml:definitions>
+  <inkml:trace contextRef="#ctx0" brushRef="#br0">55 118 24575,'0'0'0,"0"1"0,0-1 0,0 1 0,0-1 0,0 0 0,0 1 0,0-1 0,0 1 0,0-1 0,0 0 0,0 1 0,0-1 0,-1 1 0,1-1 0,0 0 0,0 1 0,0-1 0,-1 0 0,1 1 0,0-1 0,-1 0 0,1 1 0,0-1 0,0 0 0,-1 0 0,1 1 0,-1-1 0,1 0 0,0 0 0,-1 0 0,1 0 0,0 1 0,-1-1 0,1 0 0,-1 0 0,1 0 0,-1 0 0,1 0 0,0 0 0,-1 0 0,1 0 0,-1 0 0,1 0 0,0 0 0,-1 0 0,1-1 0,-1 1 0,1 0 0,0 0 0,-1 0 0,1 0 0,0-1 0,-1 1 0,-19-16 0,19 13 0,0 0 0,0 1 0,0-1 0,0 0 0,0 0 0,1 0 0,0 0 0,-1 1 0,1-1 0,0 0 0,0 0 0,1 0 0,-1 0 0,1 0 0,-1 0 0,1 1 0,0-1 0,0 0 0,0 0 0,0 1 0,1-1 0,-1 1 0,1-1 0,-1 1 0,1-1 0,0 1 0,0 0 0,0 0 0,0 0 0,1 0 0,-1 1 0,0-1 0,1 0 0,-1 1 0,1 0 0,3-2 0,-2 0 0,1 1 0,0 0 0,0-1 0,0 2 0,0-1 0,1 1 0,-1-1 0,0 1 0,1 1 0,-1-1 0,0 1 0,1 0 0,-1 0 0,1 1 0,-1-1 0,0 1 0,1 0 0,-1 1 0,6 2 0,-6-1 0,0 0 0,0 1 0,0-1 0,-1 1 0,0 0 0,0 1 0,0-1 0,0 1 0,-1-1 0,0 1 0,0 0 0,0 0 0,0 1 0,-1-1 0,3 10 0,-4-12 0,0 0 0,-1-1 0,1 1 0,-1 0 0,0 0 0,0-1 0,0 1 0,0 0 0,0 0 0,0-1 0,-1 1 0,0 0 0,1-1 0,-1 1 0,0 0 0,0-1 0,0 1 0,-1-1 0,1 1 0,-1-1 0,1 0 0,-1 0 0,0 0 0,0 0 0,0 0 0,0 0 0,0 0 0,0 0 0,0-1 0,-1 1 0,1-1 0,-1 0 0,1 0 0,-5 2 0,-4 1 17,0-1 0,0 0 1,-1-1-1,1 0 0,-1-1 0,-22 0 0,30-1-82,0 0 1,0 0-1,0-1 1,0 1-1,0-1 1,0 0-1,0 0 0,0 0 1,0-1-1,0 1 1,0-1-1,1 0 1,-1 0-1,1 0 0,-1-1 1,1 1-1,0-1 1,0 0-1,0 1 1,0-1-1,0-1 1,-2-3-1</inkml:trace>
+</inkml:ink>
+</file>
+
+<file path=ppt/ink/ink38.xml><?xml version="1.0" encoding="utf-8"?>
+<inkml:ink xmlns:inkml="http://www.w3.org/2003/InkML">
+  <inkml:definitions>
+    <inkml:context xml:id="ctx0">
+      <inkml:inkSource xml:id="inkSrc0">
+        <inkml:traceFormat>
+          <inkml:channel name="X" type="integer" min="-2.14748E9" max="2.14748E9" units="cm"/>
+          <inkml:channel name="Y" type="integer" min="-2.14748E9" max="2.14748E9" units="cm"/>
+          <inkml:channel name="F" type="integer" max="32767" units="dev"/>
+        </inkml:traceFormat>
+        <inkml:channelProperties>
+          <inkml:channelProperty channel="X" name="resolution" value="1000" units="1/cm"/>
+          <inkml:channelProperty channel="Y" name="resolution" value="1000" units="1/cm"/>
+          <inkml:channelProperty channel="F" name="resolution" value="0" units="1/dev"/>
+        </inkml:channelProperties>
+      </inkml:inkSource>
+      <inkml:timestamp xml:id="ts0" timeString="2024-07-19T01:17:15.754"/>
+    </inkml:context>
+    <inkml:brush xml:id="br0">
+      <inkml:brushProperty name="width" value="0.2" units="cm"/>
+      <inkml:brushProperty name="height" value="0.2" units="cm"/>
+      <inkml:brushProperty name="color" value="#E71224"/>
+    </inkml:brush>
+  </inkml:definitions>
+  <inkml:trace contextRef="#ctx0" brushRef="#br0">146 147 24575,'-5'0'0,"-7"0"0,-6 0 0,-6-6 0,-3-5 0,2-8 0,6-4 0,6-5 0,10 3 0,17 6 0,10 6 0,1 10 0,2 12 0,1 3 0,-4 5 0,-6 5 0,-1-1 0</inkml:trace>
+</inkml:ink>
+</file>
+
+<file path=ppt/ink/ink39.xml><?xml version="1.0" encoding="utf-8"?>
+<inkml:ink xmlns:inkml="http://www.w3.org/2003/InkML">
+  <inkml:definitions>
+    <inkml:context xml:id="ctx0">
+      <inkml:inkSource xml:id="inkSrc0">
+        <inkml:traceFormat>
+          <inkml:channel name="X" type="integer" min="-2.14748E9" max="2.14748E9" units="cm"/>
+          <inkml:channel name="Y" type="integer" min="-2.14748E9" max="2.14748E9" units="cm"/>
+          <inkml:channel name="F" type="integer" max="32767" units="dev"/>
+        </inkml:traceFormat>
+        <inkml:channelProperties>
+          <inkml:channelProperty channel="X" name="resolution" value="1000" units="1/cm"/>
+          <inkml:channelProperty channel="Y" name="resolution" value="1000" units="1/cm"/>
+          <inkml:channelProperty channel="F" name="resolution" value="0" units="1/dev"/>
+        </inkml:channelProperties>
+      </inkml:inkSource>
+      <inkml:timestamp xml:id="ts0" timeString="2024-07-19T01:17:26.106"/>
+    </inkml:context>
+    <inkml:brush xml:id="br0">
+      <inkml:brushProperty name="width" value="0.2" units="cm"/>
+      <inkml:brushProperty name="height" value="0.2" units="cm"/>
+      <inkml:brushProperty name="color" value="#849398"/>
+    </inkml:brush>
+  </inkml:definitions>
+  <inkml:trace contextRef="#ctx0" brushRef="#br0">197 61 24575,'-5'3'0,"1"0"0,-1 0 0,0 0 0,1-1 0,-1 1 0,0-1 0,-1 0 0,1-1 0,0 1 0,0-1 0,-1 0 0,-5 0 0,-66 1 0,75-2 0,0 0 0,0 0 0,0 0 0,0 0 0,0 0 0,0-1 0,0 1 0,0-1 0,0 0 0,0 1 0,0-1 0,1 0 0,-1 0 0,0 0 0,0-1 0,1 1 0,-1 0 0,1-1 0,-1 1 0,1-1 0,0 1 0,-1-1 0,1 1 0,0-1 0,0 0 0,0 0 0,0 0 0,0 1 0,1-1 0,-2-3 0,2 3 0,0 0 0,1 0 0,-1 0 0,0 0 0,0 0 0,1 0 0,-1 1 0,1-1 0,0 0 0,0 0 0,0 0 0,0 0 0,0 1 0,0-1 0,0 0 0,0 1 0,0-1 0,1 1 0,-1 0 0,1-1 0,-1 1 0,1 0 0,0 0 0,-1 0 0,1 0 0,0 0 0,0 0 0,0 0 0,0 1 0,-1-1 0,4 0 0,2-1 0,0 1 0,0 0 0,1 0 0,-1 0 0,1 1 0,-1 0 0,1 0 0,-1 1 0,0 0 0,1 0 0,-1 1 0,0-1 0,13 7 0,-17-7 0,0 0 0,0 1 0,0 0 0,-1-1 0,1 1 0,0 0 0,-1 0 0,0 0 0,1 1 0,-1-1 0,0 0 0,0 1 0,0 0 0,-1-1 0,1 1 0,-1 0 0,1 0 0,-1 0 0,0 0 0,0 0 0,0 0 0,0 0 0,-1 0 0,1 1 0,-1-1 0,0 0 0,0 0 0,0 1 0,0-1 0,-1 0 0,1 0 0,-1 0 0,0 0 0,-2 5 0,2-4 6,-1 0 0,0-1 0,0 1 0,0 0 0,0-1 0,0 0 0,-1 1 0,1-1 0,-1 0 0,0 0 0,0-1 0,0 1 0,-1 0 0,1-1 0,-1 0 0,1 0 0,-1 0 0,0 0 0,-3 1 0,-5 0-254,1 0 1,0 0-1,-1-1 1,0 0-1,-16 0 1</inkml:trace>
+</inkml:ink>
+</file>
+
 <file path=ppt/ink/ink4.xml><?xml version="1.0" encoding="utf-8"?>
 <inkml:ink xmlns:inkml="http://www.w3.org/2003/InkML">
   <inkml:definitions>
@@ -1158,6 +1619,70 @@
     </inkml:brush>
   </inkml:definitions>
   <inkml:trace contextRef="#ctx0" brushRef="#br0">14060 4488 24575,'-63'-1'0,"-9"0"0,-140 16 0,139-7 0,-1-3 0,-100-6 0,56-2 0,108 3 0,-5 0 0,1-1 0,0 2 0,-1 0 0,1 1 0,-1 0 0,1 1 0,-17 7 0,11-4 0,1 0 0,-1 0 0,0-2 0,0-1 0,-29 2 0,-105-6 0,62-2 0,56 5 0,26-1 0,-1 0 0,0-1 0,1 0 0,-1-1 0,0 0 0,1 0 0,-13-4 0,21 4 0,1 0 0,-1 0 0,0 0 0,1 0 0,-1-1 0,1 1 0,-1 0 0,1-1 0,0 1 0,0-1 0,0 0 0,0 1 0,0-1 0,0 0 0,0 1 0,0-1 0,0 0 0,1 0 0,-1 0 0,0-3 0,-2-44 0,3 37 0,1-411 0,2 150 0,-3-3418 0,0 3689 0,0-1 0,0 1 0,0-1 0,0 1 0,-1-1 0,1 1 0,-1-1 0,1 1 0,-1 0 0,0-1 0,0 1 0,0 0 0,0-1 0,0 1 0,0 0 0,-1 0 0,1 0 0,-1 0 0,0 0 0,-2-2 0,0 2 0,0-1 0,-1 1 0,1 1 0,0-1 0,-1 1 0,1 0 0,-1 0 0,1 0 0,-1 0 0,-6 1 0,-290-2 0,157 6 0,-3312-2 0,1771-4 0,-5178 2 0,6859 0 0,0 0 0,0 0 0,1 0 0,-1 0 0,0 1 0,1-1 0,-1 1 0,0 0 0,1 0 0,-4 2 0,5-2 0,1 0 0,0 0 0,0 1 0,0-1 0,0 0 0,1 0 0,-1 1 0,0-1 0,0 1 0,1-1 0,-1 1 0,1-1 0,-1 1 0,1-1 0,0 1 0,0-1 0,0 1 0,-1-1 0,1 1 0,1 0 0,-1-1 0,0 1 0,0-1 0,1 1 0,0 2 0,3 12 0,0-1 0,1 1 0,1-1 0,1 0 0,0 0 0,12 16 0,-8-12 0,-1 0 0,14 38 0,-17-37 0,19 35 0,-18-38 0,0 0 0,10 30 0,-4-3 0,21 46 0,-23-65 0,-1 1 0,-2 1 0,0 0 0,-2 0 0,-1 0 0,3 35 0,13 103 0,-14-118 0,-1 1 0,0 53 0,-8 818 0,2-889 0,9 47 0,-5-44 0,2 35 0,4 49 0,0 9 0,-12 342-1365,1-454-5461</inkml:trace>
+</inkml:ink>
+</file>
+
+<file path=ppt/ink/ink40.xml><?xml version="1.0" encoding="utf-8"?>
+<inkml:ink xmlns:inkml="http://www.w3.org/2003/InkML">
+  <inkml:definitions>
+    <inkml:context xml:id="ctx0">
+      <inkml:inkSource xml:id="inkSrc0">
+        <inkml:traceFormat>
+          <inkml:channel name="X" type="integer" min="-2.14748E9" max="2.14748E9" units="cm"/>
+          <inkml:channel name="Y" type="integer" min="-2.14748E9" max="2.14748E9" units="cm"/>
+          <inkml:channel name="F" type="integer" max="32767" units="dev"/>
+        </inkml:traceFormat>
+        <inkml:channelProperties>
+          <inkml:channelProperty channel="X" name="resolution" value="1000" units="1/cm"/>
+          <inkml:channelProperty channel="Y" name="resolution" value="1000" units="1/cm"/>
+          <inkml:channelProperty channel="F" name="resolution" value="0" units="1/dev"/>
+        </inkml:channelProperties>
+      </inkml:inkSource>
+      <inkml:timestamp xml:id="ts0" timeString="2024-07-19T01:17:43.529"/>
+    </inkml:context>
+    <inkml:brush xml:id="br0">
+      <inkml:brushProperty name="width" value="0.05" units="cm"/>
+      <inkml:brushProperty name="height" value="0.05" units="cm"/>
+      <inkml:brushProperty name="color" value="#AE198D"/>
+      <inkml:brushProperty name="inkEffects" value="galaxy"/>
+      <inkml:brushProperty name="anchorX" value="54401.22266"/>
+      <inkml:brushProperty name="anchorY" value="1079.7738"/>
+      <inkml:brushProperty name="scaleFactor" value="0.5"/>
+    </inkml:brush>
+  </inkml:definitions>
+  <inkml:trace contextRef="#ctx0" brushRef="#br0">126 31 24575,'0'0'0,"-5"0"0,-9 0 0,2 6 0,-6 1 0,-3 5 0,3 5 0,3 11 0,4 4 0,5 9 0,2 0 0,3 6 0,1-2 0,0-2 0,1-4 0,0-4 0,0-1 0,-1-3 0,0 0 0,1-1 0,-1-1 0,0 1 0,0-1 0,0 1 0,0 0 0,0 1 0,0-1 0,0 0 0,0 0 0,0 0 0,0 1 0,0-1 0,0 0 0,0 0 0,0 1 0,0-1 0,0 0 0,0 0 0,0 1 0,5-7 0,2 6 0,-1 0 0,-1 8 0,-1-1 0,-2 7 0,-1-1 0,6 4 0,-1-3 0,0 4 0,-1-4 0,-2-2 0,-1-4 0,-1-3 0,0-3 0,-1-1 0,0 0 0,-1-2 0,1 1 0,0-1 0,0 1 0,0 0 0,0 0 0,-1 0 0,1 0 0,0 1 0,1-1 0,-1 0 0,0 0 0,5-5 0,2-1 0,5-6 0,6 1 0,-2 1 0,4-3 0,2-4 0,9 1 0,2-2 0,3-3 0,5 3 0,-1-2 0,-1-2 0,-2-2 0,-2-3 0,-2-1 0,-1-1 0,-2-1 0,7 0 0,-1-1 0,0 1 0,-1-1 0,-2 1 0,-1 0 0,0 0 0,5 0 0,-1 0 0,6 0 0,0 0 0,-2 0 0,-3 0 0,-2 0 0,-2 0 0,-1 0 0,-2 0 0,0 0 0,0 0 0,0 0 0,0 0 0,0 0 0,0 0 0,-6-6 0,-6-7 0,0-5 0,1-6 0,-4-3 0,3-3 0,-3-7 0,1 0 0,4-7 0,-3 2 0,-4-5 0,-3 2 0,-5 3 0,-2 4 0,-2 3 0,-1 2 0,0 1 0,-1 2 0,0 0 0,1 1 0,-1-1 0,1 1 0,0-1 0,0-1 0,0 1 0,0 0 0,0 0 0,0 0 0,6-1 0,1 1 0,-1 0 0,-1 0 0,-1 0 0,-1-1 0,-2 1 0,0 0 0,-1-1 0,0 1 0,-1 0 0,1 0 0,0 0 0,0-1 0,-1 1 0,1 0 0,0 0 0,0-7 0,0 1 0,0 0 0,0 0 0,0 2 0,0 2 0,0 0 0,0-5 0,0 1 0,0-7 0,0 2 0,0-5 0,0 3 0,0-5 0,0 4 0,0-4 0,0 4 0,0 3 0,0 3 0,0 3 0,-6 9 0,0-5 0,-7 7 0,-4 5 0,-5 7 0,-4 5 0,-2 3 0,-3 3 0,-6 1 0,0 1 0,-6 1 0,0-1 0,2 0 0,3-1 0,3 0 0,2 1 0,1-1 0,2 0 0,0 0 0,-6 0 0,0-1 0,0 1 0,1 0 0,1 0 0,2 0 0,0 0 0,2 0 0,-1 0 0,1 0 0,0 0 0,0 0 0,6-6 0,0 0 0,0 0 0,-1 1 0,-1 1 0,-2 2 0,-1 1 0,-1 0 0,0 1 0,0 0 0,-1 1 0,1-1 0,-1 0 0,-5 0 0,-1 0 0,-5 0 0,0 0 0,8 0 0</inkml:trace>
+</inkml:ink>
+</file>
+
+<file path=ppt/ink/ink41.xml><?xml version="1.0" encoding="utf-8"?>
+<inkml:ink xmlns:inkml="http://www.w3.org/2003/InkML">
+  <inkml:definitions>
+    <inkml:context xml:id="ctx0">
+      <inkml:inkSource xml:id="inkSrc0">
+        <inkml:traceFormat>
+          <inkml:channel name="X" type="integer" min="-2.14748E9" max="2.14748E9" units="cm"/>
+          <inkml:channel name="Y" type="integer" min="-2.14748E9" max="2.14748E9" units="cm"/>
+          <inkml:channel name="F" type="integer" max="32767" units="dev"/>
+        </inkml:traceFormat>
+        <inkml:channelProperties>
+          <inkml:channelProperty channel="X" name="resolution" value="1000" units="1/cm"/>
+          <inkml:channelProperty channel="Y" name="resolution" value="1000" units="1/cm"/>
+          <inkml:channelProperty channel="F" name="resolution" value="0" units="1/dev"/>
+        </inkml:channelProperties>
+      </inkml:inkSource>
+      <inkml:timestamp xml:id="ts0" timeString="2024-07-19T01:17:50.496"/>
+    </inkml:context>
+    <inkml:brush xml:id="br0">
+      <inkml:brushProperty name="width" value="0.05" units="cm"/>
+      <inkml:brushProperty name="height" value="0.05" units="cm"/>
+      <inkml:brushProperty name="color" value="#AE198D"/>
+      <inkml:brushProperty name="inkEffects" value="galaxy"/>
+      <inkml:brushProperty name="anchorX" value="55713.33984"/>
+      <inkml:brushProperty name="anchorY" value="2379.71875"/>
+      <inkml:brushProperty name="scaleFactor" value="0.5"/>
+    </inkml:brush>
+  </inkml:definitions>
+  <inkml:trace contextRef="#ctx0" brushRef="#br0">365 1 24575,'0'0'0,"-10"0"0,-10 0 0,-5 0 0,-4 5 0,-2 2 0,-7-1 0,0 11 0,0 5 0,1 11 0,8 4 0,8 0 0,8 0 0,6-1 0,-2-8 0,2 4 0,2 0 0,1 6 0,2 0 0,1-1 0,1-1 0,0-2 0,0-1 0,1-1 0,-1-1 0,0-1 0,0 0 0,0 0 0,0 0 0,0 0 0,0 0 0,0 0 0,0 0 0,0 0 0,0 0 0,0 1 0,0-1 0,0 0 0,0 1 0,6-1 0,0 0 0,1 0 0,-2 1 0,-2-1 0,0 0 0,-2 0 0,-1 0 0,6 1 0,1-1 0,-2 0 0,0 0 0,-1 1 0,-2-1 0,5 6 0,0 1 0,5 5 0,-1-1 0,-1 6 0,-2-3 0,-3-3 0,3-9 0,0-3 0,-2-2 0,-1-1 0,-2 1 0,-1 0 0,-1 2 0,-1 6 0,0 1 0,0 6 0,-1 0 0,1 4 0,0-2 0,6-8 0,6-10 0,6-3 0,5-7 0,5-6 0,7 2 0,3-3 0,-7 3 0,-1-1 0,-1-2 0,-1-3 0,1-2 0,0-2 0,0-1 0,0-1 0,1 0 0,0-1 0,1 1 0,-1 0 0,0-1 0,6 1 0,1 0 0,0 0 0,-2 0 0,-1 0 0,-2 0 0,0 0 0,-1 0 0,-1 0 0,0 0 0,0 0 0,0 0 0,0 0 0,6 0 0,0 0 0,7 0 0,-2 0 0,5 0 0,-2 0 0,-2 0 0,-4 0 0,-3-6 0,-8-6 0,-8-6 0,-7-6 0,-6-3 0,-4-3 0,-2-1 0,-1 0 0,0 0 0,-1-1 0,1 1 0,0 0 0,1 1 0,0-7 0,-1 1 0,1-1 0,0 2 0,1 1 0,-1 2 0,0 0 0,0 2 0,0-1 0,0-5 0,0 0 0,0 0 0,0 1 0,-6 1 0,0 1 0,-7 2 0,2 0 0,-5 1 0,3 0 0,2 0 0,3 0 0,3-6 0,2 0 0,2-7 0,1 2 0,0 1 0,1 2 0,0 3 0,-1 2 0,0 1 0,1 1 0,-1 1 0,0 0 0,0 1 0,0-1 0,0 0 0,0 0 0,0 0 0,0 0 0,0 0 0,0-1 0,0 1 0,0 0 0,0-1 0,0 1 0,-6 0 0,0 0 0,-1-1 0,2 1 0,2 0 0,0 0 0,2-7 0,1 1 0,-1-7 0,2 2 0,-1 1 0,0 2 0,-6 3 0,-6 8 0,-6 7 0,-6 8 0,-3 6 0,-3 3 0,0 3 0,-2 1 0,1 0 0,-1 1 0,1-1 0,0 0 0,1-1 0,0 1 0,-7-1 0,1 0 0,-6 0 0,0 0 0,-4 0 0,2 0 0,-3 0 0,2 0 0,3 0 0,4 0 0,3 0 0,3 0 0,1 0 0,1 0 0,0 0 0,0 0 0,1 0 0,-1 0 0,0 0 0,6 0 0,7 0 0,5 0 0</inkml:trace>
 </inkml:ink>
 </file>
 
@@ -1446,7 +1971,7 @@
           <a:p>
             <a:fld id="{AEC017D6-4DC5-400E-BD62-73A976EC79AE}" type="datetimeFigureOut">
               <a:rPr lang="ko-KR" altLang="en-US" smtClean="0"/>
-              <a:t>2024-05-20</a:t>
+              <a:t>2024-07-19</a:t>
             </a:fld>
             <a:endParaRPr lang="ko-KR" altLang="en-US"/>
           </a:p>
@@ -1644,7 +2169,7 @@
           <a:p>
             <a:fld id="{AEC017D6-4DC5-400E-BD62-73A976EC79AE}" type="datetimeFigureOut">
               <a:rPr lang="ko-KR" altLang="en-US" smtClean="0"/>
-              <a:t>2024-05-20</a:t>
+              <a:t>2024-07-19</a:t>
             </a:fld>
             <a:endParaRPr lang="ko-KR" altLang="en-US"/>
           </a:p>
@@ -1852,7 +2377,7 @@
           <a:p>
             <a:fld id="{AEC017D6-4DC5-400E-BD62-73A976EC79AE}" type="datetimeFigureOut">
               <a:rPr lang="ko-KR" altLang="en-US" smtClean="0"/>
-              <a:t>2024-05-20</a:t>
+              <a:t>2024-07-19</a:t>
             </a:fld>
             <a:endParaRPr lang="ko-KR" altLang="en-US"/>
           </a:p>
@@ -2050,7 +2575,7 @@
           <a:p>
             <a:fld id="{AEC017D6-4DC5-400E-BD62-73A976EC79AE}" type="datetimeFigureOut">
               <a:rPr lang="ko-KR" altLang="en-US" smtClean="0"/>
-              <a:t>2024-05-20</a:t>
+              <a:t>2024-07-19</a:t>
             </a:fld>
             <a:endParaRPr lang="ko-KR" altLang="en-US"/>
           </a:p>
@@ -2325,7 +2850,7 @@
           <a:p>
             <a:fld id="{AEC017D6-4DC5-400E-BD62-73A976EC79AE}" type="datetimeFigureOut">
               <a:rPr lang="ko-KR" altLang="en-US" smtClean="0"/>
-              <a:t>2024-05-20</a:t>
+              <a:t>2024-07-19</a:t>
             </a:fld>
             <a:endParaRPr lang="ko-KR" altLang="en-US"/>
           </a:p>
@@ -2590,7 +3115,7 @@
           <a:p>
             <a:fld id="{AEC017D6-4DC5-400E-BD62-73A976EC79AE}" type="datetimeFigureOut">
               <a:rPr lang="ko-KR" altLang="en-US" smtClean="0"/>
-              <a:t>2024-05-20</a:t>
+              <a:t>2024-07-19</a:t>
             </a:fld>
             <a:endParaRPr lang="ko-KR" altLang="en-US"/>
           </a:p>
@@ -3002,7 +3527,7 @@
           <a:p>
             <a:fld id="{AEC017D6-4DC5-400E-BD62-73A976EC79AE}" type="datetimeFigureOut">
               <a:rPr lang="ko-KR" altLang="en-US" smtClean="0"/>
-              <a:t>2024-05-20</a:t>
+              <a:t>2024-07-19</a:t>
             </a:fld>
             <a:endParaRPr lang="ko-KR" altLang="en-US"/>
           </a:p>
@@ -3143,7 +3668,7 @@
           <a:p>
             <a:fld id="{AEC017D6-4DC5-400E-BD62-73A976EC79AE}" type="datetimeFigureOut">
               <a:rPr lang="ko-KR" altLang="en-US" smtClean="0"/>
-              <a:t>2024-05-20</a:t>
+              <a:t>2024-07-19</a:t>
             </a:fld>
             <a:endParaRPr lang="ko-KR" altLang="en-US"/>
           </a:p>
@@ -3256,7 +3781,7 @@
           <a:p>
             <a:fld id="{AEC017D6-4DC5-400E-BD62-73A976EC79AE}" type="datetimeFigureOut">
               <a:rPr lang="ko-KR" altLang="en-US" smtClean="0"/>
-              <a:t>2024-05-20</a:t>
+              <a:t>2024-07-19</a:t>
             </a:fld>
             <a:endParaRPr lang="ko-KR" altLang="en-US"/>
           </a:p>
@@ -3567,7 +4092,7 @@
           <a:p>
             <a:fld id="{AEC017D6-4DC5-400E-BD62-73A976EC79AE}" type="datetimeFigureOut">
               <a:rPr lang="ko-KR" altLang="en-US" smtClean="0"/>
-              <a:t>2024-05-20</a:t>
+              <a:t>2024-07-19</a:t>
             </a:fld>
             <a:endParaRPr lang="ko-KR" altLang="en-US"/>
           </a:p>
@@ -3855,7 +4380,7 @@
           <a:p>
             <a:fld id="{AEC017D6-4DC5-400E-BD62-73A976EC79AE}" type="datetimeFigureOut">
               <a:rPr lang="ko-KR" altLang="en-US" smtClean="0"/>
-              <a:t>2024-05-20</a:t>
+              <a:t>2024-07-19</a:t>
             </a:fld>
             <a:endParaRPr lang="ko-KR" altLang="en-US"/>
           </a:p>
@@ -4096,7 +4621,7 @@
           <a:p>
             <a:fld id="{AEC017D6-4DC5-400E-BD62-73A976EC79AE}" type="datetimeFigureOut">
               <a:rPr lang="ko-KR" altLang="en-US" smtClean="0"/>
-              <a:t>2024-05-20</a:t>
+              <a:t>2024-07-19</a:t>
             </a:fld>
             <a:endParaRPr lang="ko-KR" altLang="en-US"/>
           </a:p>
@@ -4633,8 +5158,8 @@
           </a:prstGeom>
         </p:spPr>
       </p:pic>
-      <mc:AlternateContent xmlns:mc="http://schemas.openxmlformats.org/markup-compatibility/2006">
-        <mc:Choice xmlns:p14="http://schemas.microsoft.com/office/powerpoint/2010/main" Requires="p14">
+      <mc:AlternateContent xmlns:mc="http://schemas.openxmlformats.org/markup-compatibility/2006" xmlns:p14="http://schemas.microsoft.com/office/powerpoint/2010/main">
+        <mc:Choice Requires="p14">
           <p:contentPart p14:bwMode="auto" r:id="rId6">
             <p14:nvContentPartPr>
               <p14:cNvPr id="12" name="잉크 11">
@@ -4653,7 +5178,7 @@
             </p14:xfrm>
           </p:contentPart>
         </mc:Choice>
-        <mc:Fallback>
+        <mc:Fallback xmlns="">
           <p:pic>
             <p:nvPicPr>
               <p:cNvPr id="12" name="잉크 11">
@@ -4684,8 +5209,8 @@
           </p:pic>
         </mc:Fallback>
       </mc:AlternateContent>
-      <mc:AlternateContent xmlns:mc="http://schemas.openxmlformats.org/markup-compatibility/2006">
-        <mc:Choice xmlns:p14="http://schemas.microsoft.com/office/powerpoint/2010/main" Requires="p14">
+      <mc:AlternateContent xmlns:mc="http://schemas.openxmlformats.org/markup-compatibility/2006" xmlns:p14="http://schemas.microsoft.com/office/powerpoint/2010/main">
+        <mc:Choice Requires="p14">
           <p:contentPart p14:bwMode="auto" r:id="rId8">
             <p14:nvContentPartPr>
               <p14:cNvPr id="13" name="잉크 12">
@@ -4704,7 +5229,7 @@
             </p14:xfrm>
           </p:contentPart>
         </mc:Choice>
-        <mc:Fallback>
+        <mc:Fallback xmlns="">
           <p:pic>
             <p:nvPicPr>
               <p:cNvPr id="13" name="잉크 12">
@@ -5983,8 +6508,8 @@
           </a:graphicData>
         </a:graphic>
       </p:graphicFrame>
-      <mc:AlternateContent xmlns:mc="http://schemas.openxmlformats.org/markup-compatibility/2006">
-        <mc:Choice xmlns:p14="http://schemas.microsoft.com/office/powerpoint/2010/main" Requires="p14">
+      <mc:AlternateContent xmlns:mc="http://schemas.openxmlformats.org/markup-compatibility/2006" xmlns:p14="http://schemas.microsoft.com/office/powerpoint/2010/main">
+        <mc:Choice Requires="p14">
           <p:contentPart p14:bwMode="auto" r:id="rId4">
             <p14:nvContentPartPr>
               <p14:cNvPr id="9" name="잉크 8">
@@ -6003,7 +6528,7 @@
             </p14:xfrm>
           </p:contentPart>
         </mc:Choice>
-        <mc:Fallback>
+        <mc:Fallback xmlns="">
           <p:pic>
             <p:nvPicPr>
               <p:cNvPr id="9" name="잉크 8">
@@ -6081,8 +6606,8 @@
           </a:extLst>
         </p:spPr>
       </p:pic>
-      <mc:AlternateContent xmlns:mc="http://schemas.openxmlformats.org/markup-compatibility/2006">
-        <mc:Choice xmlns:p14="http://schemas.microsoft.com/office/powerpoint/2010/main" Requires="p14">
+      <mc:AlternateContent xmlns:mc="http://schemas.openxmlformats.org/markup-compatibility/2006" xmlns:p14="http://schemas.microsoft.com/office/powerpoint/2010/main">
+        <mc:Choice Requires="p14">
           <p:contentPart p14:bwMode="auto" r:id="rId7">
             <p14:nvContentPartPr>
               <p14:cNvPr id="10" name="잉크 9">
@@ -6101,7 +6626,7 @@
             </p14:xfrm>
           </p:contentPart>
         </mc:Choice>
-        <mc:Fallback>
+        <mc:Fallback xmlns="">
           <p:pic>
             <p:nvPicPr>
               <p:cNvPr id="10" name="잉크 9">
@@ -6132,8 +6657,8 @@
           </p:pic>
         </mc:Fallback>
       </mc:AlternateContent>
-      <mc:AlternateContent xmlns:mc="http://schemas.openxmlformats.org/markup-compatibility/2006">
-        <mc:Choice xmlns:p14="http://schemas.microsoft.com/office/powerpoint/2010/main" Requires="p14">
+      <mc:AlternateContent xmlns:mc="http://schemas.openxmlformats.org/markup-compatibility/2006" xmlns:p14="http://schemas.microsoft.com/office/powerpoint/2010/main">
+        <mc:Choice Requires="p14">
           <p:contentPart p14:bwMode="auto" r:id="rId9">
             <p14:nvContentPartPr>
               <p14:cNvPr id="13" name="잉크 12">
@@ -6152,7 +6677,7 @@
             </p14:xfrm>
           </p:contentPart>
         </mc:Choice>
-        <mc:Fallback>
+        <mc:Fallback xmlns="">
           <p:pic>
             <p:nvPicPr>
               <p:cNvPr id="13" name="잉크 12">
@@ -6183,8 +6708,8 @@
           </p:pic>
         </mc:Fallback>
       </mc:AlternateContent>
-      <mc:AlternateContent xmlns:mc="http://schemas.openxmlformats.org/markup-compatibility/2006">
-        <mc:Choice xmlns:p14="http://schemas.microsoft.com/office/powerpoint/2010/main" Requires="p14">
+      <mc:AlternateContent xmlns:mc="http://schemas.openxmlformats.org/markup-compatibility/2006" xmlns:p14="http://schemas.microsoft.com/office/powerpoint/2010/main">
+        <mc:Choice Requires="p14">
           <p:contentPart p14:bwMode="auto" r:id="rId11">
             <p14:nvContentPartPr>
               <p14:cNvPr id="14" name="잉크 13">
@@ -6203,7 +6728,7 @@
             </p14:xfrm>
           </p:contentPart>
         </mc:Choice>
-        <mc:Fallback>
+        <mc:Fallback xmlns="">
           <p:pic>
             <p:nvPicPr>
               <p:cNvPr id="14" name="잉크 13">
@@ -6234,8 +6759,8 @@
           </p:pic>
         </mc:Fallback>
       </mc:AlternateContent>
-      <mc:AlternateContent xmlns:mc="http://schemas.openxmlformats.org/markup-compatibility/2006">
-        <mc:Choice xmlns:p14="http://schemas.microsoft.com/office/powerpoint/2010/main" Requires="p14">
+      <mc:AlternateContent xmlns:mc="http://schemas.openxmlformats.org/markup-compatibility/2006" xmlns:p14="http://schemas.microsoft.com/office/powerpoint/2010/main">
+        <mc:Choice Requires="p14">
           <p:contentPart p14:bwMode="auto" r:id="rId13">
             <p14:nvContentPartPr>
               <p14:cNvPr id="18" name="잉크 17">
@@ -6254,7 +6779,7 @@
             </p14:xfrm>
           </p:contentPart>
         </mc:Choice>
-        <mc:Fallback>
+        <mc:Fallback xmlns="">
           <p:pic>
             <p:nvPicPr>
               <p:cNvPr id="18" name="잉크 17">
@@ -6285,8 +6810,8 @@
           </p:pic>
         </mc:Fallback>
       </mc:AlternateContent>
-      <mc:AlternateContent xmlns:mc="http://schemas.openxmlformats.org/markup-compatibility/2006">
-        <mc:Choice xmlns:p14="http://schemas.microsoft.com/office/powerpoint/2010/main" Requires="p14">
+      <mc:AlternateContent xmlns:mc="http://schemas.openxmlformats.org/markup-compatibility/2006" xmlns:p14="http://schemas.microsoft.com/office/powerpoint/2010/main">
+        <mc:Choice Requires="p14">
           <p:contentPart p14:bwMode="auto" r:id="rId15">
             <p14:nvContentPartPr>
               <p14:cNvPr id="19" name="잉크 18">
@@ -6305,7 +6830,7 @@
             </p14:xfrm>
           </p:contentPart>
         </mc:Choice>
-        <mc:Fallback>
+        <mc:Fallback xmlns="">
           <p:pic>
             <p:nvPicPr>
               <p:cNvPr id="19" name="잉크 18">
@@ -6336,8 +6861,8 @@
           </p:pic>
         </mc:Fallback>
       </mc:AlternateContent>
-      <mc:AlternateContent xmlns:mc="http://schemas.openxmlformats.org/markup-compatibility/2006">
-        <mc:Choice xmlns:p14="http://schemas.microsoft.com/office/powerpoint/2010/main" Requires="p14">
+      <mc:AlternateContent xmlns:mc="http://schemas.openxmlformats.org/markup-compatibility/2006" xmlns:p14="http://schemas.microsoft.com/office/powerpoint/2010/main">
+        <mc:Choice Requires="p14">
           <p:contentPart p14:bwMode="auto" r:id="rId17">
             <p14:nvContentPartPr>
               <p14:cNvPr id="20" name="잉크 19">
@@ -6356,7 +6881,7 @@
             </p14:xfrm>
           </p:contentPart>
         </mc:Choice>
-        <mc:Fallback>
+        <mc:Fallback xmlns="">
           <p:pic>
             <p:nvPicPr>
               <p:cNvPr id="20" name="잉크 19">
@@ -6387,8 +6912,8 @@
           </p:pic>
         </mc:Fallback>
       </mc:AlternateContent>
-      <mc:AlternateContent xmlns:mc="http://schemas.openxmlformats.org/markup-compatibility/2006">
-        <mc:Choice xmlns:p14="http://schemas.microsoft.com/office/powerpoint/2010/main" Requires="p14">
+      <mc:AlternateContent xmlns:mc="http://schemas.openxmlformats.org/markup-compatibility/2006" xmlns:p14="http://schemas.microsoft.com/office/powerpoint/2010/main">
+        <mc:Choice Requires="p14">
           <p:contentPart p14:bwMode="auto" r:id="rId19">
             <p14:nvContentPartPr>
               <p14:cNvPr id="21" name="잉크 20">
@@ -6407,7 +6932,7 @@
             </p14:xfrm>
           </p:contentPart>
         </mc:Choice>
-        <mc:Fallback>
+        <mc:Fallback xmlns="">
           <p:pic>
             <p:nvPicPr>
               <p:cNvPr id="21" name="잉크 20">
@@ -7680,8 +8205,8 @@
           </a:graphicData>
         </a:graphic>
       </p:graphicFrame>
-      <mc:AlternateContent xmlns:mc="http://schemas.openxmlformats.org/markup-compatibility/2006">
-        <mc:Choice xmlns:p14="http://schemas.microsoft.com/office/powerpoint/2010/main" Requires="p14">
+      <mc:AlternateContent xmlns:mc="http://schemas.openxmlformats.org/markup-compatibility/2006" xmlns:p14="http://schemas.microsoft.com/office/powerpoint/2010/main">
+        <mc:Choice Requires="p14">
           <p:contentPart p14:bwMode="auto" r:id="rId4">
             <p14:nvContentPartPr>
               <p14:cNvPr id="9" name="잉크 8">
@@ -7700,7 +8225,7 @@
             </p14:xfrm>
           </p:contentPart>
         </mc:Choice>
-        <mc:Fallback>
+        <mc:Fallback xmlns="">
           <p:pic>
             <p:nvPicPr>
               <p:cNvPr id="9" name="잉크 8">
@@ -7778,8 +8303,8 @@
           </a:extLst>
         </p:spPr>
       </p:pic>
-      <mc:AlternateContent xmlns:mc="http://schemas.openxmlformats.org/markup-compatibility/2006">
-        <mc:Choice xmlns:p14="http://schemas.microsoft.com/office/powerpoint/2010/main" Requires="p14">
+      <mc:AlternateContent xmlns:mc="http://schemas.openxmlformats.org/markup-compatibility/2006" xmlns:p14="http://schemas.microsoft.com/office/powerpoint/2010/main">
+        <mc:Choice Requires="p14">
           <p:contentPart p14:bwMode="auto" r:id="rId7">
             <p14:nvContentPartPr>
               <p14:cNvPr id="2" name="잉크 1">
@@ -7798,7 +8323,7 @@
             </p14:xfrm>
           </p:contentPart>
         </mc:Choice>
-        <mc:Fallback>
+        <mc:Fallback xmlns="">
           <p:pic>
             <p:nvPicPr>
               <p:cNvPr id="2" name="잉크 1">
@@ -7865,8 +8390,8 @@
           </a:p>
         </p:txBody>
       </p:sp>
-      <mc:AlternateContent xmlns:mc="http://schemas.openxmlformats.org/markup-compatibility/2006">
-        <mc:Choice xmlns:p14="http://schemas.microsoft.com/office/powerpoint/2010/main" xmlns:aink="http://schemas.microsoft.com/office/drawing/2016/ink" Requires="p14 aink">
+      <mc:AlternateContent xmlns:mc="http://schemas.openxmlformats.org/markup-compatibility/2006" xmlns:p14="http://schemas.microsoft.com/office/powerpoint/2010/main" xmlns:aink="http://schemas.microsoft.com/office/drawing/2016/ink">
+        <mc:Choice Requires="p14 aink">
           <p:contentPart p14:bwMode="auto" r:id="rId9">
             <p14:nvContentPartPr>
               <p14:cNvPr id="16" name="잉크 15">
@@ -7885,7 +8410,7 @@
             </p14:xfrm>
           </p:contentPart>
         </mc:Choice>
-        <mc:Fallback>
+        <mc:Fallback xmlns="">
           <p:pic>
             <p:nvPicPr>
               <p:cNvPr id="16" name="잉크 15">
@@ -7916,8 +8441,8 @@
           </p:pic>
         </mc:Fallback>
       </mc:AlternateContent>
-      <mc:AlternateContent xmlns:mc="http://schemas.openxmlformats.org/markup-compatibility/2006">
-        <mc:Choice xmlns:p14="http://schemas.microsoft.com/office/powerpoint/2010/main" Requires="p14">
+      <mc:AlternateContent xmlns:mc="http://schemas.openxmlformats.org/markup-compatibility/2006" xmlns:p14="http://schemas.microsoft.com/office/powerpoint/2010/main">
+        <mc:Choice Requires="p14">
           <p:contentPart p14:bwMode="auto" r:id="rId11">
             <p14:nvContentPartPr>
               <p14:cNvPr id="22" name="잉크 21">
@@ -7936,7 +8461,7 @@
             </p14:xfrm>
           </p:contentPart>
         </mc:Choice>
-        <mc:Fallback>
+        <mc:Fallback xmlns="">
           <p:pic>
             <p:nvPicPr>
               <p:cNvPr id="22" name="잉크 21">
@@ -7967,8 +8492,8 @@
           </p:pic>
         </mc:Fallback>
       </mc:AlternateContent>
-      <mc:AlternateContent xmlns:mc="http://schemas.openxmlformats.org/markup-compatibility/2006">
-        <mc:Choice xmlns:p14="http://schemas.microsoft.com/office/powerpoint/2010/main" xmlns:aink="http://schemas.microsoft.com/office/drawing/2016/ink" Requires="p14 aink">
+      <mc:AlternateContent xmlns:mc="http://schemas.openxmlformats.org/markup-compatibility/2006" xmlns:p14="http://schemas.microsoft.com/office/powerpoint/2010/main" xmlns:aink="http://schemas.microsoft.com/office/drawing/2016/ink">
+        <mc:Choice Requires="p14 aink">
           <p:contentPart p14:bwMode="auto" r:id="rId13">
             <p14:nvContentPartPr>
               <p14:cNvPr id="23" name="잉크 22">
@@ -7987,7 +8512,7 @@
             </p14:xfrm>
           </p:contentPart>
         </mc:Choice>
-        <mc:Fallback>
+        <mc:Fallback xmlns="">
           <p:pic>
             <p:nvPicPr>
               <p:cNvPr id="23" name="잉크 22">
@@ -8054,8 +8579,8 @@
           </a:p>
         </p:txBody>
       </p:sp>
-      <mc:AlternateContent xmlns:mc="http://schemas.openxmlformats.org/markup-compatibility/2006">
-        <mc:Choice xmlns:p14="http://schemas.microsoft.com/office/powerpoint/2010/main" Requires="p14">
+      <mc:AlternateContent xmlns:mc="http://schemas.openxmlformats.org/markup-compatibility/2006" xmlns:p14="http://schemas.microsoft.com/office/powerpoint/2010/main">
+        <mc:Choice Requires="p14">
           <p:contentPart p14:bwMode="auto" r:id="rId15">
             <p14:nvContentPartPr>
               <p14:cNvPr id="25" name="잉크 24">
@@ -8074,7 +8599,7 @@
             </p14:xfrm>
           </p:contentPart>
         </mc:Choice>
-        <mc:Fallback>
+        <mc:Fallback xmlns="">
           <p:pic>
             <p:nvPicPr>
               <p:cNvPr id="25" name="잉크 24">
@@ -8105,8 +8630,8 @@
           </p:pic>
         </mc:Fallback>
       </mc:AlternateContent>
-      <mc:AlternateContent xmlns:mc="http://schemas.openxmlformats.org/markup-compatibility/2006">
-        <mc:Choice xmlns:p14="http://schemas.microsoft.com/office/powerpoint/2010/main" Requires="p14">
+      <mc:AlternateContent xmlns:mc="http://schemas.openxmlformats.org/markup-compatibility/2006" xmlns:p14="http://schemas.microsoft.com/office/powerpoint/2010/main">
+        <mc:Choice Requires="p14">
           <p:contentPart p14:bwMode="auto" r:id="rId17">
             <p14:nvContentPartPr>
               <p14:cNvPr id="26" name="잉크 25">
@@ -8125,7 +8650,7 @@
             </p14:xfrm>
           </p:contentPart>
         </mc:Choice>
-        <mc:Fallback>
+        <mc:Fallback xmlns="">
           <p:pic>
             <p:nvPicPr>
               <p:cNvPr id="26" name="잉크 25">
@@ -8156,8 +8681,8 @@
           </p:pic>
         </mc:Fallback>
       </mc:AlternateContent>
-      <mc:AlternateContent xmlns:mc="http://schemas.openxmlformats.org/markup-compatibility/2006">
-        <mc:Choice xmlns:p14="http://schemas.microsoft.com/office/powerpoint/2010/main" Requires="p14">
+      <mc:AlternateContent xmlns:mc="http://schemas.openxmlformats.org/markup-compatibility/2006" xmlns:p14="http://schemas.microsoft.com/office/powerpoint/2010/main">
+        <mc:Choice Requires="p14">
           <p:contentPart p14:bwMode="auto" r:id="rId19">
             <p14:nvContentPartPr>
               <p14:cNvPr id="27" name="잉크 26">
@@ -8176,7 +8701,7 @@
             </p14:xfrm>
           </p:contentPart>
         </mc:Choice>
-        <mc:Fallback>
+        <mc:Fallback xmlns="">
           <p:pic>
             <p:nvPicPr>
               <p:cNvPr id="27" name="잉크 26">
@@ -8207,8 +8732,8 @@
           </p:pic>
         </mc:Fallback>
       </mc:AlternateContent>
-      <mc:AlternateContent xmlns:mc="http://schemas.openxmlformats.org/markup-compatibility/2006">
-        <mc:Choice xmlns:p14="http://schemas.microsoft.com/office/powerpoint/2010/main" xmlns:aink="http://schemas.microsoft.com/office/drawing/2016/ink" Requires="p14 aink">
+      <mc:AlternateContent xmlns:mc="http://schemas.openxmlformats.org/markup-compatibility/2006" xmlns:p14="http://schemas.microsoft.com/office/powerpoint/2010/main" xmlns:aink="http://schemas.microsoft.com/office/drawing/2016/ink">
+        <mc:Choice Requires="p14 aink">
           <p:contentPart p14:bwMode="auto" r:id="rId21">
             <p14:nvContentPartPr>
               <p14:cNvPr id="28" name="잉크 27">
@@ -8227,7 +8752,7 @@
             </p14:xfrm>
           </p:contentPart>
         </mc:Choice>
-        <mc:Fallback>
+        <mc:Fallback xmlns="">
           <p:pic>
             <p:nvPicPr>
               <p:cNvPr id="28" name="잉크 27">
@@ -8258,8 +8783,8 @@
           </p:pic>
         </mc:Fallback>
       </mc:AlternateContent>
-      <mc:AlternateContent xmlns:mc="http://schemas.openxmlformats.org/markup-compatibility/2006">
-        <mc:Choice xmlns:p14="http://schemas.microsoft.com/office/powerpoint/2010/main" xmlns:aink="http://schemas.microsoft.com/office/drawing/2016/ink" Requires="p14 aink">
+      <mc:AlternateContent xmlns:mc="http://schemas.openxmlformats.org/markup-compatibility/2006" xmlns:p14="http://schemas.microsoft.com/office/powerpoint/2010/main" xmlns:aink="http://schemas.microsoft.com/office/drawing/2016/ink">
+        <mc:Choice Requires="p14 aink">
           <p:contentPart p14:bwMode="auto" r:id="rId23">
             <p14:nvContentPartPr>
               <p14:cNvPr id="29" name="잉크 28">
@@ -8278,7 +8803,7 @@
             </p14:xfrm>
           </p:contentPart>
         </mc:Choice>
-        <mc:Fallback>
+        <mc:Fallback xmlns="">
           <p:pic>
             <p:nvPicPr>
               <p:cNvPr id="29" name="잉크 28">
@@ -8345,8 +8870,8 @@
           </a:p>
         </p:txBody>
       </p:sp>
-      <mc:AlternateContent xmlns:mc="http://schemas.openxmlformats.org/markup-compatibility/2006">
-        <mc:Choice xmlns:p14="http://schemas.microsoft.com/office/powerpoint/2010/main" Requires="p14">
+      <mc:AlternateContent xmlns:mc="http://schemas.openxmlformats.org/markup-compatibility/2006" xmlns:p14="http://schemas.microsoft.com/office/powerpoint/2010/main">
+        <mc:Choice Requires="p14">
           <p:contentPart p14:bwMode="auto" r:id="rId25">
             <p14:nvContentPartPr>
               <p14:cNvPr id="32" name="잉크 31">
@@ -8365,7 +8890,7 @@
             </p14:xfrm>
           </p:contentPart>
         </mc:Choice>
-        <mc:Fallback>
+        <mc:Fallback xmlns="">
           <p:pic>
             <p:nvPicPr>
               <p:cNvPr id="32" name="잉크 31">
@@ -8396,8 +8921,8 @@
           </p:pic>
         </mc:Fallback>
       </mc:AlternateContent>
-      <mc:AlternateContent xmlns:mc="http://schemas.openxmlformats.org/markup-compatibility/2006">
-        <mc:Choice xmlns:p14="http://schemas.microsoft.com/office/powerpoint/2010/main" xmlns:aink="http://schemas.microsoft.com/office/drawing/2016/ink" Requires="p14 aink">
+      <mc:AlternateContent xmlns:mc="http://schemas.openxmlformats.org/markup-compatibility/2006" xmlns:p14="http://schemas.microsoft.com/office/powerpoint/2010/main" xmlns:aink="http://schemas.microsoft.com/office/drawing/2016/ink">
+        <mc:Choice Requires="p14 aink">
           <p:contentPart p14:bwMode="auto" r:id="rId27">
             <p14:nvContentPartPr>
               <p14:cNvPr id="33" name="잉크 32">
@@ -8416,7 +8941,7 @@
             </p14:xfrm>
           </p:contentPart>
         </mc:Choice>
-        <mc:Fallback>
+        <mc:Fallback xmlns="">
           <p:pic>
             <p:nvPicPr>
               <p:cNvPr id="33" name="잉크 32">
@@ -8483,8 +9008,8 @@
           </a:p>
         </p:txBody>
       </p:sp>
-      <mc:AlternateContent xmlns:mc="http://schemas.openxmlformats.org/markup-compatibility/2006">
-        <mc:Choice xmlns:p14="http://schemas.microsoft.com/office/powerpoint/2010/main" Requires="p14">
+      <mc:AlternateContent xmlns:mc="http://schemas.openxmlformats.org/markup-compatibility/2006" xmlns:p14="http://schemas.microsoft.com/office/powerpoint/2010/main">
+        <mc:Choice Requires="p14">
           <p:contentPart p14:bwMode="auto" r:id="rId29">
             <p14:nvContentPartPr>
               <p14:cNvPr id="35" name="잉크 34">
@@ -8503,7 +9028,7 @@
             </p14:xfrm>
           </p:contentPart>
         </mc:Choice>
-        <mc:Fallback>
+        <mc:Fallback xmlns="">
           <p:pic>
             <p:nvPicPr>
               <p:cNvPr id="35" name="잉크 34">
@@ -8538,6 +9063,3125 @@
     <p:extLst>
       <p:ext uri="{BB962C8B-B14F-4D97-AF65-F5344CB8AC3E}">
         <p14:creationId xmlns:p14="http://schemas.microsoft.com/office/powerpoint/2010/main" val="3346626148"/>
+      </p:ext>
+    </p:extLst>
+  </p:cSld>
+  <p:clrMapOvr>
+    <a:masterClrMapping/>
+  </p:clrMapOvr>
+</p:sld>
+</file>
+
+<file path=ppt/slides/slide4.xml><?xml version="1.0" encoding="utf-8"?>
+<p:sld xmlns:a="http://schemas.openxmlformats.org/drawingml/2006/main" xmlns:r="http://schemas.openxmlformats.org/officeDocument/2006/relationships" xmlns:p="http://schemas.openxmlformats.org/presentationml/2006/main">
+  <p:cSld>
+    <p:spTree>
+      <p:nvGrpSpPr>
+        <p:cNvPr id="1" name=""/>
+        <p:cNvGrpSpPr/>
+        <p:nvPr/>
+      </p:nvGrpSpPr>
+      <p:grpSpPr>
+        <a:xfrm>
+          <a:off x="0" y="0"/>
+          <a:ext cx="0" cy="0"/>
+          <a:chOff x="0" y="0"/>
+          <a:chExt cx="0" cy="0"/>
+        </a:xfrm>
+      </p:grpSpPr>
+      <p:sp>
+        <p:nvSpPr>
+          <p:cNvPr id="4" name="TextBox 3">
+            <a:extLst>
+              <a:ext uri="{FF2B5EF4-FFF2-40B4-BE49-F238E27FC236}">
+                <a16:creationId xmlns:a16="http://schemas.microsoft.com/office/drawing/2014/main" id="{AB65AD52-346A-DF9E-C270-ADF45940FF61}"/>
+              </a:ext>
+            </a:extLst>
+          </p:cNvPr>
+          <p:cNvSpPr txBox="1"/>
+          <p:nvPr/>
+        </p:nvSpPr>
+        <p:spPr>
+          <a:xfrm>
+            <a:off x="653143" y="642257"/>
+            <a:ext cx="2091022" cy="369332"/>
+          </a:xfrm>
+          <a:prstGeom prst="rect">
+            <a:avLst/>
+          </a:prstGeom>
+          <a:noFill/>
+        </p:spPr>
+        <p:txBody>
+          <a:bodyPr wrap="none" rtlCol="0">
+            <a:spAutoFit/>
+          </a:bodyPr>
+          <a:lstStyle/>
+          <a:p>
+            <a:r>
+              <a:rPr lang="en-US" altLang="ko-KR"/>
+              <a:t>FPGA Pin Connect</a:t>
+            </a:r>
+            <a:endParaRPr lang="ko-KR" altLang="en-US"/>
+          </a:p>
+        </p:txBody>
+      </p:sp>
+      <p:pic>
+        <p:nvPicPr>
+          <p:cNvPr id="6" name="그림 5">
+            <a:extLst>
+              <a:ext uri="{FF2B5EF4-FFF2-40B4-BE49-F238E27FC236}">
+                <a16:creationId xmlns:a16="http://schemas.microsoft.com/office/drawing/2014/main" id="{DD255873-0C9B-1080-9E62-2F45F45C83D8}"/>
+              </a:ext>
+            </a:extLst>
+          </p:cNvPr>
+          <p:cNvPicPr>
+            <a:picLocks noChangeAspect="1"/>
+          </p:cNvPicPr>
+          <p:nvPr/>
+        </p:nvPicPr>
+        <p:blipFill>
+          <a:blip r:embed="rId2"/>
+          <a:stretch>
+            <a:fillRect/>
+          </a:stretch>
+        </p:blipFill>
+        <p:spPr>
+          <a:xfrm>
+            <a:off x="1523734" y="1357315"/>
+            <a:ext cx="3810532" cy="4858428"/>
+          </a:xfrm>
+          <a:prstGeom prst="rect">
+            <a:avLst/>
+          </a:prstGeom>
+        </p:spPr>
+      </p:pic>
+      <p:pic>
+        <p:nvPicPr>
+          <p:cNvPr id="7" name="Picture 6" descr="Verilog 코드를 이용하여 OV7670 카메라모듈 사용하기(SCCB 통신)">
+            <a:extLst>
+              <a:ext uri="{FF2B5EF4-FFF2-40B4-BE49-F238E27FC236}">
+                <a16:creationId xmlns:a16="http://schemas.microsoft.com/office/drawing/2014/main" id="{42F12231-00F8-9C7B-EFEB-5062FD396F93}"/>
+              </a:ext>
+            </a:extLst>
+          </p:cNvPr>
+          <p:cNvPicPr>
+            <a:picLocks noChangeAspect="1" noChangeArrowheads="1"/>
+          </p:cNvPicPr>
+          <p:nvPr/>
+        </p:nvPicPr>
+        <p:blipFill>
+          <a:blip r:embed="rId3">
+            <a:extLst>
+              <a:ext uri="{28A0092B-C50C-407E-A947-70E740481C1C}">
+                <a14:useLocalDpi xmlns:a14="http://schemas.microsoft.com/office/drawing/2010/main" val="0"/>
+              </a:ext>
+            </a:extLst>
+          </a:blip>
+          <a:srcRect/>
+          <a:stretch>
+            <a:fillRect/>
+          </a:stretch>
+        </p:blipFill>
+        <p:spPr bwMode="auto">
+          <a:xfrm>
+            <a:off x="8546394" y="1357315"/>
+            <a:ext cx="3095625" cy="3076575"/>
+          </a:xfrm>
+          <a:prstGeom prst="rect">
+            <a:avLst/>
+          </a:prstGeom>
+          <a:noFill/>
+          <a:extLst>
+            <a:ext uri="{909E8E84-426E-40DD-AFC4-6F175D3DCCD1}">
+              <a14:hiddenFill xmlns:a14="http://schemas.microsoft.com/office/drawing/2010/main">
+                <a:solidFill>
+                  <a:srgbClr val="FFFFFF"/>
+                </a:solidFill>
+              </a14:hiddenFill>
+            </a:ext>
+          </a:extLst>
+        </p:spPr>
+      </p:pic>
+      <mc:AlternateContent xmlns:mc="http://schemas.openxmlformats.org/markup-compatibility/2006">
+        <mc:Choice xmlns:p14="http://schemas.microsoft.com/office/powerpoint/2010/main" Requires="p14">
+          <p:contentPart p14:bwMode="auto" r:id="rId4">
+            <p14:nvContentPartPr>
+              <p14:cNvPr id="8" name="잉크 7">
+                <a:extLst>
+                  <a:ext uri="{FF2B5EF4-FFF2-40B4-BE49-F238E27FC236}">
+                    <a16:creationId xmlns:a16="http://schemas.microsoft.com/office/drawing/2014/main" id="{FCD3B73B-F4E2-BB13-6863-8014B2799FA3}"/>
+                  </a:ext>
+                </a:extLst>
+              </p14:cNvPr>
+              <p14:cNvContentPartPr/>
+              <p14:nvPr/>
+            </p14:nvContentPartPr>
+            <p14:xfrm>
+              <a:off x="3004183" y="2012726"/>
+              <a:ext cx="6018840" cy="4378320"/>
+            </p14:xfrm>
+          </p:contentPart>
+        </mc:Choice>
+        <mc:Fallback>
+          <p:pic>
+            <p:nvPicPr>
+              <p:cNvPr id="8" name="잉크 7">
+                <a:extLst>
+                  <a:ext uri="{FF2B5EF4-FFF2-40B4-BE49-F238E27FC236}">
+                    <a16:creationId xmlns:a16="http://schemas.microsoft.com/office/drawing/2014/main" id="{FCD3B73B-F4E2-BB13-6863-8014B2799FA3}"/>
+                  </a:ext>
+                </a:extLst>
+              </p:cNvPr>
+              <p:cNvPicPr/>
+              <p:nvPr/>
+            </p:nvPicPr>
+            <p:blipFill>
+              <a:blip r:embed="rId5"/>
+              <a:stretch>
+                <a:fillRect/>
+              </a:stretch>
+            </p:blipFill>
+            <p:spPr>
+              <a:xfrm>
+                <a:off x="2968183" y="1977086"/>
+                <a:ext cx="6090480" cy="4449960"/>
+              </a:xfrm>
+              <a:prstGeom prst="rect">
+                <a:avLst/>
+              </a:prstGeom>
+            </p:spPr>
+          </p:pic>
+        </mc:Fallback>
+      </mc:AlternateContent>
+      <mc:AlternateContent xmlns:mc="http://schemas.openxmlformats.org/markup-compatibility/2006">
+        <mc:Choice xmlns:p14="http://schemas.microsoft.com/office/powerpoint/2010/main" Requires="p14">
+          <p:contentPart p14:bwMode="auto" r:id="rId6">
+            <p14:nvContentPartPr>
+              <p14:cNvPr id="9" name="잉크 8">
+                <a:extLst>
+                  <a:ext uri="{FF2B5EF4-FFF2-40B4-BE49-F238E27FC236}">
+                    <a16:creationId xmlns:a16="http://schemas.microsoft.com/office/drawing/2014/main" id="{55065344-E09D-05EF-3BF4-A232302388DC}"/>
+                  </a:ext>
+                </a:extLst>
+              </p14:cNvPr>
+              <p14:cNvContentPartPr/>
+              <p14:nvPr/>
+            </p14:nvContentPartPr>
+            <p14:xfrm>
+              <a:off x="6791023" y="3643166"/>
+              <a:ext cx="2266200" cy="213120"/>
+            </p14:xfrm>
+          </p:contentPart>
+        </mc:Choice>
+        <mc:Fallback>
+          <p:pic>
+            <p:nvPicPr>
+              <p:cNvPr id="9" name="잉크 8">
+                <a:extLst>
+                  <a:ext uri="{FF2B5EF4-FFF2-40B4-BE49-F238E27FC236}">
+                    <a16:creationId xmlns:a16="http://schemas.microsoft.com/office/drawing/2014/main" id="{55065344-E09D-05EF-3BF4-A232302388DC}"/>
+                  </a:ext>
+                </a:extLst>
+              </p:cNvPr>
+              <p:cNvPicPr/>
+              <p:nvPr/>
+            </p:nvPicPr>
+            <p:blipFill>
+              <a:blip r:embed="rId7"/>
+              <a:stretch>
+                <a:fillRect/>
+              </a:stretch>
+            </p:blipFill>
+            <p:spPr>
+              <a:xfrm>
+                <a:off x="6755383" y="3607166"/>
+                <a:ext cx="2337840" cy="284760"/>
+              </a:xfrm>
+              <a:prstGeom prst="rect">
+                <a:avLst/>
+              </a:prstGeom>
+            </p:spPr>
+          </p:pic>
+        </mc:Fallback>
+      </mc:AlternateContent>
+      <mc:AlternateContent xmlns:mc="http://schemas.openxmlformats.org/markup-compatibility/2006">
+        <mc:Choice xmlns:p14="http://schemas.microsoft.com/office/powerpoint/2010/main" Requires="p14">
+          <p:contentPart p14:bwMode="auto" r:id="rId8">
+            <p14:nvContentPartPr>
+              <p14:cNvPr id="11" name="잉크 10">
+                <a:extLst>
+                  <a:ext uri="{FF2B5EF4-FFF2-40B4-BE49-F238E27FC236}">
+                    <a16:creationId xmlns:a16="http://schemas.microsoft.com/office/drawing/2014/main" id="{A3944D09-26FB-0440-9435-9F08AABB72AC}"/>
+                  </a:ext>
+                </a:extLst>
+              </p14:cNvPr>
+              <p14:cNvContentPartPr/>
+              <p14:nvPr/>
+            </p14:nvContentPartPr>
+            <p14:xfrm>
+              <a:off x="3529063" y="2023526"/>
+              <a:ext cx="6096600" cy="4628880"/>
+            </p14:xfrm>
+          </p:contentPart>
+        </mc:Choice>
+        <mc:Fallback>
+          <p:pic>
+            <p:nvPicPr>
+              <p:cNvPr id="11" name="잉크 10">
+                <a:extLst>
+                  <a:ext uri="{FF2B5EF4-FFF2-40B4-BE49-F238E27FC236}">
+                    <a16:creationId xmlns:a16="http://schemas.microsoft.com/office/drawing/2014/main" id="{A3944D09-26FB-0440-9435-9F08AABB72AC}"/>
+                  </a:ext>
+                </a:extLst>
+              </p:cNvPr>
+              <p:cNvPicPr/>
+              <p:nvPr/>
+            </p:nvPicPr>
+            <p:blipFill>
+              <a:blip r:embed="rId9"/>
+              <a:stretch>
+                <a:fillRect/>
+              </a:stretch>
+            </p:blipFill>
+            <p:spPr>
+              <a:xfrm>
+                <a:off x="3493423" y="1987526"/>
+                <a:ext cx="6168240" cy="4700520"/>
+              </a:xfrm>
+              <a:prstGeom prst="rect">
+                <a:avLst/>
+              </a:prstGeom>
+            </p:spPr>
+          </p:pic>
+        </mc:Fallback>
+      </mc:AlternateContent>
+      <mc:AlternateContent xmlns:mc="http://schemas.openxmlformats.org/markup-compatibility/2006">
+        <mc:Choice xmlns:p14="http://schemas.microsoft.com/office/powerpoint/2010/main" Requires="p14">
+          <p:contentPart p14:bwMode="auto" r:id="rId10">
+            <p14:nvContentPartPr>
+              <p14:cNvPr id="12" name="잉크 11">
+                <a:extLst>
+                  <a:ext uri="{FF2B5EF4-FFF2-40B4-BE49-F238E27FC236}">
+                    <a16:creationId xmlns:a16="http://schemas.microsoft.com/office/drawing/2014/main" id="{8A723267-3056-BB17-194F-E0C0EC4D905B}"/>
+                  </a:ext>
+                </a:extLst>
+              </p14:cNvPr>
+              <p14:cNvContentPartPr/>
+              <p14:nvPr/>
+            </p14:nvContentPartPr>
+            <p14:xfrm>
+              <a:off x="9263503" y="3687086"/>
+              <a:ext cx="459720" cy="180360"/>
+            </p14:xfrm>
+          </p:contentPart>
+        </mc:Choice>
+        <mc:Fallback>
+          <p:pic>
+            <p:nvPicPr>
+              <p:cNvPr id="12" name="잉크 11">
+                <a:extLst>
+                  <a:ext uri="{FF2B5EF4-FFF2-40B4-BE49-F238E27FC236}">
+                    <a16:creationId xmlns:a16="http://schemas.microsoft.com/office/drawing/2014/main" id="{8A723267-3056-BB17-194F-E0C0EC4D905B}"/>
+                  </a:ext>
+                </a:extLst>
+              </p:cNvPr>
+              <p:cNvPicPr/>
+              <p:nvPr/>
+            </p:nvPicPr>
+            <p:blipFill>
+              <a:blip r:embed="rId11"/>
+              <a:stretch>
+                <a:fillRect/>
+              </a:stretch>
+            </p:blipFill>
+            <p:spPr>
+              <a:xfrm>
+                <a:off x="9227863" y="3651446"/>
+                <a:ext cx="531360" cy="252000"/>
+              </a:xfrm>
+              <a:prstGeom prst="rect">
+                <a:avLst/>
+              </a:prstGeom>
+            </p:spPr>
+          </p:pic>
+        </mc:Fallback>
+      </mc:AlternateContent>
+    </p:spTree>
+    <p:extLst>
+      <p:ext uri="{BB962C8B-B14F-4D97-AF65-F5344CB8AC3E}">
+        <p14:creationId xmlns:p14="http://schemas.microsoft.com/office/powerpoint/2010/main" val="1173157369"/>
+      </p:ext>
+    </p:extLst>
+  </p:cSld>
+  <p:clrMapOvr>
+    <a:masterClrMapping/>
+  </p:clrMapOvr>
+</p:sld>
+</file>
+
+<file path=ppt/slides/slide5.xml><?xml version="1.0" encoding="utf-8"?>
+<p:sld xmlns:a="http://schemas.openxmlformats.org/drawingml/2006/main" xmlns:r="http://schemas.openxmlformats.org/officeDocument/2006/relationships" xmlns:p="http://schemas.openxmlformats.org/presentationml/2006/main">
+  <p:cSld>
+    <p:spTree>
+      <p:nvGrpSpPr>
+        <p:cNvPr id="1" name=""/>
+        <p:cNvGrpSpPr/>
+        <p:nvPr/>
+      </p:nvGrpSpPr>
+      <p:grpSpPr>
+        <a:xfrm>
+          <a:off x="0" y="0"/>
+          <a:ext cx="0" cy="0"/>
+          <a:chOff x="0" y="0"/>
+          <a:chExt cx="0" cy="0"/>
+        </a:xfrm>
+      </p:grpSpPr>
+      <p:sp>
+        <p:nvSpPr>
+          <p:cNvPr id="4" name="TextBox 3">
+            <a:extLst>
+              <a:ext uri="{FF2B5EF4-FFF2-40B4-BE49-F238E27FC236}">
+                <a16:creationId xmlns:a16="http://schemas.microsoft.com/office/drawing/2014/main" id="{AB65AD52-346A-DF9E-C270-ADF45940FF61}"/>
+              </a:ext>
+            </a:extLst>
+          </p:cNvPr>
+          <p:cNvSpPr txBox="1"/>
+          <p:nvPr/>
+        </p:nvSpPr>
+        <p:spPr>
+          <a:xfrm>
+            <a:off x="653143" y="642257"/>
+            <a:ext cx="2091022" cy="369332"/>
+          </a:xfrm>
+          <a:prstGeom prst="rect">
+            <a:avLst/>
+          </a:prstGeom>
+          <a:noFill/>
+        </p:spPr>
+        <p:txBody>
+          <a:bodyPr wrap="none" rtlCol="0">
+            <a:spAutoFit/>
+          </a:bodyPr>
+          <a:lstStyle/>
+          <a:p>
+            <a:r>
+              <a:rPr lang="en-US" altLang="ko-KR"/>
+              <a:t>FPGA Pin Connect</a:t>
+            </a:r>
+            <a:endParaRPr lang="ko-KR" altLang="en-US"/>
+          </a:p>
+        </p:txBody>
+      </p:sp>
+      <p:pic>
+        <p:nvPicPr>
+          <p:cNvPr id="7" name="Picture 6" descr="Verilog 코드를 이용하여 OV7670 카메라모듈 사용하기(SCCB 통신)">
+            <a:extLst>
+              <a:ext uri="{FF2B5EF4-FFF2-40B4-BE49-F238E27FC236}">
+                <a16:creationId xmlns:a16="http://schemas.microsoft.com/office/drawing/2014/main" id="{42F12231-00F8-9C7B-EFEB-5062FD396F93}"/>
+              </a:ext>
+            </a:extLst>
+          </p:cNvPr>
+          <p:cNvPicPr>
+            <a:picLocks noChangeAspect="1" noChangeArrowheads="1"/>
+          </p:cNvPicPr>
+          <p:nvPr/>
+        </p:nvPicPr>
+        <p:blipFill>
+          <a:blip r:embed="rId2">
+            <a:extLst>
+              <a:ext uri="{28A0092B-C50C-407E-A947-70E740481C1C}">
+                <a14:useLocalDpi xmlns:a14="http://schemas.microsoft.com/office/drawing/2010/main" val="0"/>
+              </a:ext>
+            </a:extLst>
+          </a:blip>
+          <a:srcRect/>
+          <a:stretch>
+            <a:fillRect/>
+          </a:stretch>
+        </p:blipFill>
+        <p:spPr bwMode="auto">
+          <a:xfrm>
+            <a:off x="8546394" y="1357315"/>
+            <a:ext cx="3095625" cy="3076575"/>
+          </a:xfrm>
+          <a:prstGeom prst="rect">
+            <a:avLst/>
+          </a:prstGeom>
+          <a:noFill/>
+          <a:extLst>
+            <a:ext uri="{909E8E84-426E-40DD-AFC4-6F175D3DCCD1}">
+              <a14:hiddenFill xmlns:a14="http://schemas.microsoft.com/office/drawing/2010/main">
+                <a:solidFill>
+                  <a:srgbClr val="FFFFFF"/>
+                </a:solidFill>
+              </a14:hiddenFill>
+            </a:ext>
+          </a:extLst>
+        </p:spPr>
+      </p:pic>
+      <mc:AlternateContent xmlns:mc="http://schemas.openxmlformats.org/markup-compatibility/2006">
+        <mc:Choice xmlns:p14="http://schemas.microsoft.com/office/powerpoint/2010/main" Requires="p14">
+          <p:contentPart p14:bwMode="auto" r:id="rId3">
+            <p14:nvContentPartPr>
+              <p14:cNvPr id="16" name="잉크 15">
+                <a:extLst>
+                  <a:ext uri="{FF2B5EF4-FFF2-40B4-BE49-F238E27FC236}">
+                    <a16:creationId xmlns:a16="http://schemas.microsoft.com/office/drawing/2014/main" id="{04E1E10B-9566-D168-A699-A3818BF83643}"/>
+                  </a:ext>
+                </a:extLst>
+              </p14:cNvPr>
+              <p14:cNvContentPartPr/>
+              <p14:nvPr/>
+            </p14:nvContentPartPr>
+            <p14:xfrm>
+              <a:off x="9011503" y="2455886"/>
+              <a:ext cx="67320" cy="39960"/>
+            </p14:xfrm>
+          </p:contentPart>
+        </mc:Choice>
+        <mc:Fallback>
+          <p:pic>
+            <p:nvPicPr>
+              <p:cNvPr id="16" name="잉크 15">
+                <a:extLst>
+                  <a:ext uri="{FF2B5EF4-FFF2-40B4-BE49-F238E27FC236}">
+                    <a16:creationId xmlns:a16="http://schemas.microsoft.com/office/drawing/2014/main" id="{04E1E10B-9566-D168-A699-A3818BF83643}"/>
+                  </a:ext>
+                </a:extLst>
+              </p:cNvPr>
+              <p:cNvPicPr/>
+              <p:nvPr/>
+            </p:nvPicPr>
+            <p:blipFill>
+              <a:blip r:embed="rId4"/>
+              <a:stretch>
+                <a:fillRect/>
+              </a:stretch>
+            </p:blipFill>
+            <p:spPr>
+              <a:xfrm>
+                <a:off x="8975503" y="2420246"/>
+                <a:ext cx="138960" cy="111600"/>
+              </a:xfrm>
+              <a:prstGeom prst="rect">
+                <a:avLst/>
+              </a:prstGeom>
+            </p:spPr>
+          </p:pic>
+        </mc:Fallback>
+      </mc:AlternateContent>
+      <mc:AlternateContent xmlns:mc="http://schemas.openxmlformats.org/markup-compatibility/2006">
+        <mc:Choice xmlns:p14="http://schemas.microsoft.com/office/powerpoint/2010/main" Requires="p14">
+          <p:contentPart p14:bwMode="auto" r:id="rId5">
+            <p14:nvContentPartPr>
+              <p14:cNvPr id="18" name="잉크 17">
+                <a:extLst>
+                  <a:ext uri="{FF2B5EF4-FFF2-40B4-BE49-F238E27FC236}">
+                    <a16:creationId xmlns:a16="http://schemas.microsoft.com/office/drawing/2014/main" id="{8BDF78C8-9766-C55C-35B1-C0549B872CE7}"/>
+                  </a:ext>
+                </a:extLst>
+              </p14:cNvPr>
+              <p14:cNvContentPartPr/>
+              <p14:nvPr/>
+            </p14:nvContentPartPr>
+            <p14:xfrm>
+              <a:off x="9230383" y="2418086"/>
+              <a:ext cx="109800" cy="114120"/>
+            </p14:xfrm>
+          </p:contentPart>
+        </mc:Choice>
+        <mc:Fallback>
+          <p:pic>
+            <p:nvPicPr>
+              <p:cNvPr id="18" name="잉크 17">
+                <a:extLst>
+                  <a:ext uri="{FF2B5EF4-FFF2-40B4-BE49-F238E27FC236}">
+                    <a16:creationId xmlns:a16="http://schemas.microsoft.com/office/drawing/2014/main" id="{8BDF78C8-9766-C55C-35B1-C0549B872CE7}"/>
+                  </a:ext>
+                </a:extLst>
+              </p:cNvPr>
+              <p:cNvPicPr/>
+              <p:nvPr/>
+            </p:nvPicPr>
+            <p:blipFill>
+              <a:blip r:embed="rId6"/>
+              <a:stretch>
+                <a:fillRect/>
+              </a:stretch>
+            </p:blipFill>
+            <p:spPr>
+              <a:xfrm>
+                <a:off x="9194743" y="2382086"/>
+                <a:ext cx="181440" cy="185760"/>
+              </a:xfrm>
+              <a:prstGeom prst="rect">
+                <a:avLst/>
+              </a:prstGeom>
+            </p:spPr>
+          </p:pic>
+        </mc:Fallback>
+      </mc:AlternateContent>
+      <mc:AlternateContent xmlns:mc="http://schemas.openxmlformats.org/markup-compatibility/2006">
+        <mc:Choice xmlns:p14="http://schemas.microsoft.com/office/powerpoint/2010/main" xmlns:aink="http://schemas.microsoft.com/office/drawing/2016/ink" Requires="p14 aink">
+          <p:contentPart p14:bwMode="auto" r:id="rId7">
+            <p14:nvContentPartPr>
+              <p14:cNvPr id="20" name="잉크 19">
+                <a:extLst>
+                  <a:ext uri="{FF2B5EF4-FFF2-40B4-BE49-F238E27FC236}">
+                    <a16:creationId xmlns:a16="http://schemas.microsoft.com/office/drawing/2014/main" id="{3C91CDD8-A991-B993-E767-12C398E9E6B1}"/>
+                  </a:ext>
+                </a:extLst>
+              </p14:cNvPr>
+              <p14:cNvContentPartPr/>
+              <p14:nvPr/>
+            </p14:nvContentPartPr>
+            <p14:xfrm>
+              <a:off x="9210583" y="2197766"/>
+              <a:ext cx="97200" cy="56160"/>
+            </p14:xfrm>
+          </p:contentPart>
+        </mc:Choice>
+        <mc:Fallback>
+          <p:pic>
+            <p:nvPicPr>
+              <p:cNvPr id="20" name="잉크 19">
+                <a:extLst>
+                  <a:ext uri="{FF2B5EF4-FFF2-40B4-BE49-F238E27FC236}">
+                    <a16:creationId xmlns:a16="http://schemas.microsoft.com/office/drawing/2014/main" id="{3C91CDD8-A991-B993-E767-12C398E9E6B1}"/>
+                  </a:ext>
+                </a:extLst>
+              </p:cNvPr>
+              <p:cNvPicPr/>
+              <p:nvPr/>
+            </p:nvPicPr>
+            <p:blipFill>
+              <a:blip r:embed="rId8"/>
+              <a:stretch>
+                <a:fillRect/>
+              </a:stretch>
+            </p:blipFill>
+            <p:spPr>
+              <a:xfrm>
+                <a:off x="9174583" y="2161766"/>
+                <a:ext cx="168840" cy="127800"/>
+              </a:xfrm>
+              <a:prstGeom prst="rect">
+                <a:avLst/>
+              </a:prstGeom>
+            </p:spPr>
+          </p:pic>
+        </mc:Fallback>
+      </mc:AlternateContent>
+      <mc:AlternateContent xmlns:mc="http://schemas.openxmlformats.org/markup-compatibility/2006">
+        <mc:Choice xmlns:p14="http://schemas.microsoft.com/office/powerpoint/2010/main" Requires="p14">
+          <p:contentPart p14:bwMode="auto" r:id="rId9">
+            <p14:nvContentPartPr>
+              <p14:cNvPr id="22" name="잉크 21">
+                <a:extLst>
+                  <a:ext uri="{FF2B5EF4-FFF2-40B4-BE49-F238E27FC236}">
+                    <a16:creationId xmlns:a16="http://schemas.microsoft.com/office/drawing/2014/main" id="{C4F17946-72E0-D057-CB92-866B7C1CB8F4}"/>
+                  </a:ext>
+                </a:extLst>
+              </p14:cNvPr>
+              <p14:cNvContentPartPr/>
+              <p14:nvPr/>
+            </p14:nvContentPartPr>
+            <p14:xfrm>
+              <a:off x="9000343" y="2235206"/>
+              <a:ext cx="111600" cy="35280"/>
+            </p14:xfrm>
+          </p:contentPart>
+        </mc:Choice>
+        <mc:Fallback>
+          <p:pic>
+            <p:nvPicPr>
+              <p:cNvPr id="22" name="잉크 21">
+                <a:extLst>
+                  <a:ext uri="{FF2B5EF4-FFF2-40B4-BE49-F238E27FC236}">
+                    <a16:creationId xmlns:a16="http://schemas.microsoft.com/office/drawing/2014/main" id="{C4F17946-72E0-D057-CB92-866B7C1CB8F4}"/>
+                  </a:ext>
+                </a:extLst>
+              </p:cNvPr>
+              <p:cNvPicPr/>
+              <p:nvPr/>
+            </p:nvPicPr>
+            <p:blipFill>
+              <a:blip r:embed="rId10"/>
+              <a:stretch>
+                <a:fillRect/>
+              </a:stretch>
+            </p:blipFill>
+            <p:spPr>
+              <a:xfrm>
+                <a:off x="8964343" y="2199206"/>
+                <a:ext cx="183240" cy="106920"/>
+              </a:xfrm>
+              <a:prstGeom prst="rect">
+                <a:avLst/>
+              </a:prstGeom>
+            </p:spPr>
+          </p:pic>
+        </mc:Fallback>
+      </mc:AlternateContent>
+      <mc:AlternateContent xmlns:mc="http://schemas.openxmlformats.org/markup-compatibility/2006">
+        <mc:Choice xmlns:p14="http://schemas.microsoft.com/office/powerpoint/2010/main" Requires="p14">
+          <p:contentPart p14:bwMode="auto" r:id="rId11">
+            <p14:nvContentPartPr>
+              <p14:cNvPr id="24" name="잉크 23">
+                <a:extLst>
+                  <a:ext uri="{FF2B5EF4-FFF2-40B4-BE49-F238E27FC236}">
+                    <a16:creationId xmlns:a16="http://schemas.microsoft.com/office/drawing/2014/main" id="{BD8B7A6E-996B-090D-114B-5831014EC9EA}"/>
+                  </a:ext>
+                </a:extLst>
+              </p14:cNvPr>
+              <p14:cNvContentPartPr/>
+              <p14:nvPr/>
+            </p14:nvContentPartPr>
+            <p14:xfrm>
+              <a:off x="9001063" y="2648486"/>
+              <a:ext cx="77400" cy="104760"/>
+            </p14:xfrm>
+          </p:contentPart>
+        </mc:Choice>
+        <mc:Fallback>
+          <p:pic>
+            <p:nvPicPr>
+              <p:cNvPr id="24" name="잉크 23">
+                <a:extLst>
+                  <a:ext uri="{FF2B5EF4-FFF2-40B4-BE49-F238E27FC236}">
+                    <a16:creationId xmlns:a16="http://schemas.microsoft.com/office/drawing/2014/main" id="{BD8B7A6E-996B-090D-114B-5831014EC9EA}"/>
+                  </a:ext>
+                </a:extLst>
+              </p:cNvPr>
+              <p:cNvPicPr/>
+              <p:nvPr/>
+            </p:nvPicPr>
+            <p:blipFill>
+              <a:blip r:embed="rId12"/>
+              <a:stretch>
+                <a:fillRect/>
+              </a:stretch>
+            </p:blipFill>
+            <p:spPr>
+              <a:xfrm>
+                <a:off x="8965063" y="2612486"/>
+                <a:ext cx="149040" cy="176400"/>
+              </a:xfrm>
+              <a:prstGeom prst="rect">
+                <a:avLst/>
+              </a:prstGeom>
+            </p:spPr>
+          </p:pic>
+        </mc:Fallback>
+      </mc:AlternateContent>
+      <mc:AlternateContent xmlns:mc="http://schemas.openxmlformats.org/markup-compatibility/2006">
+        <mc:Choice xmlns:p14="http://schemas.microsoft.com/office/powerpoint/2010/main" Requires="p14">
+          <p:contentPart p14:bwMode="auto" r:id="rId13">
+            <p14:nvContentPartPr>
+              <p14:cNvPr id="26" name="잉크 25">
+                <a:extLst>
+                  <a:ext uri="{FF2B5EF4-FFF2-40B4-BE49-F238E27FC236}">
+                    <a16:creationId xmlns:a16="http://schemas.microsoft.com/office/drawing/2014/main" id="{A41A0089-25B7-4A44-ADA6-24DE217B3A66}"/>
+                  </a:ext>
+                </a:extLst>
+              </p14:cNvPr>
+              <p14:cNvContentPartPr/>
+              <p14:nvPr/>
+            </p14:nvContentPartPr>
+            <p14:xfrm>
+              <a:off x="9183943" y="2653886"/>
+              <a:ext cx="135360" cy="68400"/>
+            </p14:xfrm>
+          </p:contentPart>
+        </mc:Choice>
+        <mc:Fallback>
+          <p:pic>
+            <p:nvPicPr>
+              <p:cNvPr id="26" name="잉크 25">
+                <a:extLst>
+                  <a:ext uri="{FF2B5EF4-FFF2-40B4-BE49-F238E27FC236}">
+                    <a16:creationId xmlns:a16="http://schemas.microsoft.com/office/drawing/2014/main" id="{A41A0089-25B7-4A44-ADA6-24DE217B3A66}"/>
+                  </a:ext>
+                </a:extLst>
+              </p:cNvPr>
+              <p:cNvPicPr/>
+              <p:nvPr/>
+            </p:nvPicPr>
+            <p:blipFill>
+              <a:blip r:embed="rId14"/>
+              <a:stretch>
+                <a:fillRect/>
+              </a:stretch>
+            </p:blipFill>
+            <p:spPr>
+              <a:xfrm>
+                <a:off x="9148303" y="2617886"/>
+                <a:ext cx="207000" cy="140040"/>
+              </a:xfrm>
+              <a:prstGeom prst="rect">
+                <a:avLst/>
+              </a:prstGeom>
+            </p:spPr>
+          </p:pic>
+        </mc:Fallback>
+      </mc:AlternateContent>
+      <p:grpSp>
+        <p:nvGrpSpPr>
+          <p:cNvPr id="30" name="그룹 29">
+            <a:extLst>
+              <a:ext uri="{FF2B5EF4-FFF2-40B4-BE49-F238E27FC236}">
+                <a16:creationId xmlns:a16="http://schemas.microsoft.com/office/drawing/2014/main" id="{6A11DE83-D7FD-BFDE-D395-F3CE03DB8BC0}"/>
+              </a:ext>
+            </a:extLst>
+          </p:cNvPr>
+          <p:cNvGrpSpPr/>
+          <p:nvPr/>
+        </p:nvGrpSpPr>
+        <p:grpSpPr>
+          <a:xfrm>
+            <a:off x="4077572" y="1229432"/>
+            <a:ext cx="3810532" cy="4858428"/>
+            <a:chOff x="1523734" y="1357315"/>
+            <a:chExt cx="3810532" cy="4858428"/>
+          </a:xfrm>
+        </p:grpSpPr>
+        <p:pic>
+          <p:nvPicPr>
+            <p:cNvPr id="6" name="그림 5">
+              <a:extLst>
+                <a:ext uri="{FF2B5EF4-FFF2-40B4-BE49-F238E27FC236}">
+                  <a16:creationId xmlns:a16="http://schemas.microsoft.com/office/drawing/2014/main" id="{DD255873-0C9B-1080-9E62-2F45F45C83D8}"/>
+                </a:ext>
+              </a:extLst>
+            </p:cNvPr>
+            <p:cNvPicPr>
+              <a:picLocks noChangeAspect="1"/>
+            </p:cNvPicPr>
+            <p:nvPr/>
+          </p:nvPicPr>
+          <p:blipFill>
+            <a:blip r:embed="rId15"/>
+            <a:stretch>
+              <a:fillRect/>
+            </a:stretch>
+          </p:blipFill>
+          <p:spPr>
+            <a:xfrm>
+              <a:off x="1523734" y="1357315"/>
+              <a:ext cx="3810532" cy="4858428"/>
+            </a:xfrm>
+            <a:prstGeom prst="rect">
+              <a:avLst/>
+            </a:prstGeom>
+          </p:spPr>
+        </p:pic>
+        <mc:AlternateContent xmlns:mc="http://schemas.openxmlformats.org/markup-compatibility/2006">
+          <mc:Choice xmlns:p14="http://schemas.microsoft.com/office/powerpoint/2010/main" Requires="p14">
+            <p:contentPart p14:bwMode="auto" r:id="rId16">
+              <p14:nvContentPartPr>
+                <p14:cNvPr id="17" name="잉크 16">
+                  <a:extLst>
+                    <a:ext uri="{FF2B5EF4-FFF2-40B4-BE49-F238E27FC236}">
+                      <a16:creationId xmlns:a16="http://schemas.microsoft.com/office/drawing/2014/main" id="{2774F7BF-8207-5DB9-B943-EE66C73D7C31}"/>
+                    </a:ext>
+                  </a:extLst>
+                </p14:cNvPr>
+                <p14:cNvContentPartPr/>
+                <p14:nvPr/>
+              </p14:nvContentPartPr>
+              <p14:xfrm>
+                <a:off x="3223783" y="3486926"/>
+                <a:ext cx="74880" cy="63000"/>
+              </p14:xfrm>
+            </p:contentPart>
+          </mc:Choice>
+          <mc:Fallback>
+            <p:pic>
+              <p:nvPicPr>
+                <p:cNvPr id="17" name="잉크 16">
+                  <a:extLst>
+                    <a:ext uri="{FF2B5EF4-FFF2-40B4-BE49-F238E27FC236}">
+                      <a16:creationId xmlns:a16="http://schemas.microsoft.com/office/drawing/2014/main" id="{2774F7BF-8207-5DB9-B943-EE66C73D7C31}"/>
+                    </a:ext>
+                  </a:extLst>
+                </p:cNvPr>
+                <p:cNvPicPr/>
+                <p:nvPr/>
+              </p:nvPicPr>
+              <p:blipFill>
+                <a:blip r:embed="rId17"/>
+                <a:stretch>
+                  <a:fillRect/>
+                </a:stretch>
+              </p:blipFill>
+              <p:spPr>
+                <a:xfrm>
+                  <a:off x="3188143" y="3450926"/>
+                  <a:ext cx="146520" cy="134640"/>
+                </a:xfrm>
+                <a:prstGeom prst="rect">
+                  <a:avLst/>
+                </a:prstGeom>
+              </p:spPr>
+            </p:pic>
+          </mc:Fallback>
+        </mc:AlternateContent>
+        <mc:AlternateContent xmlns:mc="http://schemas.openxmlformats.org/markup-compatibility/2006">
+          <mc:Choice xmlns:p14="http://schemas.microsoft.com/office/powerpoint/2010/main" Requires="p14">
+            <p:contentPart p14:bwMode="auto" r:id="rId18">
+              <p14:nvContentPartPr>
+                <p14:cNvPr id="19" name="잉크 18">
+                  <a:extLst>
+                    <a:ext uri="{FF2B5EF4-FFF2-40B4-BE49-F238E27FC236}">
+                      <a16:creationId xmlns:a16="http://schemas.microsoft.com/office/drawing/2014/main" id="{2340D803-33E7-9EC5-17AF-23352B37B755}"/>
+                    </a:ext>
+                  </a:extLst>
+                </p14:cNvPr>
+                <p14:cNvContentPartPr/>
+                <p14:nvPr/>
+              </p14:nvContentPartPr>
+              <p14:xfrm>
+                <a:off x="3494503" y="3482246"/>
+                <a:ext cx="77760" cy="80280"/>
+              </p14:xfrm>
+            </p:contentPart>
+          </mc:Choice>
+          <mc:Fallback>
+            <p:pic>
+              <p:nvPicPr>
+                <p:cNvPr id="19" name="잉크 18">
+                  <a:extLst>
+                    <a:ext uri="{FF2B5EF4-FFF2-40B4-BE49-F238E27FC236}">
+                      <a16:creationId xmlns:a16="http://schemas.microsoft.com/office/drawing/2014/main" id="{2340D803-33E7-9EC5-17AF-23352B37B755}"/>
+                    </a:ext>
+                  </a:extLst>
+                </p:cNvPr>
+                <p:cNvPicPr/>
+                <p:nvPr/>
+              </p:nvPicPr>
+              <p:blipFill>
+                <a:blip r:embed="rId19"/>
+                <a:stretch>
+                  <a:fillRect/>
+                </a:stretch>
+              </p:blipFill>
+              <p:spPr>
+                <a:xfrm>
+                  <a:off x="3458503" y="3446606"/>
+                  <a:ext cx="149400" cy="151920"/>
+                </a:xfrm>
+                <a:prstGeom prst="rect">
+                  <a:avLst/>
+                </a:prstGeom>
+              </p:spPr>
+            </p:pic>
+          </mc:Fallback>
+        </mc:AlternateContent>
+        <mc:AlternateContent xmlns:mc="http://schemas.openxmlformats.org/markup-compatibility/2006">
+          <mc:Choice xmlns:p14="http://schemas.microsoft.com/office/powerpoint/2010/main" xmlns:aink="http://schemas.microsoft.com/office/drawing/2016/ink" Requires="p14 aink">
+            <p:contentPart p14:bwMode="auto" r:id="rId20">
+              <p14:nvContentPartPr>
+                <p14:cNvPr id="21" name="잉크 20">
+                  <a:extLst>
+                    <a:ext uri="{FF2B5EF4-FFF2-40B4-BE49-F238E27FC236}">
+                      <a16:creationId xmlns:a16="http://schemas.microsoft.com/office/drawing/2014/main" id="{47741C81-78B6-B5F1-C3DD-A9ADD995BA5A}"/>
+                    </a:ext>
+                  </a:extLst>
+                </p14:cNvPr>
+                <p14:cNvContentPartPr/>
+                <p14:nvPr/>
+              </p14:nvContentPartPr>
+              <p14:xfrm>
+                <a:off x="3486223" y="3275606"/>
+                <a:ext cx="73800" cy="55800"/>
+              </p14:xfrm>
+            </p:contentPart>
+          </mc:Choice>
+          <mc:Fallback>
+            <p:pic>
+              <p:nvPicPr>
+                <p:cNvPr id="21" name="잉크 20">
+                  <a:extLst>
+                    <a:ext uri="{FF2B5EF4-FFF2-40B4-BE49-F238E27FC236}">
+                      <a16:creationId xmlns:a16="http://schemas.microsoft.com/office/drawing/2014/main" id="{47741C81-78B6-B5F1-C3DD-A9ADD995BA5A}"/>
+                    </a:ext>
+                  </a:extLst>
+                </p:cNvPr>
+                <p:cNvPicPr/>
+                <p:nvPr/>
+              </p:nvPicPr>
+              <p:blipFill>
+                <a:blip r:embed="rId21"/>
+                <a:stretch>
+                  <a:fillRect/>
+                </a:stretch>
+              </p:blipFill>
+              <p:spPr>
+                <a:xfrm>
+                  <a:off x="3450223" y="3239606"/>
+                  <a:ext cx="145440" cy="127440"/>
+                </a:xfrm>
+                <a:prstGeom prst="rect">
+                  <a:avLst/>
+                </a:prstGeom>
+              </p:spPr>
+            </p:pic>
+          </mc:Fallback>
+        </mc:AlternateContent>
+        <mc:AlternateContent xmlns:mc="http://schemas.openxmlformats.org/markup-compatibility/2006">
+          <mc:Choice xmlns:p14="http://schemas.microsoft.com/office/powerpoint/2010/main" Requires="p14">
+            <p:contentPart p14:bwMode="auto" r:id="rId22">
+              <p14:nvContentPartPr>
+                <p14:cNvPr id="23" name="잉크 22">
+                  <a:extLst>
+                    <a:ext uri="{FF2B5EF4-FFF2-40B4-BE49-F238E27FC236}">
+                      <a16:creationId xmlns:a16="http://schemas.microsoft.com/office/drawing/2014/main" id="{7A99AAE1-4524-FA25-04E9-2D2FF9D35776}"/>
+                    </a:ext>
+                  </a:extLst>
+                </p14:cNvPr>
+                <p14:cNvContentPartPr/>
+                <p14:nvPr/>
+              </p14:nvContentPartPr>
+              <p14:xfrm>
+                <a:off x="3245743" y="3256166"/>
+                <a:ext cx="83880" cy="67320"/>
+              </p14:xfrm>
+            </p:contentPart>
+          </mc:Choice>
+          <mc:Fallback>
+            <p:pic>
+              <p:nvPicPr>
+                <p:cNvPr id="23" name="잉크 22">
+                  <a:extLst>
+                    <a:ext uri="{FF2B5EF4-FFF2-40B4-BE49-F238E27FC236}">
+                      <a16:creationId xmlns:a16="http://schemas.microsoft.com/office/drawing/2014/main" id="{7A99AAE1-4524-FA25-04E9-2D2FF9D35776}"/>
+                    </a:ext>
+                  </a:extLst>
+                </p:cNvPr>
+                <p:cNvPicPr/>
+                <p:nvPr/>
+              </p:nvPicPr>
+              <p:blipFill>
+                <a:blip r:embed="rId23"/>
+                <a:stretch>
+                  <a:fillRect/>
+                </a:stretch>
+              </p:blipFill>
+              <p:spPr>
+                <a:xfrm>
+                  <a:off x="3209743" y="3220526"/>
+                  <a:ext cx="155520" cy="138960"/>
+                </a:xfrm>
+                <a:prstGeom prst="rect">
+                  <a:avLst/>
+                </a:prstGeom>
+              </p:spPr>
+            </p:pic>
+          </mc:Fallback>
+        </mc:AlternateContent>
+        <mc:AlternateContent xmlns:mc="http://schemas.openxmlformats.org/markup-compatibility/2006">
+          <mc:Choice xmlns:p14="http://schemas.microsoft.com/office/powerpoint/2010/main" Requires="p14">
+            <p:contentPart p14:bwMode="auto" r:id="rId24">
+              <p14:nvContentPartPr>
+                <p14:cNvPr id="25" name="잉크 24">
+                  <a:extLst>
+                    <a:ext uri="{FF2B5EF4-FFF2-40B4-BE49-F238E27FC236}">
+                      <a16:creationId xmlns:a16="http://schemas.microsoft.com/office/drawing/2014/main" id="{305832FF-6E22-0BE5-033B-9A9470A8BF8E}"/>
+                    </a:ext>
+                  </a:extLst>
+                </p14:cNvPr>
+                <p14:cNvContentPartPr/>
+                <p14:nvPr/>
+              </p14:nvContentPartPr>
+              <p14:xfrm>
+                <a:off x="3223783" y="3680966"/>
+                <a:ext cx="64080" cy="52920"/>
+              </p14:xfrm>
+            </p:contentPart>
+          </mc:Choice>
+          <mc:Fallback>
+            <p:pic>
+              <p:nvPicPr>
+                <p:cNvPr id="25" name="잉크 24">
+                  <a:extLst>
+                    <a:ext uri="{FF2B5EF4-FFF2-40B4-BE49-F238E27FC236}">
+                      <a16:creationId xmlns:a16="http://schemas.microsoft.com/office/drawing/2014/main" id="{305832FF-6E22-0BE5-033B-9A9470A8BF8E}"/>
+                    </a:ext>
+                  </a:extLst>
+                </p:cNvPr>
+                <p:cNvPicPr/>
+                <p:nvPr/>
+              </p:nvPicPr>
+              <p:blipFill>
+                <a:blip r:embed="rId25"/>
+                <a:stretch>
+                  <a:fillRect/>
+                </a:stretch>
+              </p:blipFill>
+              <p:spPr>
+                <a:xfrm>
+                  <a:off x="3187783" y="3644966"/>
+                  <a:ext cx="135720" cy="124560"/>
+                </a:xfrm>
+                <a:prstGeom prst="rect">
+                  <a:avLst/>
+                </a:prstGeom>
+              </p:spPr>
+            </p:pic>
+          </mc:Fallback>
+        </mc:AlternateContent>
+        <mc:AlternateContent xmlns:mc="http://schemas.openxmlformats.org/markup-compatibility/2006">
+          <mc:Choice xmlns:p14="http://schemas.microsoft.com/office/powerpoint/2010/main" Requires="p14">
+            <p:contentPart p14:bwMode="auto" r:id="rId26">
+              <p14:nvContentPartPr>
+                <p14:cNvPr id="27" name="잉크 26">
+                  <a:extLst>
+                    <a:ext uri="{FF2B5EF4-FFF2-40B4-BE49-F238E27FC236}">
+                      <a16:creationId xmlns:a16="http://schemas.microsoft.com/office/drawing/2014/main" id="{47F60FAB-AEF4-D613-3B16-E13A0C6785E7}"/>
+                    </a:ext>
+                  </a:extLst>
+                </p14:cNvPr>
+                <p14:cNvContentPartPr/>
+                <p14:nvPr/>
+              </p14:nvContentPartPr>
+              <p14:xfrm>
+                <a:off x="3510703" y="3690326"/>
+                <a:ext cx="72720" cy="66960"/>
+              </p14:xfrm>
+            </p:contentPart>
+          </mc:Choice>
+          <mc:Fallback>
+            <p:pic>
+              <p:nvPicPr>
+                <p:cNvPr id="27" name="잉크 26">
+                  <a:extLst>
+                    <a:ext uri="{FF2B5EF4-FFF2-40B4-BE49-F238E27FC236}">
+                      <a16:creationId xmlns:a16="http://schemas.microsoft.com/office/drawing/2014/main" id="{47F60FAB-AEF4-D613-3B16-E13A0C6785E7}"/>
+                    </a:ext>
+                  </a:extLst>
+                </p:cNvPr>
+                <p:cNvPicPr/>
+                <p:nvPr/>
+              </p:nvPicPr>
+              <p:blipFill>
+                <a:blip r:embed="rId27"/>
+                <a:stretch>
+                  <a:fillRect/>
+                </a:stretch>
+              </p:blipFill>
+              <p:spPr>
+                <a:xfrm>
+                  <a:off x="3474703" y="3654686"/>
+                  <a:ext cx="144360" cy="138600"/>
+                </a:xfrm>
+                <a:prstGeom prst="rect">
+                  <a:avLst/>
+                </a:prstGeom>
+              </p:spPr>
+            </p:pic>
+          </mc:Fallback>
+        </mc:AlternateContent>
+        <mc:AlternateContent xmlns:mc="http://schemas.openxmlformats.org/markup-compatibility/2006">
+          <mc:Choice xmlns:p14="http://schemas.microsoft.com/office/powerpoint/2010/main" xmlns:aink="http://schemas.microsoft.com/office/drawing/2016/ink" Requires="p14 aink">
+            <p:contentPart p14:bwMode="auto" r:id="rId28">
+              <p14:nvContentPartPr>
+                <p14:cNvPr id="28" name="잉크 27">
+                  <a:extLst>
+                    <a:ext uri="{FF2B5EF4-FFF2-40B4-BE49-F238E27FC236}">
+                      <a16:creationId xmlns:a16="http://schemas.microsoft.com/office/drawing/2014/main" id="{1F48CC52-B148-8008-12DE-C4FE1410619E}"/>
+                    </a:ext>
+                  </a:extLst>
+                </p14:cNvPr>
+                <p14:cNvContentPartPr/>
+                <p14:nvPr/>
+              </p14:nvContentPartPr>
+              <p14:xfrm>
+                <a:off x="3122623" y="3831446"/>
+                <a:ext cx="568440" cy="839880"/>
+              </p14:xfrm>
+            </p:contentPart>
+          </mc:Choice>
+          <mc:Fallback>
+            <p:pic>
+              <p:nvPicPr>
+                <p:cNvPr id="28" name="잉크 27">
+                  <a:extLst>
+                    <a:ext uri="{FF2B5EF4-FFF2-40B4-BE49-F238E27FC236}">
+                      <a16:creationId xmlns:a16="http://schemas.microsoft.com/office/drawing/2014/main" id="{1F48CC52-B148-8008-12DE-C4FE1410619E}"/>
+                    </a:ext>
+                  </a:extLst>
+                </p:cNvPr>
+                <p:cNvPicPr/>
+                <p:nvPr/>
+              </p:nvPicPr>
+              <p:blipFill>
+                <a:blip r:embed="rId29"/>
+                <a:stretch>
+                  <a:fillRect/>
+                </a:stretch>
+              </p:blipFill>
+              <p:spPr>
+                <a:xfrm>
+                  <a:off x="3113983" y="3822446"/>
+                  <a:ext cx="586080" cy="857520"/>
+                </a:xfrm>
+                <a:prstGeom prst="rect">
+                  <a:avLst/>
+                </a:prstGeom>
+              </p:spPr>
+            </p:pic>
+          </mc:Fallback>
+        </mc:AlternateContent>
+      </p:grpSp>
+      <mc:AlternateContent xmlns:mc="http://schemas.openxmlformats.org/markup-compatibility/2006">
+        <mc:Choice xmlns:p14="http://schemas.microsoft.com/office/powerpoint/2010/main" xmlns:aink="http://schemas.microsoft.com/office/drawing/2016/ink" Requires="p14 aink">
+          <p:contentPart p14:bwMode="auto" r:id="rId30">
+            <p14:nvContentPartPr>
+              <p14:cNvPr id="29" name="잉크 28">
+                <a:extLst>
+                  <a:ext uri="{FF2B5EF4-FFF2-40B4-BE49-F238E27FC236}">
+                    <a16:creationId xmlns:a16="http://schemas.microsoft.com/office/drawing/2014/main" id="{74D69E00-7894-9579-4219-EA1C68A07657}"/>
+                  </a:ext>
+                </a:extLst>
+              </p14:cNvPr>
+              <p14:cNvContentPartPr/>
+              <p14:nvPr/>
+            </p14:nvContentPartPr>
+            <p14:xfrm>
+              <a:off x="8871103" y="2808326"/>
+              <a:ext cx="558360" cy="850320"/>
+            </p14:xfrm>
+          </p:contentPart>
+        </mc:Choice>
+        <mc:Fallback>
+          <p:pic>
+            <p:nvPicPr>
+              <p:cNvPr id="29" name="잉크 28">
+                <a:extLst>
+                  <a:ext uri="{FF2B5EF4-FFF2-40B4-BE49-F238E27FC236}">
+                    <a16:creationId xmlns:a16="http://schemas.microsoft.com/office/drawing/2014/main" id="{74D69E00-7894-9579-4219-EA1C68A07657}"/>
+                  </a:ext>
+                </a:extLst>
+              </p:cNvPr>
+              <p:cNvPicPr/>
+              <p:nvPr/>
+            </p:nvPicPr>
+            <p:blipFill>
+              <a:blip r:embed="rId31"/>
+              <a:stretch>
+                <a:fillRect/>
+              </a:stretch>
+            </p:blipFill>
+            <p:spPr>
+              <a:xfrm>
+                <a:off x="8862463" y="2799686"/>
+                <a:ext cx="576000" cy="867960"/>
+              </a:xfrm>
+              <a:prstGeom prst="rect">
+                <a:avLst/>
+              </a:prstGeom>
+            </p:spPr>
+          </p:pic>
+        </mc:Fallback>
+      </mc:AlternateContent>
+      <p:graphicFrame>
+        <p:nvGraphicFramePr>
+          <p:cNvPr id="31" name="표 30">
+            <a:extLst>
+              <a:ext uri="{FF2B5EF4-FFF2-40B4-BE49-F238E27FC236}">
+                <a16:creationId xmlns:a16="http://schemas.microsoft.com/office/drawing/2014/main" id="{3AF796CF-70EB-34CC-50D1-74F33F988542}"/>
+              </a:ext>
+            </a:extLst>
+          </p:cNvPr>
+          <p:cNvGraphicFramePr>
+            <a:graphicFrameLocks noGrp="1"/>
+          </p:cNvGraphicFramePr>
+          <p:nvPr>
+            <p:extLst>
+              <p:ext uri="{D42A27DB-BD31-4B8C-83A1-F6EECF244321}">
+                <p14:modId xmlns:p14="http://schemas.microsoft.com/office/powerpoint/2010/main" val="3248381603"/>
+              </p:ext>
+            </p:extLst>
+          </p:nvPr>
+        </p:nvGraphicFramePr>
+        <p:xfrm>
+          <a:off x="196489" y="2069723"/>
+          <a:ext cx="1546848" cy="2966720"/>
+        </p:xfrm>
+        <a:graphic>
+          <a:graphicData uri="http://schemas.openxmlformats.org/drawingml/2006/table">
+            <a:tbl>
+              <a:tblPr firstRow="1" bandRow="1">
+                <a:tableStyleId>{2D5ABB26-0587-4C30-8999-92F81FD0307C}</a:tableStyleId>
+              </a:tblPr>
+              <a:tblGrid>
+                <a:gridCol w="773424">
+                  <a:extLst>
+                    <a:ext uri="{9D8B030D-6E8A-4147-A177-3AD203B41FA5}">
+                      <a16:colId xmlns:a16="http://schemas.microsoft.com/office/drawing/2014/main" val="3175916713"/>
+                    </a:ext>
+                  </a:extLst>
+                </a:gridCol>
+                <a:gridCol w="773424">
+                  <a:extLst>
+                    <a:ext uri="{9D8B030D-6E8A-4147-A177-3AD203B41FA5}">
+                      <a16:colId xmlns:a16="http://schemas.microsoft.com/office/drawing/2014/main" val="2716317221"/>
+                    </a:ext>
+                  </a:extLst>
+                </a:gridCol>
+              </a:tblGrid>
+              <a:tr h="370840">
+                <a:tc>
+                  <a:txBody>
+                    <a:bodyPr/>
+                    <a:lstStyle/>
+                    <a:p>
+                      <a:pPr latinLnBrk="1"/>
+                      <a:r>
+                        <a:rPr lang="en-US" altLang="ko-KR" sz="1400" b="1"/>
+                        <a:t>pin</a:t>
+                      </a:r>
+                      <a:endParaRPr lang="ko-KR" altLang="en-US" sz="1400" b="1"/>
+                    </a:p>
+                  </a:txBody>
+                  <a:tcPr>
+                    <a:lnL w="12700" cap="flat" cmpd="sng" algn="ctr">
+                      <a:solidFill>
+                        <a:schemeClr val="tx1"/>
+                      </a:solidFill>
+                      <a:prstDash val="solid"/>
+                      <a:round/>
+                      <a:headEnd type="none" w="med" len="med"/>
+                      <a:tailEnd type="none" w="med" len="med"/>
+                    </a:lnL>
+                    <a:lnR w="12700" cap="flat" cmpd="sng" algn="ctr">
+                      <a:solidFill>
+                        <a:schemeClr val="tx1"/>
+                      </a:solidFill>
+                      <a:prstDash val="solid"/>
+                      <a:round/>
+                      <a:headEnd type="none" w="med" len="med"/>
+                      <a:tailEnd type="none" w="med" len="med"/>
+                    </a:lnR>
+                    <a:lnT w="12700" cap="flat" cmpd="sng" algn="ctr">
+                      <a:solidFill>
+                        <a:schemeClr val="tx1"/>
+                      </a:solidFill>
+                      <a:prstDash val="solid"/>
+                      <a:round/>
+                      <a:headEnd type="none" w="med" len="med"/>
+                      <a:tailEnd type="none" w="med" len="med"/>
+                    </a:lnT>
+                    <a:lnB w="12700" cap="flat" cmpd="sng" algn="ctr">
+                      <a:solidFill>
+                        <a:schemeClr val="tx1"/>
+                      </a:solidFill>
+                      <a:prstDash val="solid"/>
+                      <a:round/>
+                      <a:headEnd type="none" w="med" len="med"/>
+                      <a:tailEnd type="none" w="med" len="med"/>
+                    </a:lnB>
+                    <a:solidFill>
+                      <a:schemeClr val="bg2">
+                        <a:lumMod val="90000"/>
+                      </a:schemeClr>
+                    </a:solidFill>
+                  </a:tcPr>
+                </a:tc>
+                <a:tc>
+                  <a:txBody>
+                    <a:bodyPr/>
+                    <a:lstStyle/>
+                    <a:p>
+                      <a:pPr latinLnBrk="1"/>
+                      <a:r>
+                        <a:rPr lang="en-US" altLang="ko-KR" sz="1400" b="1"/>
+                        <a:t>gpio</a:t>
+                      </a:r>
+                      <a:endParaRPr lang="ko-KR" altLang="en-US" sz="1400" b="1"/>
+                    </a:p>
+                  </a:txBody>
+                  <a:tcPr>
+                    <a:lnL w="12700" cap="flat" cmpd="sng" algn="ctr">
+                      <a:solidFill>
+                        <a:schemeClr val="tx1"/>
+                      </a:solidFill>
+                      <a:prstDash val="solid"/>
+                      <a:round/>
+                      <a:headEnd type="none" w="med" len="med"/>
+                      <a:tailEnd type="none" w="med" len="med"/>
+                    </a:lnL>
+                    <a:lnR w="12700" cap="flat" cmpd="sng" algn="ctr">
+                      <a:solidFill>
+                        <a:schemeClr val="tx1"/>
+                      </a:solidFill>
+                      <a:prstDash val="solid"/>
+                      <a:round/>
+                      <a:headEnd type="none" w="med" len="med"/>
+                      <a:tailEnd type="none" w="med" len="med"/>
+                    </a:lnR>
+                    <a:lnT w="12700" cap="flat" cmpd="sng" algn="ctr">
+                      <a:solidFill>
+                        <a:schemeClr val="tx1"/>
+                      </a:solidFill>
+                      <a:prstDash val="solid"/>
+                      <a:round/>
+                      <a:headEnd type="none" w="med" len="med"/>
+                      <a:tailEnd type="none" w="med" len="med"/>
+                    </a:lnT>
+                    <a:lnB w="12700" cap="flat" cmpd="sng" algn="ctr">
+                      <a:solidFill>
+                        <a:schemeClr val="tx1"/>
+                      </a:solidFill>
+                      <a:prstDash val="solid"/>
+                      <a:round/>
+                      <a:headEnd type="none" w="med" len="med"/>
+                      <a:tailEnd type="none" w="med" len="med"/>
+                    </a:lnB>
+                    <a:solidFill>
+                      <a:schemeClr val="bg2">
+                        <a:lumMod val="90000"/>
+                      </a:schemeClr>
+                    </a:solidFill>
+                  </a:tcPr>
+                </a:tc>
+                <a:extLst>
+                  <a:ext uri="{0D108BD9-81ED-4DB2-BD59-A6C34878D82A}">
+                    <a16:rowId xmlns:a16="http://schemas.microsoft.com/office/drawing/2014/main" val="3856357237"/>
+                  </a:ext>
+                </a:extLst>
+              </a:tr>
+              <a:tr h="370840">
+                <a:tc>
+                  <a:txBody>
+                    <a:bodyPr/>
+                    <a:lstStyle/>
+                    <a:p>
+                      <a:pPr latinLnBrk="1"/>
+                      <a:r>
+                        <a:rPr lang="en-US" altLang="ko-KR" sz="1400" b="0"/>
+                        <a:t>SCL</a:t>
+                      </a:r>
+                    </a:p>
+                  </a:txBody>
+                  <a:tcPr>
+                    <a:lnL w="12700" cap="flat" cmpd="sng" algn="ctr">
+                      <a:solidFill>
+                        <a:schemeClr val="tx1"/>
+                      </a:solidFill>
+                      <a:prstDash val="solid"/>
+                      <a:round/>
+                      <a:headEnd type="none" w="med" len="med"/>
+                      <a:tailEnd type="none" w="med" len="med"/>
+                    </a:lnL>
+                    <a:lnR w="12700" cap="flat" cmpd="sng" algn="ctr">
+                      <a:solidFill>
+                        <a:schemeClr val="tx1"/>
+                      </a:solidFill>
+                      <a:prstDash val="solid"/>
+                      <a:round/>
+                      <a:headEnd type="none" w="med" len="med"/>
+                      <a:tailEnd type="none" w="med" len="med"/>
+                    </a:lnR>
+                    <a:lnT w="12700" cap="flat" cmpd="sng" algn="ctr">
+                      <a:solidFill>
+                        <a:schemeClr val="tx1"/>
+                      </a:solidFill>
+                      <a:prstDash val="solid"/>
+                      <a:round/>
+                      <a:headEnd type="none" w="med" len="med"/>
+                      <a:tailEnd type="none" w="med" len="med"/>
+                    </a:lnT>
+                    <a:lnB w="12700" cap="flat" cmpd="sng" algn="ctr">
+                      <a:solidFill>
+                        <a:schemeClr val="tx1"/>
+                      </a:solidFill>
+                      <a:prstDash val="solid"/>
+                      <a:round/>
+                      <a:headEnd type="none" w="med" len="med"/>
+                      <a:tailEnd type="none" w="med" len="med"/>
+                    </a:lnB>
+                  </a:tcPr>
+                </a:tc>
+                <a:tc>
+                  <a:txBody>
+                    <a:bodyPr/>
+                    <a:lstStyle/>
+                    <a:p>
+                      <a:pPr latinLnBrk="1"/>
+                      <a:r>
+                        <a:rPr lang="en-US" altLang="ko-KR" sz="1400" b="1"/>
+                        <a:t>AC19</a:t>
+                      </a:r>
+                      <a:endParaRPr lang="ko-KR" altLang="en-US" sz="1400" b="1"/>
+                    </a:p>
+                  </a:txBody>
+                  <a:tcPr>
+                    <a:lnL w="12700" cap="flat" cmpd="sng" algn="ctr">
+                      <a:solidFill>
+                        <a:schemeClr val="tx1"/>
+                      </a:solidFill>
+                      <a:prstDash val="solid"/>
+                      <a:round/>
+                      <a:headEnd type="none" w="med" len="med"/>
+                      <a:tailEnd type="none" w="med" len="med"/>
+                    </a:lnL>
+                    <a:lnR w="12700" cap="flat" cmpd="sng" algn="ctr">
+                      <a:solidFill>
+                        <a:schemeClr val="tx1"/>
+                      </a:solidFill>
+                      <a:prstDash val="solid"/>
+                      <a:round/>
+                      <a:headEnd type="none" w="med" len="med"/>
+                      <a:tailEnd type="none" w="med" len="med"/>
+                    </a:lnR>
+                    <a:lnT w="12700" cap="flat" cmpd="sng" algn="ctr">
+                      <a:solidFill>
+                        <a:schemeClr val="tx1"/>
+                      </a:solidFill>
+                      <a:prstDash val="solid"/>
+                      <a:round/>
+                      <a:headEnd type="none" w="med" len="med"/>
+                      <a:tailEnd type="none" w="med" len="med"/>
+                    </a:lnT>
+                    <a:lnB w="12700" cap="flat" cmpd="sng" algn="ctr">
+                      <a:solidFill>
+                        <a:schemeClr val="tx1"/>
+                      </a:solidFill>
+                      <a:prstDash val="solid"/>
+                      <a:round/>
+                      <a:headEnd type="none" w="med" len="med"/>
+                      <a:tailEnd type="none" w="med" len="med"/>
+                    </a:lnB>
+                  </a:tcPr>
+                </a:tc>
+                <a:extLst>
+                  <a:ext uri="{0D108BD9-81ED-4DB2-BD59-A6C34878D82A}">
+                    <a16:rowId xmlns:a16="http://schemas.microsoft.com/office/drawing/2014/main" val="689235681"/>
+                  </a:ext>
+                </a:extLst>
+              </a:tr>
+              <a:tr h="370840">
+                <a:tc>
+                  <a:txBody>
+                    <a:bodyPr/>
+                    <a:lstStyle/>
+                    <a:p>
+                      <a:pPr latinLnBrk="1"/>
+                      <a:r>
+                        <a:rPr lang="en-US" altLang="ko-KR" sz="1400" b="0"/>
+                        <a:t>VS</a:t>
+                      </a:r>
+                      <a:endParaRPr lang="ko-KR" altLang="en-US" sz="1400" b="0"/>
+                    </a:p>
+                  </a:txBody>
+                  <a:tcPr>
+                    <a:lnL w="12700" cap="flat" cmpd="sng" algn="ctr">
+                      <a:solidFill>
+                        <a:schemeClr val="tx1"/>
+                      </a:solidFill>
+                      <a:prstDash val="solid"/>
+                      <a:round/>
+                      <a:headEnd type="none" w="med" len="med"/>
+                      <a:tailEnd type="none" w="med" len="med"/>
+                    </a:lnL>
+                    <a:lnR w="12700" cap="flat" cmpd="sng" algn="ctr">
+                      <a:solidFill>
+                        <a:schemeClr val="tx1"/>
+                      </a:solidFill>
+                      <a:prstDash val="solid"/>
+                      <a:round/>
+                      <a:headEnd type="none" w="med" len="med"/>
+                      <a:tailEnd type="none" w="med" len="med"/>
+                    </a:lnR>
+                    <a:lnT w="12700" cap="flat" cmpd="sng" algn="ctr">
+                      <a:solidFill>
+                        <a:schemeClr val="tx1"/>
+                      </a:solidFill>
+                      <a:prstDash val="solid"/>
+                      <a:round/>
+                      <a:headEnd type="none" w="med" len="med"/>
+                      <a:tailEnd type="none" w="med" len="med"/>
+                    </a:lnT>
+                    <a:lnB w="12700" cap="flat" cmpd="sng" algn="ctr">
+                      <a:solidFill>
+                        <a:schemeClr val="tx1"/>
+                      </a:solidFill>
+                      <a:prstDash val="solid"/>
+                      <a:round/>
+                      <a:headEnd type="none" w="med" len="med"/>
+                      <a:tailEnd type="none" w="med" len="med"/>
+                    </a:lnB>
+                  </a:tcPr>
+                </a:tc>
+                <a:tc>
+                  <a:txBody>
+                    <a:bodyPr/>
+                    <a:lstStyle/>
+                    <a:p>
+                      <a:pPr latinLnBrk="1"/>
+                      <a:r>
+                        <a:rPr lang="en-US" altLang="ko-KR" sz="1400" b="1"/>
+                        <a:t>AD19</a:t>
+                      </a:r>
+                      <a:endParaRPr lang="ko-KR" altLang="en-US" sz="1400" b="1"/>
+                    </a:p>
+                  </a:txBody>
+                  <a:tcPr>
+                    <a:lnL w="12700" cap="flat" cmpd="sng" algn="ctr">
+                      <a:solidFill>
+                        <a:schemeClr val="tx1"/>
+                      </a:solidFill>
+                      <a:prstDash val="solid"/>
+                      <a:round/>
+                      <a:headEnd type="none" w="med" len="med"/>
+                      <a:tailEnd type="none" w="med" len="med"/>
+                    </a:lnL>
+                    <a:lnR w="12700" cap="flat" cmpd="sng" algn="ctr">
+                      <a:solidFill>
+                        <a:schemeClr val="tx1"/>
+                      </a:solidFill>
+                      <a:prstDash val="solid"/>
+                      <a:round/>
+                      <a:headEnd type="none" w="med" len="med"/>
+                      <a:tailEnd type="none" w="med" len="med"/>
+                    </a:lnR>
+                    <a:lnT w="12700" cap="flat" cmpd="sng" algn="ctr">
+                      <a:solidFill>
+                        <a:schemeClr val="tx1"/>
+                      </a:solidFill>
+                      <a:prstDash val="solid"/>
+                      <a:round/>
+                      <a:headEnd type="none" w="med" len="med"/>
+                      <a:tailEnd type="none" w="med" len="med"/>
+                    </a:lnT>
+                    <a:lnB w="12700" cap="flat" cmpd="sng" algn="ctr">
+                      <a:solidFill>
+                        <a:schemeClr val="tx1"/>
+                      </a:solidFill>
+                      <a:prstDash val="solid"/>
+                      <a:round/>
+                      <a:headEnd type="none" w="med" len="med"/>
+                      <a:tailEnd type="none" w="med" len="med"/>
+                    </a:lnB>
+                  </a:tcPr>
+                </a:tc>
+                <a:extLst>
+                  <a:ext uri="{0D108BD9-81ED-4DB2-BD59-A6C34878D82A}">
+                    <a16:rowId xmlns:a16="http://schemas.microsoft.com/office/drawing/2014/main" val="1232451575"/>
+                  </a:ext>
+                </a:extLst>
+              </a:tr>
+              <a:tr h="370840">
+                <a:tc>
+                  <a:txBody>
+                    <a:bodyPr/>
+                    <a:lstStyle/>
+                    <a:p>
+                      <a:pPr latinLnBrk="1"/>
+                      <a:r>
+                        <a:rPr lang="en-US" altLang="ko-KR" sz="1400" b="0"/>
+                        <a:t>PCLK</a:t>
+                      </a:r>
+                      <a:endParaRPr lang="ko-KR" altLang="en-US" sz="1400" b="0"/>
+                    </a:p>
+                  </a:txBody>
+                  <a:tcPr>
+                    <a:lnL w="12700" cap="flat" cmpd="sng" algn="ctr">
+                      <a:solidFill>
+                        <a:schemeClr val="tx1"/>
+                      </a:solidFill>
+                      <a:prstDash val="solid"/>
+                      <a:round/>
+                      <a:headEnd type="none" w="med" len="med"/>
+                      <a:tailEnd type="none" w="med" len="med"/>
+                    </a:lnL>
+                    <a:lnR w="12700" cap="flat" cmpd="sng" algn="ctr">
+                      <a:solidFill>
+                        <a:schemeClr val="tx1"/>
+                      </a:solidFill>
+                      <a:prstDash val="solid"/>
+                      <a:round/>
+                      <a:headEnd type="none" w="med" len="med"/>
+                      <a:tailEnd type="none" w="med" len="med"/>
+                    </a:lnR>
+                    <a:lnT w="12700" cap="flat" cmpd="sng" algn="ctr">
+                      <a:solidFill>
+                        <a:schemeClr val="tx1"/>
+                      </a:solidFill>
+                      <a:prstDash val="solid"/>
+                      <a:round/>
+                      <a:headEnd type="none" w="med" len="med"/>
+                      <a:tailEnd type="none" w="med" len="med"/>
+                    </a:lnT>
+                    <a:lnB w="12700" cap="flat" cmpd="sng" algn="ctr">
+                      <a:solidFill>
+                        <a:schemeClr val="tx1"/>
+                      </a:solidFill>
+                      <a:prstDash val="solid"/>
+                      <a:round/>
+                      <a:headEnd type="none" w="med" len="med"/>
+                      <a:tailEnd type="none" w="med" len="med"/>
+                    </a:lnB>
+                  </a:tcPr>
+                </a:tc>
+                <a:tc>
+                  <a:txBody>
+                    <a:bodyPr/>
+                    <a:lstStyle/>
+                    <a:p>
+                      <a:pPr latinLnBrk="1"/>
+                      <a:r>
+                        <a:rPr lang="en-US" altLang="ko-KR" sz="1400" b="1"/>
+                        <a:t>AF24</a:t>
+                      </a:r>
+                      <a:endParaRPr lang="ko-KR" altLang="en-US" sz="1400" b="1"/>
+                    </a:p>
+                  </a:txBody>
+                  <a:tcPr>
+                    <a:lnL w="12700" cap="flat" cmpd="sng" algn="ctr">
+                      <a:solidFill>
+                        <a:schemeClr val="tx1"/>
+                      </a:solidFill>
+                      <a:prstDash val="solid"/>
+                      <a:round/>
+                      <a:headEnd type="none" w="med" len="med"/>
+                      <a:tailEnd type="none" w="med" len="med"/>
+                    </a:lnL>
+                    <a:lnR w="12700" cap="flat" cmpd="sng" algn="ctr">
+                      <a:solidFill>
+                        <a:schemeClr val="tx1"/>
+                      </a:solidFill>
+                      <a:prstDash val="solid"/>
+                      <a:round/>
+                      <a:headEnd type="none" w="med" len="med"/>
+                      <a:tailEnd type="none" w="med" len="med"/>
+                    </a:lnR>
+                    <a:lnT w="12700" cap="flat" cmpd="sng" algn="ctr">
+                      <a:solidFill>
+                        <a:schemeClr val="tx1"/>
+                      </a:solidFill>
+                      <a:prstDash val="solid"/>
+                      <a:round/>
+                      <a:headEnd type="none" w="med" len="med"/>
+                      <a:tailEnd type="none" w="med" len="med"/>
+                    </a:lnT>
+                    <a:lnB w="12700" cap="flat" cmpd="sng" algn="ctr">
+                      <a:solidFill>
+                        <a:schemeClr val="tx1"/>
+                      </a:solidFill>
+                      <a:prstDash val="solid"/>
+                      <a:round/>
+                      <a:headEnd type="none" w="med" len="med"/>
+                      <a:tailEnd type="none" w="med" len="med"/>
+                    </a:lnB>
+                  </a:tcPr>
+                </a:tc>
+                <a:extLst>
+                  <a:ext uri="{0D108BD9-81ED-4DB2-BD59-A6C34878D82A}">
+                    <a16:rowId xmlns:a16="http://schemas.microsoft.com/office/drawing/2014/main" val="2901151881"/>
+                  </a:ext>
+                </a:extLst>
+              </a:tr>
+              <a:tr h="370840">
+                <a:tc>
+                  <a:txBody>
+                    <a:bodyPr/>
+                    <a:lstStyle/>
+                    <a:p>
+                      <a:pPr latinLnBrk="1"/>
+                      <a:r>
+                        <a:rPr lang="en-US" altLang="ko-KR" sz="1400" b="0"/>
+                        <a:t>D7</a:t>
+                      </a:r>
+                      <a:endParaRPr lang="ko-KR" altLang="en-US" sz="1400" b="0"/>
+                    </a:p>
+                  </a:txBody>
+                  <a:tcPr>
+                    <a:lnL w="12700" cap="flat" cmpd="sng" algn="ctr">
+                      <a:solidFill>
+                        <a:schemeClr val="tx1"/>
+                      </a:solidFill>
+                      <a:prstDash val="solid"/>
+                      <a:round/>
+                      <a:headEnd type="none" w="med" len="med"/>
+                      <a:tailEnd type="none" w="med" len="med"/>
+                    </a:lnL>
+                    <a:lnR w="12700" cap="flat" cmpd="sng" algn="ctr">
+                      <a:solidFill>
+                        <a:schemeClr val="tx1"/>
+                      </a:solidFill>
+                      <a:prstDash val="solid"/>
+                      <a:round/>
+                      <a:headEnd type="none" w="med" len="med"/>
+                      <a:tailEnd type="none" w="med" len="med"/>
+                    </a:lnR>
+                    <a:lnT w="12700" cap="flat" cmpd="sng" algn="ctr">
+                      <a:solidFill>
+                        <a:schemeClr val="tx1"/>
+                      </a:solidFill>
+                      <a:prstDash val="solid"/>
+                      <a:round/>
+                      <a:headEnd type="none" w="med" len="med"/>
+                      <a:tailEnd type="none" w="med" len="med"/>
+                    </a:lnT>
+                    <a:lnB w="12700" cap="flat" cmpd="sng" algn="ctr">
+                      <a:solidFill>
+                        <a:schemeClr val="tx1"/>
+                      </a:solidFill>
+                      <a:prstDash val="solid"/>
+                      <a:round/>
+                      <a:headEnd type="none" w="med" len="med"/>
+                      <a:tailEnd type="none" w="med" len="med"/>
+                    </a:lnB>
+                  </a:tcPr>
+                </a:tc>
+                <a:tc>
+                  <a:txBody>
+                    <a:bodyPr/>
+                    <a:lstStyle/>
+                    <a:p>
+                      <a:pPr latinLnBrk="1"/>
+                      <a:r>
+                        <a:rPr lang="en-US" altLang="ko-KR" sz="1400" b="1"/>
+                        <a:t>AF25</a:t>
+                      </a:r>
+                      <a:endParaRPr lang="ko-KR" altLang="en-US" sz="1400" b="1"/>
+                    </a:p>
+                  </a:txBody>
+                  <a:tcPr>
+                    <a:lnL w="12700" cap="flat" cmpd="sng" algn="ctr">
+                      <a:solidFill>
+                        <a:schemeClr val="tx1"/>
+                      </a:solidFill>
+                      <a:prstDash val="solid"/>
+                      <a:round/>
+                      <a:headEnd type="none" w="med" len="med"/>
+                      <a:tailEnd type="none" w="med" len="med"/>
+                    </a:lnL>
+                    <a:lnR w="12700" cap="flat" cmpd="sng" algn="ctr">
+                      <a:solidFill>
+                        <a:schemeClr val="tx1"/>
+                      </a:solidFill>
+                      <a:prstDash val="solid"/>
+                      <a:round/>
+                      <a:headEnd type="none" w="med" len="med"/>
+                      <a:tailEnd type="none" w="med" len="med"/>
+                    </a:lnR>
+                    <a:lnT w="12700" cap="flat" cmpd="sng" algn="ctr">
+                      <a:solidFill>
+                        <a:schemeClr val="tx1"/>
+                      </a:solidFill>
+                      <a:prstDash val="solid"/>
+                      <a:round/>
+                      <a:headEnd type="none" w="med" len="med"/>
+                      <a:tailEnd type="none" w="med" len="med"/>
+                    </a:lnT>
+                    <a:lnB w="12700" cap="flat" cmpd="sng" algn="ctr">
+                      <a:solidFill>
+                        <a:schemeClr val="tx1"/>
+                      </a:solidFill>
+                      <a:prstDash val="solid"/>
+                      <a:round/>
+                      <a:headEnd type="none" w="med" len="med"/>
+                      <a:tailEnd type="none" w="med" len="med"/>
+                    </a:lnB>
+                  </a:tcPr>
+                </a:tc>
+                <a:extLst>
+                  <a:ext uri="{0D108BD9-81ED-4DB2-BD59-A6C34878D82A}">
+                    <a16:rowId xmlns:a16="http://schemas.microsoft.com/office/drawing/2014/main" val="927730015"/>
+                  </a:ext>
+                </a:extLst>
+              </a:tr>
+              <a:tr h="370840">
+                <a:tc>
+                  <a:txBody>
+                    <a:bodyPr/>
+                    <a:lstStyle/>
+                    <a:p>
+                      <a:pPr latinLnBrk="1"/>
+                      <a:r>
+                        <a:rPr lang="en-US" altLang="ko-KR" sz="1400" b="0"/>
+                        <a:t>D5</a:t>
+                      </a:r>
+                      <a:endParaRPr lang="ko-KR" altLang="en-US" sz="1400" b="0"/>
+                    </a:p>
+                  </a:txBody>
+                  <a:tcPr>
+                    <a:lnL w="12700" cap="flat" cmpd="sng" algn="ctr">
+                      <a:solidFill>
+                        <a:schemeClr val="tx1"/>
+                      </a:solidFill>
+                      <a:prstDash val="solid"/>
+                      <a:round/>
+                      <a:headEnd type="none" w="med" len="med"/>
+                      <a:tailEnd type="none" w="med" len="med"/>
+                    </a:lnL>
+                    <a:lnR w="12700" cap="flat" cmpd="sng" algn="ctr">
+                      <a:solidFill>
+                        <a:schemeClr val="tx1"/>
+                      </a:solidFill>
+                      <a:prstDash val="solid"/>
+                      <a:round/>
+                      <a:headEnd type="none" w="med" len="med"/>
+                      <a:tailEnd type="none" w="med" len="med"/>
+                    </a:lnR>
+                    <a:lnT w="12700" cap="flat" cmpd="sng" algn="ctr">
+                      <a:solidFill>
+                        <a:schemeClr val="tx1"/>
+                      </a:solidFill>
+                      <a:prstDash val="solid"/>
+                      <a:round/>
+                      <a:headEnd type="none" w="med" len="med"/>
+                      <a:tailEnd type="none" w="med" len="med"/>
+                    </a:lnT>
+                    <a:lnB w="12700" cap="flat" cmpd="sng" algn="ctr">
+                      <a:solidFill>
+                        <a:schemeClr val="tx1"/>
+                      </a:solidFill>
+                      <a:prstDash val="solid"/>
+                      <a:round/>
+                      <a:headEnd type="none" w="med" len="med"/>
+                      <a:tailEnd type="none" w="med" len="med"/>
+                    </a:lnB>
+                  </a:tcPr>
+                </a:tc>
+                <a:tc>
+                  <a:txBody>
+                    <a:bodyPr/>
+                    <a:lstStyle/>
+                    <a:p>
+                      <a:pPr latinLnBrk="1"/>
+                      <a:r>
+                        <a:rPr lang="en-US" altLang="ko-KR" sz="1400" b="1"/>
+                        <a:t>AE22</a:t>
+                      </a:r>
+                      <a:endParaRPr lang="ko-KR" altLang="en-US" sz="1400" b="1"/>
+                    </a:p>
+                  </a:txBody>
+                  <a:tcPr>
+                    <a:lnL w="12700" cap="flat" cmpd="sng" algn="ctr">
+                      <a:solidFill>
+                        <a:schemeClr val="tx1"/>
+                      </a:solidFill>
+                      <a:prstDash val="solid"/>
+                      <a:round/>
+                      <a:headEnd type="none" w="med" len="med"/>
+                      <a:tailEnd type="none" w="med" len="med"/>
+                    </a:lnL>
+                    <a:lnR w="12700" cap="flat" cmpd="sng" algn="ctr">
+                      <a:solidFill>
+                        <a:schemeClr val="tx1"/>
+                      </a:solidFill>
+                      <a:prstDash val="solid"/>
+                      <a:round/>
+                      <a:headEnd type="none" w="med" len="med"/>
+                      <a:tailEnd type="none" w="med" len="med"/>
+                    </a:lnR>
+                    <a:lnT w="12700" cap="flat" cmpd="sng" algn="ctr">
+                      <a:solidFill>
+                        <a:schemeClr val="tx1"/>
+                      </a:solidFill>
+                      <a:prstDash val="solid"/>
+                      <a:round/>
+                      <a:headEnd type="none" w="med" len="med"/>
+                      <a:tailEnd type="none" w="med" len="med"/>
+                    </a:lnT>
+                    <a:lnB w="12700" cap="flat" cmpd="sng" algn="ctr">
+                      <a:solidFill>
+                        <a:schemeClr val="tx1"/>
+                      </a:solidFill>
+                      <a:prstDash val="solid"/>
+                      <a:round/>
+                      <a:headEnd type="none" w="med" len="med"/>
+                      <a:tailEnd type="none" w="med" len="med"/>
+                    </a:lnB>
+                  </a:tcPr>
+                </a:tc>
+                <a:extLst>
+                  <a:ext uri="{0D108BD9-81ED-4DB2-BD59-A6C34878D82A}">
+                    <a16:rowId xmlns:a16="http://schemas.microsoft.com/office/drawing/2014/main" val="2498779703"/>
+                  </a:ext>
+                </a:extLst>
+              </a:tr>
+              <a:tr h="370840">
+                <a:tc>
+                  <a:txBody>
+                    <a:bodyPr/>
+                    <a:lstStyle/>
+                    <a:p>
+                      <a:pPr latinLnBrk="1"/>
+                      <a:r>
+                        <a:rPr lang="en-US" altLang="ko-KR" sz="1400" b="0"/>
+                        <a:t>D3</a:t>
+                      </a:r>
+                      <a:endParaRPr lang="ko-KR" altLang="en-US" sz="1400" b="0"/>
+                    </a:p>
+                  </a:txBody>
+                  <a:tcPr>
+                    <a:lnL w="12700" cap="flat" cmpd="sng" algn="ctr">
+                      <a:solidFill>
+                        <a:schemeClr val="tx1"/>
+                      </a:solidFill>
+                      <a:prstDash val="solid"/>
+                      <a:round/>
+                      <a:headEnd type="none" w="med" len="med"/>
+                      <a:tailEnd type="none" w="med" len="med"/>
+                    </a:lnL>
+                    <a:lnR w="12700" cap="flat" cmpd="sng" algn="ctr">
+                      <a:solidFill>
+                        <a:schemeClr val="tx1"/>
+                      </a:solidFill>
+                      <a:prstDash val="solid"/>
+                      <a:round/>
+                      <a:headEnd type="none" w="med" len="med"/>
+                      <a:tailEnd type="none" w="med" len="med"/>
+                    </a:lnR>
+                    <a:lnT w="12700" cap="flat" cmpd="sng" algn="ctr">
+                      <a:solidFill>
+                        <a:schemeClr val="tx1"/>
+                      </a:solidFill>
+                      <a:prstDash val="solid"/>
+                      <a:round/>
+                      <a:headEnd type="none" w="med" len="med"/>
+                      <a:tailEnd type="none" w="med" len="med"/>
+                    </a:lnT>
+                    <a:lnB w="12700" cap="flat" cmpd="sng" algn="ctr">
+                      <a:solidFill>
+                        <a:schemeClr val="tx1"/>
+                      </a:solidFill>
+                      <a:prstDash val="solid"/>
+                      <a:round/>
+                      <a:headEnd type="none" w="med" len="med"/>
+                      <a:tailEnd type="none" w="med" len="med"/>
+                    </a:lnB>
+                  </a:tcPr>
+                </a:tc>
+                <a:tc>
+                  <a:txBody>
+                    <a:bodyPr/>
+                    <a:lstStyle/>
+                    <a:p>
+                      <a:pPr latinLnBrk="1"/>
+                      <a:r>
+                        <a:rPr lang="en-US" altLang="ko-KR" sz="1400" b="1"/>
+                        <a:t>AF22</a:t>
+                      </a:r>
+                      <a:endParaRPr lang="ko-KR" altLang="en-US" sz="1400" b="1"/>
+                    </a:p>
+                  </a:txBody>
+                  <a:tcPr>
+                    <a:lnL w="12700" cap="flat" cmpd="sng" algn="ctr">
+                      <a:solidFill>
+                        <a:schemeClr val="tx1"/>
+                      </a:solidFill>
+                      <a:prstDash val="solid"/>
+                      <a:round/>
+                      <a:headEnd type="none" w="med" len="med"/>
+                      <a:tailEnd type="none" w="med" len="med"/>
+                    </a:lnL>
+                    <a:lnR w="12700" cap="flat" cmpd="sng" algn="ctr">
+                      <a:solidFill>
+                        <a:schemeClr val="tx1"/>
+                      </a:solidFill>
+                      <a:prstDash val="solid"/>
+                      <a:round/>
+                      <a:headEnd type="none" w="med" len="med"/>
+                      <a:tailEnd type="none" w="med" len="med"/>
+                    </a:lnR>
+                    <a:lnT w="12700" cap="flat" cmpd="sng" algn="ctr">
+                      <a:solidFill>
+                        <a:schemeClr val="tx1"/>
+                      </a:solidFill>
+                      <a:prstDash val="solid"/>
+                      <a:round/>
+                      <a:headEnd type="none" w="med" len="med"/>
+                      <a:tailEnd type="none" w="med" len="med"/>
+                    </a:lnT>
+                    <a:lnB w="12700" cap="flat" cmpd="sng" algn="ctr">
+                      <a:solidFill>
+                        <a:schemeClr val="tx1"/>
+                      </a:solidFill>
+                      <a:prstDash val="solid"/>
+                      <a:round/>
+                      <a:headEnd type="none" w="med" len="med"/>
+                      <a:tailEnd type="none" w="med" len="med"/>
+                    </a:lnB>
+                  </a:tcPr>
+                </a:tc>
+                <a:extLst>
+                  <a:ext uri="{0D108BD9-81ED-4DB2-BD59-A6C34878D82A}">
+                    <a16:rowId xmlns:a16="http://schemas.microsoft.com/office/drawing/2014/main" val="4279339226"/>
+                  </a:ext>
+                </a:extLst>
+              </a:tr>
+              <a:tr h="370840">
+                <a:tc>
+                  <a:txBody>
+                    <a:bodyPr/>
+                    <a:lstStyle/>
+                    <a:p>
+                      <a:pPr latinLnBrk="1"/>
+                      <a:r>
+                        <a:rPr lang="en-US" altLang="ko-KR" sz="1400" b="0"/>
+                        <a:t>D1</a:t>
+                      </a:r>
+                      <a:endParaRPr lang="ko-KR" altLang="en-US" sz="1400" b="0"/>
+                    </a:p>
+                  </a:txBody>
+                  <a:tcPr>
+                    <a:lnL w="12700" cap="flat" cmpd="sng" algn="ctr">
+                      <a:solidFill>
+                        <a:schemeClr val="tx1"/>
+                      </a:solidFill>
+                      <a:prstDash val="solid"/>
+                      <a:round/>
+                      <a:headEnd type="none" w="med" len="med"/>
+                      <a:tailEnd type="none" w="med" len="med"/>
+                    </a:lnL>
+                    <a:lnR w="12700" cap="flat" cmpd="sng" algn="ctr">
+                      <a:solidFill>
+                        <a:schemeClr val="tx1"/>
+                      </a:solidFill>
+                      <a:prstDash val="solid"/>
+                      <a:round/>
+                      <a:headEnd type="none" w="med" len="med"/>
+                      <a:tailEnd type="none" w="med" len="med"/>
+                    </a:lnR>
+                    <a:lnT w="12700" cap="flat" cmpd="sng" algn="ctr">
+                      <a:solidFill>
+                        <a:schemeClr val="tx1"/>
+                      </a:solidFill>
+                      <a:prstDash val="solid"/>
+                      <a:round/>
+                      <a:headEnd type="none" w="med" len="med"/>
+                      <a:tailEnd type="none" w="med" len="med"/>
+                    </a:lnT>
+                    <a:lnB w="12700" cap="flat" cmpd="sng" algn="ctr">
+                      <a:solidFill>
+                        <a:schemeClr val="tx1"/>
+                      </a:solidFill>
+                      <a:prstDash val="solid"/>
+                      <a:round/>
+                      <a:headEnd type="none" w="med" len="med"/>
+                      <a:tailEnd type="none" w="med" len="med"/>
+                    </a:lnB>
+                  </a:tcPr>
+                </a:tc>
+                <a:tc>
+                  <a:txBody>
+                    <a:bodyPr/>
+                    <a:lstStyle/>
+                    <a:p>
+                      <a:pPr latinLnBrk="1"/>
+                      <a:r>
+                        <a:rPr lang="en-US" altLang="ko-KR" sz="1400" b="1"/>
+                        <a:t>AG25</a:t>
+                      </a:r>
+                      <a:endParaRPr lang="ko-KR" altLang="en-US" sz="1400" b="1"/>
+                    </a:p>
+                  </a:txBody>
+                  <a:tcPr>
+                    <a:lnL w="12700" cap="flat" cmpd="sng" algn="ctr">
+                      <a:solidFill>
+                        <a:schemeClr val="tx1"/>
+                      </a:solidFill>
+                      <a:prstDash val="solid"/>
+                      <a:round/>
+                      <a:headEnd type="none" w="med" len="med"/>
+                      <a:tailEnd type="none" w="med" len="med"/>
+                    </a:lnL>
+                    <a:lnR w="12700" cap="flat" cmpd="sng" algn="ctr">
+                      <a:solidFill>
+                        <a:schemeClr val="tx1"/>
+                      </a:solidFill>
+                      <a:prstDash val="solid"/>
+                      <a:round/>
+                      <a:headEnd type="none" w="med" len="med"/>
+                      <a:tailEnd type="none" w="med" len="med"/>
+                    </a:lnR>
+                    <a:lnT w="12700" cap="flat" cmpd="sng" algn="ctr">
+                      <a:solidFill>
+                        <a:schemeClr val="tx1"/>
+                      </a:solidFill>
+                      <a:prstDash val="solid"/>
+                      <a:round/>
+                      <a:headEnd type="none" w="med" len="med"/>
+                      <a:tailEnd type="none" w="med" len="med"/>
+                    </a:lnT>
+                    <a:lnB w="12700" cap="flat" cmpd="sng" algn="ctr">
+                      <a:solidFill>
+                        <a:schemeClr val="tx1"/>
+                      </a:solidFill>
+                      <a:prstDash val="solid"/>
+                      <a:round/>
+                      <a:headEnd type="none" w="med" len="med"/>
+                      <a:tailEnd type="none" w="med" len="med"/>
+                    </a:lnB>
+                  </a:tcPr>
+                </a:tc>
+                <a:extLst>
+                  <a:ext uri="{0D108BD9-81ED-4DB2-BD59-A6C34878D82A}">
+                    <a16:rowId xmlns:a16="http://schemas.microsoft.com/office/drawing/2014/main" val="2485446604"/>
+                  </a:ext>
+                </a:extLst>
+              </a:tr>
+            </a:tbl>
+          </a:graphicData>
+        </a:graphic>
+      </p:graphicFrame>
+      <p:graphicFrame>
+        <p:nvGraphicFramePr>
+          <p:cNvPr id="32" name="표 31">
+            <a:extLst>
+              <a:ext uri="{FF2B5EF4-FFF2-40B4-BE49-F238E27FC236}">
+                <a16:creationId xmlns:a16="http://schemas.microsoft.com/office/drawing/2014/main" id="{E6B50DB2-8B97-1B18-5EF2-34FD2BD8815F}"/>
+              </a:ext>
+            </a:extLst>
+          </p:cNvPr>
+          <p:cNvGraphicFramePr>
+            <a:graphicFrameLocks noGrp="1"/>
+          </p:cNvGraphicFramePr>
+          <p:nvPr>
+            <p:extLst>
+              <p:ext uri="{D42A27DB-BD31-4B8C-83A1-F6EECF244321}">
+                <p14:modId xmlns:p14="http://schemas.microsoft.com/office/powerpoint/2010/main" val="2516969114"/>
+              </p:ext>
+            </p:extLst>
+          </p:nvPr>
+        </p:nvGraphicFramePr>
+        <p:xfrm>
+          <a:off x="1848817" y="2069723"/>
+          <a:ext cx="1546848" cy="2966720"/>
+        </p:xfrm>
+        <a:graphic>
+          <a:graphicData uri="http://schemas.openxmlformats.org/drawingml/2006/table">
+            <a:tbl>
+              <a:tblPr firstRow="1" bandRow="1">
+                <a:tableStyleId>{2D5ABB26-0587-4C30-8999-92F81FD0307C}</a:tableStyleId>
+              </a:tblPr>
+              <a:tblGrid>
+                <a:gridCol w="773424">
+                  <a:extLst>
+                    <a:ext uri="{9D8B030D-6E8A-4147-A177-3AD203B41FA5}">
+                      <a16:colId xmlns:a16="http://schemas.microsoft.com/office/drawing/2014/main" val="3175916713"/>
+                    </a:ext>
+                  </a:extLst>
+                </a:gridCol>
+                <a:gridCol w="773424">
+                  <a:extLst>
+                    <a:ext uri="{9D8B030D-6E8A-4147-A177-3AD203B41FA5}">
+                      <a16:colId xmlns:a16="http://schemas.microsoft.com/office/drawing/2014/main" val="2716317221"/>
+                    </a:ext>
+                  </a:extLst>
+                </a:gridCol>
+              </a:tblGrid>
+              <a:tr h="370840">
+                <a:tc>
+                  <a:txBody>
+                    <a:bodyPr/>
+                    <a:lstStyle/>
+                    <a:p>
+                      <a:pPr latinLnBrk="1"/>
+                      <a:r>
+                        <a:rPr lang="en-US" altLang="ko-KR" sz="1400" b="1"/>
+                        <a:t>pin</a:t>
+                      </a:r>
+                      <a:endParaRPr lang="ko-KR" altLang="en-US" sz="1400" b="1"/>
+                    </a:p>
+                  </a:txBody>
+                  <a:tcPr>
+                    <a:lnL w="12700" cap="flat" cmpd="sng" algn="ctr">
+                      <a:solidFill>
+                        <a:schemeClr val="tx1"/>
+                      </a:solidFill>
+                      <a:prstDash val="solid"/>
+                      <a:round/>
+                      <a:headEnd type="none" w="med" len="med"/>
+                      <a:tailEnd type="none" w="med" len="med"/>
+                    </a:lnL>
+                    <a:lnR w="12700" cap="flat" cmpd="sng" algn="ctr">
+                      <a:solidFill>
+                        <a:schemeClr val="tx1"/>
+                      </a:solidFill>
+                      <a:prstDash val="solid"/>
+                      <a:round/>
+                      <a:headEnd type="none" w="med" len="med"/>
+                      <a:tailEnd type="none" w="med" len="med"/>
+                    </a:lnR>
+                    <a:lnT w="12700" cap="flat" cmpd="sng" algn="ctr">
+                      <a:solidFill>
+                        <a:schemeClr val="tx1"/>
+                      </a:solidFill>
+                      <a:prstDash val="solid"/>
+                      <a:round/>
+                      <a:headEnd type="none" w="med" len="med"/>
+                      <a:tailEnd type="none" w="med" len="med"/>
+                    </a:lnT>
+                    <a:lnB w="12700" cap="flat" cmpd="sng" algn="ctr">
+                      <a:solidFill>
+                        <a:schemeClr val="tx1"/>
+                      </a:solidFill>
+                      <a:prstDash val="solid"/>
+                      <a:round/>
+                      <a:headEnd type="none" w="med" len="med"/>
+                      <a:tailEnd type="none" w="med" len="med"/>
+                    </a:lnB>
+                    <a:solidFill>
+                      <a:schemeClr val="bg2">
+                        <a:lumMod val="90000"/>
+                      </a:schemeClr>
+                    </a:solidFill>
+                  </a:tcPr>
+                </a:tc>
+                <a:tc>
+                  <a:txBody>
+                    <a:bodyPr/>
+                    <a:lstStyle/>
+                    <a:p>
+                      <a:pPr latinLnBrk="1"/>
+                      <a:r>
+                        <a:rPr lang="en-US" altLang="ko-KR" sz="1400" b="1"/>
+                        <a:t>gpio</a:t>
+                      </a:r>
+                      <a:endParaRPr lang="ko-KR" altLang="en-US" sz="1400" b="1"/>
+                    </a:p>
+                  </a:txBody>
+                  <a:tcPr>
+                    <a:lnL w="12700" cap="flat" cmpd="sng" algn="ctr">
+                      <a:solidFill>
+                        <a:schemeClr val="tx1"/>
+                      </a:solidFill>
+                      <a:prstDash val="solid"/>
+                      <a:round/>
+                      <a:headEnd type="none" w="med" len="med"/>
+                      <a:tailEnd type="none" w="med" len="med"/>
+                    </a:lnL>
+                    <a:lnR w="12700" cap="flat" cmpd="sng" algn="ctr">
+                      <a:solidFill>
+                        <a:schemeClr val="tx1"/>
+                      </a:solidFill>
+                      <a:prstDash val="solid"/>
+                      <a:round/>
+                      <a:headEnd type="none" w="med" len="med"/>
+                      <a:tailEnd type="none" w="med" len="med"/>
+                    </a:lnR>
+                    <a:lnT w="12700" cap="flat" cmpd="sng" algn="ctr">
+                      <a:solidFill>
+                        <a:schemeClr val="tx1"/>
+                      </a:solidFill>
+                      <a:prstDash val="solid"/>
+                      <a:round/>
+                      <a:headEnd type="none" w="med" len="med"/>
+                      <a:tailEnd type="none" w="med" len="med"/>
+                    </a:lnT>
+                    <a:lnB w="12700" cap="flat" cmpd="sng" algn="ctr">
+                      <a:solidFill>
+                        <a:schemeClr val="tx1"/>
+                      </a:solidFill>
+                      <a:prstDash val="solid"/>
+                      <a:round/>
+                      <a:headEnd type="none" w="med" len="med"/>
+                      <a:tailEnd type="none" w="med" len="med"/>
+                    </a:lnB>
+                    <a:solidFill>
+                      <a:schemeClr val="bg2">
+                        <a:lumMod val="90000"/>
+                      </a:schemeClr>
+                    </a:solidFill>
+                  </a:tcPr>
+                </a:tc>
+                <a:extLst>
+                  <a:ext uri="{0D108BD9-81ED-4DB2-BD59-A6C34878D82A}">
+                    <a16:rowId xmlns:a16="http://schemas.microsoft.com/office/drawing/2014/main" val="3856357237"/>
+                  </a:ext>
+                </a:extLst>
+              </a:tr>
+              <a:tr h="370840">
+                <a:tc>
+                  <a:txBody>
+                    <a:bodyPr/>
+                    <a:lstStyle/>
+                    <a:p>
+                      <a:pPr latinLnBrk="1"/>
+                      <a:r>
+                        <a:rPr lang="en-US" altLang="ko-KR" sz="1400" b="0"/>
+                        <a:t>SDA</a:t>
+                      </a:r>
+                    </a:p>
+                  </a:txBody>
+                  <a:tcPr>
+                    <a:lnL w="12700" cap="flat" cmpd="sng" algn="ctr">
+                      <a:solidFill>
+                        <a:schemeClr val="tx1"/>
+                      </a:solidFill>
+                      <a:prstDash val="solid"/>
+                      <a:round/>
+                      <a:headEnd type="none" w="med" len="med"/>
+                      <a:tailEnd type="none" w="med" len="med"/>
+                    </a:lnL>
+                    <a:lnR w="12700" cap="flat" cmpd="sng" algn="ctr">
+                      <a:solidFill>
+                        <a:schemeClr val="tx1"/>
+                      </a:solidFill>
+                      <a:prstDash val="solid"/>
+                      <a:round/>
+                      <a:headEnd type="none" w="med" len="med"/>
+                      <a:tailEnd type="none" w="med" len="med"/>
+                    </a:lnR>
+                    <a:lnT w="12700" cap="flat" cmpd="sng" algn="ctr">
+                      <a:solidFill>
+                        <a:schemeClr val="tx1"/>
+                      </a:solidFill>
+                      <a:prstDash val="solid"/>
+                      <a:round/>
+                      <a:headEnd type="none" w="med" len="med"/>
+                      <a:tailEnd type="none" w="med" len="med"/>
+                    </a:lnT>
+                    <a:lnB w="12700" cap="flat" cmpd="sng" algn="ctr">
+                      <a:solidFill>
+                        <a:schemeClr val="tx1"/>
+                      </a:solidFill>
+                      <a:prstDash val="solid"/>
+                      <a:round/>
+                      <a:headEnd type="none" w="med" len="med"/>
+                      <a:tailEnd type="none" w="med" len="med"/>
+                    </a:lnB>
+                  </a:tcPr>
+                </a:tc>
+                <a:tc>
+                  <a:txBody>
+                    <a:bodyPr/>
+                    <a:lstStyle/>
+                    <a:p>
+                      <a:pPr latinLnBrk="1"/>
+                      <a:r>
+                        <a:rPr lang="en-US" altLang="ko-KR" sz="1400" b="1"/>
+                        <a:t>AF16</a:t>
+                      </a:r>
+                      <a:endParaRPr lang="ko-KR" altLang="en-US" sz="1400" b="1"/>
+                    </a:p>
+                  </a:txBody>
+                  <a:tcPr>
+                    <a:lnL w="12700" cap="flat" cmpd="sng" algn="ctr">
+                      <a:solidFill>
+                        <a:schemeClr val="tx1"/>
+                      </a:solidFill>
+                      <a:prstDash val="solid"/>
+                      <a:round/>
+                      <a:headEnd type="none" w="med" len="med"/>
+                      <a:tailEnd type="none" w="med" len="med"/>
+                    </a:lnL>
+                    <a:lnR w="12700" cap="flat" cmpd="sng" algn="ctr">
+                      <a:solidFill>
+                        <a:schemeClr val="tx1"/>
+                      </a:solidFill>
+                      <a:prstDash val="solid"/>
+                      <a:round/>
+                      <a:headEnd type="none" w="med" len="med"/>
+                      <a:tailEnd type="none" w="med" len="med"/>
+                    </a:lnR>
+                    <a:lnT w="12700" cap="flat" cmpd="sng" algn="ctr">
+                      <a:solidFill>
+                        <a:schemeClr val="tx1"/>
+                      </a:solidFill>
+                      <a:prstDash val="solid"/>
+                      <a:round/>
+                      <a:headEnd type="none" w="med" len="med"/>
+                      <a:tailEnd type="none" w="med" len="med"/>
+                    </a:lnT>
+                    <a:lnB w="12700" cap="flat" cmpd="sng" algn="ctr">
+                      <a:solidFill>
+                        <a:schemeClr val="tx1"/>
+                      </a:solidFill>
+                      <a:prstDash val="solid"/>
+                      <a:round/>
+                      <a:headEnd type="none" w="med" len="med"/>
+                      <a:tailEnd type="none" w="med" len="med"/>
+                    </a:lnB>
+                  </a:tcPr>
+                </a:tc>
+                <a:extLst>
+                  <a:ext uri="{0D108BD9-81ED-4DB2-BD59-A6C34878D82A}">
+                    <a16:rowId xmlns:a16="http://schemas.microsoft.com/office/drawing/2014/main" val="689235681"/>
+                  </a:ext>
+                </a:extLst>
+              </a:tr>
+              <a:tr h="370840">
+                <a:tc>
+                  <a:txBody>
+                    <a:bodyPr/>
+                    <a:lstStyle/>
+                    <a:p>
+                      <a:pPr latinLnBrk="1"/>
+                      <a:r>
+                        <a:rPr lang="en-US" altLang="ko-KR" sz="1400" b="0"/>
+                        <a:t>HS</a:t>
+                      </a:r>
+                      <a:endParaRPr lang="ko-KR" altLang="en-US" sz="1400" b="0"/>
+                    </a:p>
+                  </a:txBody>
+                  <a:tcPr>
+                    <a:lnL w="12700" cap="flat" cmpd="sng" algn="ctr">
+                      <a:solidFill>
+                        <a:schemeClr val="tx1"/>
+                      </a:solidFill>
+                      <a:prstDash val="solid"/>
+                      <a:round/>
+                      <a:headEnd type="none" w="med" len="med"/>
+                      <a:tailEnd type="none" w="med" len="med"/>
+                    </a:lnL>
+                    <a:lnR w="12700" cap="flat" cmpd="sng" algn="ctr">
+                      <a:solidFill>
+                        <a:schemeClr val="tx1"/>
+                      </a:solidFill>
+                      <a:prstDash val="solid"/>
+                      <a:round/>
+                      <a:headEnd type="none" w="med" len="med"/>
+                      <a:tailEnd type="none" w="med" len="med"/>
+                    </a:lnR>
+                    <a:lnT w="12700" cap="flat" cmpd="sng" algn="ctr">
+                      <a:solidFill>
+                        <a:schemeClr val="tx1"/>
+                      </a:solidFill>
+                      <a:prstDash val="solid"/>
+                      <a:round/>
+                      <a:headEnd type="none" w="med" len="med"/>
+                      <a:tailEnd type="none" w="med" len="med"/>
+                    </a:lnT>
+                    <a:lnB w="12700" cap="flat" cmpd="sng" algn="ctr">
+                      <a:solidFill>
+                        <a:schemeClr val="tx1"/>
+                      </a:solidFill>
+                      <a:prstDash val="solid"/>
+                      <a:round/>
+                      <a:headEnd type="none" w="med" len="med"/>
+                      <a:tailEnd type="none" w="med" len="med"/>
+                    </a:lnB>
+                  </a:tcPr>
+                </a:tc>
+                <a:tc>
+                  <a:txBody>
+                    <a:bodyPr/>
+                    <a:lstStyle/>
+                    <a:p>
+                      <a:pPr latinLnBrk="1"/>
+                      <a:r>
+                        <a:rPr lang="en-US" altLang="ko-KR" sz="1400" b="1"/>
+                        <a:t>AF15</a:t>
+                      </a:r>
+                      <a:endParaRPr lang="ko-KR" altLang="en-US" sz="1400" b="1"/>
+                    </a:p>
+                  </a:txBody>
+                  <a:tcPr>
+                    <a:lnL w="12700" cap="flat" cmpd="sng" algn="ctr">
+                      <a:solidFill>
+                        <a:schemeClr val="tx1"/>
+                      </a:solidFill>
+                      <a:prstDash val="solid"/>
+                      <a:round/>
+                      <a:headEnd type="none" w="med" len="med"/>
+                      <a:tailEnd type="none" w="med" len="med"/>
+                    </a:lnL>
+                    <a:lnR w="12700" cap="flat" cmpd="sng" algn="ctr">
+                      <a:solidFill>
+                        <a:schemeClr val="tx1"/>
+                      </a:solidFill>
+                      <a:prstDash val="solid"/>
+                      <a:round/>
+                      <a:headEnd type="none" w="med" len="med"/>
+                      <a:tailEnd type="none" w="med" len="med"/>
+                    </a:lnR>
+                    <a:lnT w="12700" cap="flat" cmpd="sng" algn="ctr">
+                      <a:solidFill>
+                        <a:schemeClr val="tx1"/>
+                      </a:solidFill>
+                      <a:prstDash val="solid"/>
+                      <a:round/>
+                      <a:headEnd type="none" w="med" len="med"/>
+                      <a:tailEnd type="none" w="med" len="med"/>
+                    </a:lnT>
+                    <a:lnB w="12700" cap="flat" cmpd="sng" algn="ctr">
+                      <a:solidFill>
+                        <a:schemeClr val="tx1"/>
+                      </a:solidFill>
+                      <a:prstDash val="solid"/>
+                      <a:round/>
+                      <a:headEnd type="none" w="med" len="med"/>
+                      <a:tailEnd type="none" w="med" len="med"/>
+                    </a:lnB>
+                  </a:tcPr>
+                </a:tc>
+                <a:extLst>
+                  <a:ext uri="{0D108BD9-81ED-4DB2-BD59-A6C34878D82A}">
+                    <a16:rowId xmlns:a16="http://schemas.microsoft.com/office/drawing/2014/main" val="1232451575"/>
+                  </a:ext>
+                </a:extLst>
+              </a:tr>
+              <a:tr h="370840">
+                <a:tc>
+                  <a:txBody>
+                    <a:bodyPr/>
+                    <a:lstStyle/>
+                    <a:p>
+                      <a:pPr latinLnBrk="1"/>
+                      <a:r>
+                        <a:rPr lang="en-US" altLang="ko-KR" sz="1400" b="0"/>
+                        <a:t>MCLK</a:t>
+                      </a:r>
+                      <a:endParaRPr lang="ko-KR" altLang="en-US" sz="1400" b="0"/>
+                    </a:p>
+                  </a:txBody>
+                  <a:tcPr>
+                    <a:lnL w="12700" cap="flat" cmpd="sng" algn="ctr">
+                      <a:solidFill>
+                        <a:schemeClr val="tx1"/>
+                      </a:solidFill>
+                      <a:prstDash val="solid"/>
+                      <a:round/>
+                      <a:headEnd type="none" w="med" len="med"/>
+                      <a:tailEnd type="none" w="med" len="med"/>
+                    </a:lnL>
+                    <a:lnR w="12700" cap="flat" cmpd="sng" algn="ctr">
+                      <a:solidFill>
+                        <a:schemeClr val="tx1"/>
+                      </a:solidFill>
+                      <a:prstDash val="solid"/>
+                      <a:round/>
+                      <a:headEnd type="none" w="med" len="med"/>
+                      <a:tailEnd type="none" w="med" len="med"/>
+                    </a:lnR>
+                    <a:lnT w="12700" cap="flat" cmpd="sng" algn="ctr">
+                      <a:solidFill>
+                        <a:schemeClr val="tx1"/>
+                      </a:solidFill>
+                      <a:prstDash val="solid"/>
+                      <a:round/>
+                      <a:headEnd type="none" w="med" len="med"/>
+                      <a:tailEnd type="none" w="med" len="med"/>
+                    </a:lnT>
+                    <a:lnB w="12700" cap="flat" cmpd="sng" algn="ctr">
+                      <a:solidFill>
+                        <a:schemeClr val="tx1"/>
+                      </a:solidFill>
+                      <a:prstDash val="solid"/>
+                      <a:round/>
+                      <a:headEnd type="none" w="med" len="med"/>
+                      <a:tailEnd type="none" w="med" len="med"/>
+                    </a:lnB>
+                  </a:tcPr>
+                </a:tc>
+                <a:tc>
+                  <a:txBody>
+                    <a:bodyPr/>
+                    <a:lstStyle/>
+                    <a:p>
+                      <a:pPr latinLnBrk="1"/>
+                      <a:r>
+                        <a:rPr lang="en-US" altLang="ko-KR" sz="1400" b="1"/>
+                        <a:t>AE21</a:t>
+                      </a:r>
+                      <a:endParaRPr lang="ko-KR" altLang="en-US" sz="1400" b="1"/>
+                    </a:p>
+                  </a:txBody>
+                  <a:tcPr>
+                    <a:lnL w="12700" cap="flat" cmpd="sng" algn="ctr">
+                      <a:solidFill>
+                        <a:schemeClr val="tx1"/>
+                      </a:solidFill>
+                      <a:prstDash val="solid"/>
+                      <a:round/>
+                      <a:headEnd type="none" w="med" len="med"/>
+                      <a:tailEnd type="none" w="med" len="med"/>
+                    </a:lnL>
+                    <a:lnR w="12700" cap="flat" cmpd="sng" algn="ctr">
+                      <a:solidFill>
+                        <a:schemeClr val="tx1"/>
+                      </a:solidFill>
+                      <a:prstDash val="solid"/>
+                      <a:round/>
+                      <a:headEnd type="none" w="med" len="med"/>
+                      <a:tailEnd type="none" w="med" len="med"/>
+                    </a:lnR>
+                    <a:lnT w="12700" cap="flat" cmpd="sng" algn="ctr">
+                      <a:solidFill>
+                        <a:schemeClr val="tx1"/>
+                      </a:solidFill>
+                      <a:prstDash val="solid"/>
+                      <a:round/>
+                      <a:headEnd type="none" w="med" len="med"/>
+                      <a:tailEnd type="none" w="med" len="med"/>
+                    </a:lnT>
+                    <a:lnB w="12700" cap="flat" cmpd="sng" algn="ctr">
+                      <a:solidFill>
+                        <a:schemeClr val="tx1"/>
+                      </a:solidFill>
+                      <a:prstDash val="solid"/>
+                      <a:round/>
+                      <a:headEnd type="none" w="med" len="med"/>
+                      <a:tailEnd type="none" w="med" len="med"/>
+                    </a:lnB>
+                  </a:tcPr>
+                </a:tc>
+                <a:extLst>
+                  <a:ext uri="{0D108BD9-81ED-4DB2-BD59-A6C34878D82A}">
+                    <a16:rowId xmlns:a16="http://schemas.microsoft.com/office/drawing/2014/main" val="2901151881"/>
+                  </a:ext>
+                </a:extLst>
+              </a:tr>
+              <a:tr h="370840">
+                <a:tc>
+                  <a:txBody>
+                    <a:bodyPr/>
+                    <a:lstStyle/>
+                    <a:p>
+                      <a:pPr latinLnBrk="1"/>
+                      <a:r>
+                        <a:rPr lang="en-US" altLang="ko-KR" sz="1400" b="0"/>
+                        <a:t>D6</a:t>
+                      </a:r>
+                      <a:endParaRPr lang="ko-KR" altLang="en-US" sz="1400" b="0"/>
+                    </a:p>
+                  </a:txBody>
+                  <a:tcPr>
+                    <a:lnL w="12700" cap="flat" cmpd="sng" algn="ctr">
+                      <a:solidFill>
+                        <a:schemeClr val="tx1"/>
+                      </a:solidFill>
+                      <a:prstDash val="solid"/>
+                      <a:round/>
+                      <a:headEnd type="none" w="med" len="med"/>
+                      <a:tailEnd type="none" w="med" len="med"/>
+                    </a:lnL>
+                    <a:lnR w="12700" cap="flat" cmpd="sng" algn="ctr">
+                      <a:solidFill>
+                        <a:schemeClr val="tx1"/>
+                      </a:solidFill>
+                      <a:prstDash val="solid"/>
+                      <a:round/>
+                      <a:headEnd type="none" w="med" len="med"/>
+                      <a:tailEnd type="none" w="med" len="med"/>
+                    </a:lnR>
+                    <a:lnT w="12700" cap="flat" cmpd="sng" algn="ctr">
+                      <a:solidFill>
+                        <a:schemeClr val="tx1"/>
+                      </a:solidFill>
+                      <a:prstDash val="solid"/>
+                      <a:round/>
+                      <a:headEnd type="none" w="med" len="med"/>
+                      <a:tailEnd type="none" w="med" len="med"/>
+                    </a:lnT>
+                    <a:lnB w="12700" cap="flat" cmpd="sng" algn="ctr">
+                      <a:solidFill>
+                        <a:schemeClr val="tx1"/>
+                      </a:solidFill>
+                      <a:prstDash val="solid"/>
+                      <a:round/>
+                      <a:headEnd type="none" w="med" len="med"/>
+                      <a:tailEnd type="none" w="med" len="med"/>
+                    </a:lnB>
+                  </a:tcPr>
+                </a:tc>
+                <a:tc>
+                  <a:txBody>
+                    <a:bodyPr/>
+                    <a:lstStyle/>
+                    <a:p>
+                      <a:pPr latinLnBrk="1"/>
+                      <a:r>
+                        <a:rPr lang="en-US" altLang="ko-KR" sz="1400" b="1"/>
+                        <a:t>AC22</a:t>
+                      </a:r>
+                      <a:endParaRPr lang="ko-KR" altLang="en-US" sz="1400" b="1"/>
+                    </a:p>
+                  </a:txBody>
+                  <a:tcPr>
+                    <a:lnL w="12700" cap="flat" cmpd="sng" algn="ctr">
+                      <a:solidFill>
+                        <a:schemeClr val="tx1"/>
+                      </a:solidFill>
+                      <a:prstDash val="solid"/>
+                      <a:round/>
+                      <a:headEnd type="none" w="med" len="med"/>
+                      <a:tailEnd type="none" w="med" len="med"/>
+                    </a:lnL>
+                    <a:lnR w="12700" cap="flat" cmpd="sng" algn="ctr">
+                      <a:solidFill>
+                        <a:schemeClr val="tx1"/>
+                      </a:solidFill>
+                      <a:prstDash val="solid"/>
+                      <a:round/>
+                      <a:headEnd type="none" w="med" len="med"/>
+                      <a:tailEnd type="none" w="med" len="med"/>
+                    </a:lnR>
+                    <a:lnT w="12700" cap="flat" cmpd="sng" algn="ctr">
+                      <a:solidFill>
+                        <a:schemeClr val="tx1"/>
+                      </a:solidFill>
+                      <a:prstDash val="solid"/>
+                      <a:round/>
+                      <a:headEnd type="none" w="med" len="med"/>
+                      <a:tailEnd type="none" w="med" len="med"/>
+                    </a:lnT>
+                    <a:lnB w="12700" cap="flat" cmpd="sng" algn="ctr">
+                      <a:solidFill>
+                        <a:schemeClr val="tx1"/>
+                      </a:solidFill>
+                      <a:prstDash val="solid"/>
+                      <a:round/>
+                      <a:headEnd type="none" w="med" len="med"/>
+                      <a:tailEnd type="none" w="med" len="med"/>
+                    </a:lnB>
+                  </a:tcPr>
+                </a:tc>
+                <a:extLst>
+                  <a:ext uri="{0D108BD9-81ED-4DB2-BD59-A6C34878D82A}">
+                    <a16:rowId xmlns:a16="http://schemas.microsoft.com/office/drawing/2014/main" val="927730015"/>
+                  </a:ext>
+                </a:extLst>
+              </a:tr>
+              <a:tr h="370840">
+                <a:tc>
+                  <a:txBody>
+                    <a:bodyPr/>
+                    <a:lstStyle/>
+                    <a:p>
+                      <a:pPr latinLnBrk="1"/>
+                      <a:r>
+                        <a:rPr lang="en-US" altLang="ko-KR" sz="1400" b="0"/>
+                        <a:t>D4</a:t>
+                      </a:r>
+                      <a:endParaRPr lang="ko-KR" altLang="en-US" sz="1400" b="0"/>
+                    </a:p>
+                  </a:txBody>
+                  <a:tcPr>
+                    <a:lnL w="12700" cap="flat" cmpd="sng" algn="ctr">
+                      <a:solidFill>
+                        <a:schemeClr val="tx1"/>
+                      </a:solidFill>
+                      <a:prstDash val="solid"/>
+                      <a:round/>
+                      <a:headEnd type="none" w="med" len="med"/>
+                      <a:tailEnd type="none" w="med" len="med"/>
+                    </a:lnL>
+                    <a:lnR w="12700" cap="flat" cmpd="sng" algn="ctr">
+                      <a:solidFill>
+                        <a:schemeClr val="tx1"/>
+                      </a:solidFill>
+                      <a:prstDash val="solid"/>
+                      <a:round/>
+                      <a:headEnd type="none" w="med" len="med"/>
+                      <a:tailEnd type="none" w="med" len="med"/>
+                    </a:lnR>
+                    <a:lnT w="12700" cap="flat" cmpd="sng" algn="ctr">
+                      <a:solidFill>
+                        <a:schemeClr val="tx1"/>
+                      </a:solidFill>
+                      <a:prstDash val="solid"/>
+                      <a:round/>
+                      <a:headEnd type="none" w="med" len="med"/>
+                      <a:tailEnd type="none" w="med" len="med"/>
+                    </a:lnT>
+                    <a:lnB w="12700" cap="flat" cmpd="sng" algn="ctr">
+                      <a:solidFill>
+                        <a:schemeClr val="tx1"/>
+                      </a:solidFill>
+                      <a:prstDash val="solid"/>
+                      <a:round/>
+                      <a:headEnd type="none" w="med" len="med"/>
+                      <a:tailEnd type="none" w="med" len="med"/>
+                    </a:lnB>
+                  </a:tcPr>
+                </a:tc>
+                <a:tc>
+                  <a:txBody>
+                    <a:bodyPr/>
+                    <a:lstStyle/>
+                    <a:p>
+                      <a:pPr latinLnBrk="1"/>
+                      <a:r>
+                        <a:rPr lang="en-US" altLang="ko-KR" sz="1400" b="1"/>
+                        <a:t>AF21</a:t>
+                      </a:r>
+                      <a:endParaRPr lang="ko-KR" altLang="en-US" sz="1400" b="1"/>
+                    </a:p>
+                  </a:txBody>
+                  <a:tcPr>
+                    <a:lnL w="12700" cap="flat" cmpd="sng" algn="ctr">
+                      <a:solidFill>
+                        <a:schemeClr val="tx1"/>
+                      </a:solidFill>
+                      <a:prstDash val="solid"/>
+                      <a:round/>
+                      <a:headEnd type="none" w="med" len="med"/>
+                      <a:tailEnd type="none" w="med" len="med"/>
+                    </a:lnL>
+                    <a:lnR w="12700" cap="flat" cmpd="sng" algn="ctr">
+                      <a:solidFill>
+                        <a:schemeClr val="tx1"/>
+                      </a:solidFill>
+                      <a:prstDash val="solid"/>
+                      <a:round/>
+                      <a:headEnd type="none" w="med" len="med"/>
+                      <a:tailEnd type="none" w="med" len="med"/>
+                    </a:lnR>
+                    <a:lnT w="12700" cap="flat" cmpd="sng" algn="ctr">
+                      <a:solidFill>
+                        <a:schemeClr val="tx1"/>
+                      </a:solidFill>
+                      <a:prstDash val="solid"/>
+                      <a:round/>
+                      <a:headEnd type="none" w="med" len="med"/>
+                      <a:tailEnd type="none" w="med" len="med"/>
+                    </a:lnT>
+                    <a:lnB w="12700" cap="flat" cmpd="sng" algn="ctr">
+                      <a:solidFill>
+                        <a:schemeClr val="tx1"/>
+                      </a:solidFill>
+                      <a:prstDash val="solid"/>
+                      <a:round/>
+                      <a:headEnd type="none" w="med" len="med"/>
+                      <a:tailEnd type="none" w="med" len="med"/>
+                    </a:lnB>
+                  </a:tcPr>
+                </a:tc>
+                <a:extLst>
+                  <a:ext uri="{0D108BD9-81ED-4DB2-BD59-A6C34878D82A}">
+                    <a16:rowId xmlns:a16="http://schemas.microsoft.com/office/drawing/2014/main" val="2498779703"/>
+                  </a:ext>
+                </a:extLst>
+              </a:tr>
+              <a:tr h="370840">
+                <a:tc>
+                  <a:txBody>
+                    <a:bodyPr/>
+                    <a:lstStyle/>
+                    <a:p>
+                      <a:pPr latinLnBrk="1"/>
+                      <a:r>
+                        <a:rPr lang="en-US" altLang="ko-KR" sz="1400" b="0"/>
+                        <a:t>D2</a:t>
+                      </a:r>
+                      <a:endParaRPr lang="ko-KR" altLang="en-US" sz="1400" b="0"/>
+                    </a:p>
+                  </a:txBody>
+                  <a:tcPr>
+                    <a:lnL w="12700" cap="flat" cmpd="sng" algn="ctr">
+                      <a:solidFill>
+                        <a:schemeClr val="tx1"/>
+                      </a:solidFill>
+                      <a:prstDash val="solid"/>
+                      <a:round/>
+                      <a:headEnd type="none" w="med" len="med"/>
+                      <a:tailEnd type="none" w="med" len="med"/>
+                    </a:lnL>
+                    <a:lnR w="12700" cap="flat" cmpd="sng" algn="ctr">
+                      <a:solidFill>
+                        <a:schemeClr val="tx1"/>
+                      </a:solidFill>
+                      <a:prstDash val="solid"/>
+                      <a:round/>
+                      <a:headEnd type="none" w="med" len="med"/>
+                      <a:tailEnd type="none" w="med" len="med"/>
+                    </a:lnR>
+                    <a:lnT w="12700" cap="flat" cmpd="sng" algn="ctr">
+                      <a:solidFill>
+                        <a:schemeClr val="tx1"/>
+                      </a:solidFill>
+                      <a:prstDash val="solid"/>
+                      <a:round/>
+                      <a:headEnd type="none" w="med" len="med"/>
+                      <a:tailEnd type="none" w="med" len="med"/>
+                    </a:lnT>
+                    <a:lnB w="12700" cap="flat" cmpd="sng" algn="ctr">
+                      <a:solidFill>
+                        <a:schemeClr val="tx1"/>
+                      </a:solidFill>
+                      <a:prstDash val="solid"/>
+                      <a:round/>
+                      <a:headEnd type="none" w="med" len="med"/>
+                      <a:tailEnd type="none" w="med" len="med"/>
+                    </a:lnB>
+                  </a:tcPr>
+                </a:tc>
+                <a:tc>
+                  <a:txBody>
+                    <a:bodyPr/>
+                    <a:lstStyle/>
+                    <a:p>
+                      <a:pPr latinLnBrk="1"/>
+                      <a:r>
+                        <a:rPr lang="en-US" altLang="ko-KR" sz="1400" b="1"/>
+                        <a:t>AD22</a:t>
+                      </a:r>
+                      <a:endParaRPr lang="ko-KR" altLang="en-US" sz="1400" b="1"/>
+                    </a:p>
+                  </a:txBody>
+                  <a:tcPr>
+                    <a:lnL w="12700" cap="flat" cmpd="sng" algn="ctr">
+                      <a:solidFill>
+                        <a:schemeClr val="tx1"/>
+                      </a:solidFill>
+                      <a:prstDash val="solid"/>
+                      <a:round/>
+                      <a:headEnd type="none" w="med" len="med"/>
+                      <a:tailEnd type="none" w="med" len="med"/>
+                    </a:lnL>
+                    <a:lnR w="12700" cap="flat" cmpd="sng" algn="ctr">
+                      <a:solidFill>
+                        <a:schemeClr val="tx1"/>
+                      </a:solidFill>
+                      <a:prstDash val="solid"/>
+                      <a:round/>
+                      <a:headEnd type="none" w="med" len="med"/>
+                      <a:tailEnd type="none" w="med" len="med"/>
+                    </a:lnR>
+                    <a:lnT w="12700" cap="flat" cmpd="sng" algn="ctr">
+                      <a:solidFill>
+                        <a:schemeClr val="tx1"/>
+                      </a:solidFill>
+                      <a:prstDash val="solid"/>
+                      <a:round/>
+                      <a:headEnd type="none" w="med" len="med"/>
+                      <a:tailEnd type="none" w="med" len="med"/>
+                    </a:lnT>
+                    <a:lnB w="12700" cap="flat" cmpd="sng" algn="ctr">
+                      <a:solidFill>
+                        <a:schemeClr val="tx1"/>
+                      </a:solidFill>
+                      <a:prstDash val="solid"/>
+                      <a:round/>
+                      <a:headEnd type="none" w="med" len="med"/>
+                      <a:tailEnd type="none" w="med" len="med"/>
+                    </a:lnB>
+                  </a:tcPr>
+                </a:tc>
+                <a:extLst>
+                  <a:ext uri="{0D108BD9-81ED-4DB2-BD59-A6C34878D82A}">
+                    <a16:rowId xmlns:a16="http://schemas.microsoft.com/office/drawing/2014/main" val="4279339226"/>
+                  </a:ext>
+                </a:extLst>
+              </a:tr>
+              <a:tr h="370840">
+                <a:tc>
+                  <a:txBody>
+                    <a:bodyPr/>
+                    <a:lstStyle/>
+                    <a:p>
+                      <a:pPr latinLnBrk="1"/>
+                      <a:r>
+                        <a:rPr lang="en-US" altLang="ko-KR" sz="1400" b="0"/>
+                        <a:t>D0</a:t>
+                      </a:r>
+                      <a:endParaRPr lang="ko-KR" altLang="en-US" sz="1400" b="0"/>
+                    </a:p>
+                  </a:txBody>
+                  <a:tcPr>
+                    <a:lnL w="12700" cap="flat" cmpd="sng" algn="ctr">
+                      <a:solidFill>
+                        <a:schemeClr val="tx1"/>
+                      </a:solidFill>
+                      <a:prstDash val="solid"/>
+                      <a:round/>
+                      <a:headEnd type="none" w="med" len="med"/>
+                      <a:tailEnd type="none" w="med" len="med"/>
+                    </a:lnL>
+                    <a:lnR w="12700" cap="flat" cmpd="sng" algn="ctr">
+                      <a:solidFill>
+                        <a:schemeClr val="tx1"/>
+                      </a:solidFill>
+                      <a:prstDash val="solid"/>
+                      <a:round/>
+                      <a:headEnd type="none" w="med" len="med"/>
+                      <a:tailEnd type="none" w="med" len="med"/>
+                    </a:lnR>
+                    <a:lnT w="12700" cap="flat" cmpd="sng" algn="ctr">
+                      <a:solidFill>
+                        <a:schemeClr val="tx1"/>
+                      </a:solidFill>
+                      <a:prstDash val="solid"/>
+                      <a:round/>
+                      <a:headEnd type="none" w="med" len="med"/>
+                      <a:tailEnd type="none" w="med" len="med"/>
+                    </a:lnT>
+                    <a:lnB w="12700" cap="flat" cmpd="sng" algn="ctr">
+                      <a:solidFill>
+                        <a:schemeClr val="tx1"/>
+                      </a:solidFill>
+                      <a:prstDash val="solid"/>
+                      <a:round/>
+                      <a:headEnd type="none" w="med" len="med"/>
+                      <a:tailEnd type="none" w="med" len="med"/>
+                    </a:lnB>
+                  </a:tcPr>
+                </a:tc>
+                <a:tc>
+                  <a:txBody>
+                    <a:bodyPr/>
+                    <a:lstStyle/>
+                    <a:p>
+                      <a:pPr latinLnBrk="1"/>
+                      <a:r>
+                        <a:rPr lang="en-US" altLang="ko-KR" sz="1400" b="1"/>
+                        <a:t>AD25</a:t>
+                      </a:r>
+                      <a:endParaRPr lang="ko-KR" altLang="en-US" sz="1400" b="1"/>
+                    </a:p>
+                  </a:txBody>
+                  <a:tcPr>
+                    <a:lnL w="12700" cap="flat" cmpd="sng" algn="ctr">
+                      <a:solidFill>
+                        <a:schemeClr val="tx1"/>
+                      </a:solidFill>
+                      <a:prstDash val="solid"/>
+                      <a:round/>
+                      <a:headEnd type="none" w="med" len="med"/>
+                      <a:tailEnd type="none" w="med" len="med"/>
+                    </a:lnL>
+                    <a:lnR w="12700" cap="flat" cmpd="sng" algn="ctr">
+                      <a:solidFill>
+                        <a:schemeClr val="tx1"/>
+                      </a:solidFill>
+                      <a:prstDash val="solid"/>
+                      <a:round/>
+                      <a:headEnd type="none" w="med" len="med"/>
+                      <a:tailEnd type="none" w="med" len="med"/>
+                    </a:lnR>
+                    <a:lnT w="12700" cap="flat" cmpd="sng" algn="ctr">
+                      <a:solidFill>
+                        <a:schemeClr val="tx1"/>
+                      </a:solidFill>
+                      <a:prstDash val="solid"/>
+                      <a:round/>
+                      <a:headEnd type="none" w="med" len="med"/>
+                      <a:tailEnd type="none" w="med" len="med"/>
+                    </a:lnT>
+                    <a:lnB w="12700" cap="flat" cmpd="sng" algn="ctr">
+                      <a:solidFill>
+                        <a:schemeClr val="tx1"/>
+                      </a:solidFill>
+                      <a:prstDash val="solid"/>
+                      <a:round/>
+                      <a:headEnd type="none" w="med" len="med"/>
+                      <a:tailEnd type="none" w="med" len="med"/>
+                    </a:lnB>
+                  </a:tcPr>
+                </a:tc>
+                <a:extLst>
+                  <a:ext uri="{0D108BD9-81ED-4DB2-BD59-A6C34878D82A}">
+                    <a16:rowId xmlns:a16="http://schemas.microsoft.com/office/drawing/2014/main" val="2485446604"/>
+                  </a:ext>
+                </a:extLst>
+              </a:tr>
+            </a:tbl>
+          </a:graphicData>
+        </a:graphic>
+      </p:graphicFrame>
+    </p:spTree>
+    <p:extLst>
+      <p:ext uri="{BB962C8B-B14F-4D97-AF65-F5344CB8AC3E}">
+        <p14:creationId xmlns:p14="http://schemas.microsoft.com/office/powerpoint/2010/main" val="1931326788"/>
       </p:ext>
     </p:extLst>
   </p:cSld>
